--- a/poisson/fig/fig.pptx
+++ b/poisson/fig/fig.pptx
@@ -475,6 +475,1148 @@
           <a:chExt cx="0" cy="0"/>
         </a:xfrm>
       </p:grpSpPr>
+      <p:sp>
+        <p:nvSpPr>
+          <p:cNvPr id="5" name="正方形/長方形 4">
+            <a:extLst>
+              <a:ext uri="{FF2B5EF4-FFF2-40B4-BE49-F238E27FC236}">
+                <a16:creationId xmlns:a16="http://schemas.microsoft.com/office/drawing/2014/main" id="{B0A85E59-05FE-48F8-5EC9-A1BCD916F062}"/>
+              </a:ext>
+            </a:extLst>
+          </p:cNvPr>
+          <p:cNvSpPr/>
+          <p:nvPr/>
+        </p:nvSpPr>
+        <p:spPr>
+          <a:xfrm>
+            <a:off x="1055440" y="1268760"/>
+            <a:ext cx="1440160" cy="1440160"/>
+          </a:xfrm>
+          <a:prstGeom prst="rect">
+            <a:avLst/>
+          </a:prstGeom>
+          <a:noFill/>
+        </p:spPr>
+        <p:style>
+          <a:lnRef idx="2">
+            <a:schemeClr val="accent1">
+              <a:shade val="50000"/>
+            </a:schemeClr>
+          </a:lnRef>
+          <a:fillRef idx="1">
+            <a:schemeClr val="accent1"/>
+          </a:fillRef>
+          <a:effectRef idx="0">
+            <a:schemeClr val="accent1"/>
+          </a:effectRef>
+          <a:fontRef idx="minor">
+            <a:schemeClr val="lt1"/>
+          </a:fontRef>
+        </p:style>
+        <p:txBody>
+          <a:bodyPr rtlCol="0" anchor="ctr"/>
+          <a:lstStyle/>
+          <a:p>
+            <a:pPr algn="ctr"/>
+            <a:endParaRPr kumimoji="1" lang="ja-JP" altLang="en-US"/>
+          </a:p>
+        </p:txBody>
+      </p:sp>
+      <p:cxnSp>
+        <p:nvCxnSpPr>
+          <p:cNvPr id="7" name="直線コネクタ 6">
+            <a:extLst>
+              <a:ext uri="{FF2B5EF4-FFF2-40B4-BE49-F238E27FC236}">
+                <a16:creationId xmlns:a16="http://schemas.microsoft.com/office/drawing/2014/main" id="{B0F59F4A-7353-D314-8F78-E49237F64BA4}"/>
+              </a:ext>
+            </a:extLst>
+          </p:cNvPr>
+          <p:cNvCxnSpPr>
+            <a:cxnSpLocks/>
+          </p:cNvCxnSpPr>
+          <p:nvPr/>
+        </p:nvCxnSpPr>
+        <p:spPr>
+          <a:xfrm>
+            <a:off x="3215680" y="548680"/>
+            <a:ext cx="0" cy="1440160"/>
+          </a:xfrm>
+          <a:prstGeom prst="line">
+            <a:avLst/>
+          </a:prstGeom>
+          <a:ln>
+            <a:solidFill>
+              <a:schemeClr val="tx1"/>
+            </a:solidFill>
+            <a:headEnd type="none" w="med" len="med"/>
+            <a:tailEnd type="none" w="med" len="med"/>
+          </a:ln>
+        </p:spPr>
+        <p:style>
+          <a:lnRef idx="1">
+            <a:schemeClr val="accent1"/>
+          </a:lnRef>
+          <a:fillRef idx="0">
+            <a:schemeClr val="accent1"/>
+          </a:fillRef>
+          <a:effectRef idx="0">
+            <a:schemeClr val="accent1"/>
+          </a:effectRef>
+          <a:fontRef idx="minor">
+            <a:schemeClr val="tx1"/>
+          </a:fontRef>
+        </p:style>
+      </p:cxnSp>
+      <p:cxnSp>
+        <p:nvCxnSpPr>
+          <p:cNvPr id="12" name="直線コネクタ 11">
+            <a:extLst>
+              <a:ext uri="{FF2B5EF4-FFF2-40B4-BE49-F238E27FC236}">
+                <a16:creationId xmlns:a16="http://schemas.microsoft.com/office/drawing/2014/main" id="{AF7BCD84-5A5B-FCF6-A6A2-7D29A8F1B928}"/>
+              </a:ext>
+            </a:extLst>
+          </p:cNvPr>
+          <p:cNvCxnSpPr>
+            <a:cxnSpLocks/>
+          </p:cNvCxnSpPr>
+          <p:nvPr/>
+        </p:nvCxnSpPr>
+        <p:spPr>
+          <a:xfrm flipH="1">
+            <a:off x="1775520" y="548680"/>
+            <a:ext cx="1440160" cy="0"/>
+          </a:xfrm>
+          <a:prstGeom prst="line">
+            <a:avLst/>
+          </a:prstGeom>
+          <a:ln>
+            <a:solidFill>
+              <a:schemeClr val="tx1"/>
+            </a:solidFill>
+            <a:headEnd type="none" w="med" len="med"/>
+            <a:tailEnd type="none" w="med" len="med"/>
+          </a:ln>
+        </p:spPr>
+        <p:style>
+          <a:lnRef idx="1">
+            <a:schemeClr val="accent1"/>
+          </a:lnRef>
+          <a:fillRef idx="0">
+            <a:schemeClr val="accent1"/>
+          </a:fillRef>
+          <a:effectRef idx="0">
+            <a:schemeClr val="accent1"/>
+          </a:effectRef>
+          <a:fontRef idx="minor">
+            <a:schemeClr val="tx1"/>
+          </a:fontRef>
+        </p:style>
+      </p:cxnSp>
+      <p:cxnSp>
+        <p:nvCxnSpPr>
+          <p:cNvPr id="15" name="直線コネクタ 14">
+            <a:extLst>
+              <a:ext uri="{FF2B5EF4-FFF2-40B4-BE49-F238E27FC236}">
+                <a16:creationId xmlns:a16="http://schemas.microsoft.com/office/drawing/2014/main" id="{08515336-5175-3C93-FF80-B2A427CB01C6}"/>
+              </a:ext>
+            </a:extLst>
+          </p:cNvPr>
+          <p:cNvCxnSpPr/>
+          <p:nvPr/>
+        </p:nvCxnSpPr>
+        <p:spPr>
+          <a:xfrm flipH="1">
+            <a:off x="1055440" y="548680"/>
+            <a:ext cx="720080" cy="720080"/>
+          </a:xfrm>
+          <a:prstGeom prst="line">
+            <a:avLst/>
+          </a:prstGeom>
+          <a:ln>
+            <a:solidFill>
+              <a:schemeClr val="tx1"/>
+            </a:solidFill>
+            <a:headEnd type="none" w="med" len="med"/>
+            <a:tailEnd type="none" w="med" len="med"/>
+          </a:ln>
+        </p:spPr>
+        <p:style>
+          <a:lnRef idx="1">
+            <a:schemeClr val="accent1"/>
+          </a:lnRef>
+          <a:fillRef idx="0">
+            <a:schemeClr val="accent1"/>
+          </a:fillRef>
+          <a:effectRef idx="0">
+            <a:schemeClr val="accent1"/>
+          </a:effectRef>
+          <a:fontRef idx="minor">
+            <a:schemeClr val="tx1"/>
+          </a:fontRef>
+        </p:style>
+      </p:cxnSp>
+      <p:cxnSp>
+        <p:nvCxnSpPr>
+          <p:cNvPr id="17" name="直線コネクタ 16">
+            <a:extLst>
+              <a:ext uri="{FF2B5EF4-FFF2-40B4-BE49-F238E27FC236}">
+                <a16:creationId xmlns:a16="http://schemas.microsoft.com/office/drawing/2014/main" id="{B4F0C428-DC16-7D6F-9CA9-B5ECCDE86D95}"/>
+              </a:ext>
+            </a:extLst>
+          </p:cNvPr>
+          <p:cNvCxnSpPr/>
+          <p:nvPr/>
+        </p:nvCxnSpPr>
+        <p:spPr>
+          <a:xfrm flipH="1">
+            <a:off x="2495600" y="548680"/>
+            <a:ext cx="720080" cy="720080"/>
+          </a:xfrm>
+          <a:prstGeom prst="line">
+            <a:avLst/>
+          </a:prstGeom>
+          <a:ln>
+            <a:solidFill>
+              <a:schemeClr val="tx1"/>
+            </a:solidFill>
+            <a:headEnd type="none" w="med" len="med"/>
+            <a:tailEnd type="none" w="med" len="med"/>
+          </a:ln>
+        </p:spPr>
+        <p:style>
+          <a:lnRef idx="1">
+            <a:schemeClr val="accent1"/>
+          </a:lnRef>
+          <a:fillRef idx="0">
+            <a:schemeClr val="accent1"/>
+          </a:fillRef>
+          <a:effectRef idx="0">
+            <a:schemeClr val="accent1"/>
+          </a:effectRef>
+          <a:fontRef idx="minor">
+            <a:schemeClr val="tx1"/>
+          </a:fontRef>
+        </p:style>
+      </p:cxnSp>
+      <p:cxnSp>
+        <p:nvCxnSpPr>
+          <p:cNvPr id="19" name="直線コネクタ 18">
+            <a:extLst>
+              <a:ext uri="{FF2B5EF4-FFF2-40B4-BE49-F238E27FC236}">
+                <a16:creationId xmlns:a16="http://schemas.microsoft.com/office/drawing/2014/main" id="{7F29A727-3C17-82D3-8D64-5EF80FD15231}"/>
+              </a:ext>
+            </a:extLst>
+          </p:cNvPr>
+          <p:cNvCxnSpPr/>
+          <p:nvPr/>
+        </p:nvCxnSpPr>
+        <p:spPr>
+          <a:xfrm flipH="1">
+            <a:off x="2495600" y="1988840"/>
+            <a:ext cx="720080" cy="720080"/>
+          </a:xfrm>
+          <a:prstGeom prst="line">
+            <a:avLst/>
+          </a:prstGeom>
+          <a:ln>
+            <a:solidFill>
+              <a:schemeClr val="tx1"/>
+            </a:solidFill>
+            <a:headEnd type="none" w="med" len="med"/>
+            <a:tailEnd type="none" w="med" len="med"/>
+          </a:ln>
+        </p:spPr>
+        <p:style>
+          <a:lnRef idx="1">
+            <a:schemeClr val="accent1"/>
+          </a:lnRef>
+          <a:fillRef idx="0">
+            <a:schemeClr val="accent1"/>
+          </a:fillRef>
+          <a:effectRef idx="0">
+            <a:schemeClr val="accent1"/>
+          </a:effectRef>
+          <a:fontRef idx="minor">
+            <a:schemeClr val="tx1"/>
+          </a:fontRef>
+        </p:style>
+      </p:cxnSp>
+      <p:sp>
+        <p:nvSpPr>
+          <p:cNvPr id="20" name="楕円 19">
+            <a:extLst>
+              <a:ext uri="{FF2B5EF4-FFF2-40B4-BE49-F238E27FC236}">
+                <a16:creationId xmlns:a16="http://schemas.microsoft.com/office/drawing/2014/main" id="{8D84A1F3-7E83-7F98-34F5-4CEAEAE43086}"/>
+              </a:ext>
+            </a:extLst>
+          </p:cNvPr>
+          <p:cNvSpPr/>
+          <p:nvPr/>
+        </p:nvSpPr>
+        <p:spPr>
+          <a:xfrm>
+            <a:off x="1847528" y="764704"/>
+            <a:ext cx="576064" cy="288032"/>
+          </a:xfrm>
+          <a:prstGeom prst="ellipse">
+            <a:avLst/>
+          </a:prstGeom>
+          <a:solidFill>
+            <a:srgbClr val="FF0000"/>
+          </a:solidFill>
+          <a:ln>
+            <a:noFill/>
+          </a:ln>
+        </p:spPr>
+        <p:style>
+          <a:lnRef idx="2">
+            <a:schemeClr val="accent1">
+              <a:shade val="50000"/>
+            </a:schemeClr>
+          </a:lnRef>
+          <a:fillRef idx="1">
+            <a:schemeClr val="accent1"/>
+          </a:fillRef>
+          <a:effectRef idx="0">
+            <a:schemeClr val="accent1"/>
+          </a:effectRef>
+          <a:fontRef idx="minor">
+            <a:schemeClr val="lt1"/>
+          </a:fontRef>
+        </p:style>
+        <p:txBody>
+          <a:bodyPr rtlCol="0" anchor="ctr"/>
+          <a:lstStyle/>
+          <a:p>
+            <a:pPr algn="ctr"/>
+            <a:endParaRPr kumimoji="1" lang="ja-JP" altLang="en-US"/>
+          </a:p>
+        </p:txBody>
+      </p:sp>
+      <p:sp>
+        <p:nvSpPr>
+          <p:cNvPr id="21" name="楕円 20">
+            <a:extLst>
+              <a:ext uri="{FF2B5EF4-FFF2-40B4-BE49-F238E27FC236}">
+                <a16:creationId xmlns:a16="http://schemas.microsoft.com/office/drawing/2014/main" id="{E5457FEC-A3EA-A288-B533-788C69F34F49}"/>
+              </a:ext>
+            </a:extLst>
+          </p:cNvPr>
+          <p:cNvSpPr/>
+          <p:nvPr/>
+        </p:nvSpPr>
+        <p:spPr>
+          <a:xfrm>
+            <a:off x="1199456" y="1412776"/>
+            <a:ext cx="432048" cy="432048"/>
+          </a:xfrm>
+          <a:prstGeom prst="ellipse">
+            <a:avLst/>
+          </a:prstGeom>
+          <a:solidFill>
+            <a:schemeClr val="tx1"/>
+          </a:solidFill>
+          <a:ln>
+            <a:noFill/>
+          </a:ln>
+        </p:spPr>
+        <p:style>
+          <a:lnRef idx="2">
+            <a:schemeClr val="accent1">
+              <a:shade val="50000"/>
+            </a:schemeClr>
+          </a:lnRef>
+          <a:fillRef idx="1">
+            <a:schemeClr val="accent1"/>
+          </a:fillRef>
+          <a:effectRef idx="0">
+            <a:schemeClr val="accent1"/>
+          </a:effectRef>
+          <a:fontRef idx="minor">
+            <a:schemeClr val="lt1"/>
+          </a:fontRef>
+        </p:style>
+        <p:txBody>
+          <a:bodyPr rtlCol="0" anchor="ctr"/>
+          <a:lstStyle/>
+          <a:p>
+            <a:pPr algn="ctr"/>
+            <a:endParaRPr kumimoji="1" lang="ja-JP" altLang="en-US"/>
+          </a:p>
+        </p:txBody>
+      </p:sp>
+      <p:sp>
+        <p:nvSpPr>
+          <p:cNvPr id="22" name="楕円 21">
+            <a:extLst>
+              <a:ext uri="{FF2B5EF4-FFF2-40B4-BE49-F238E27FC236}">
+                <a16:creationId xmlns:a16="http://schemas.microsoft.com/office/drawing/2014/main" id="{02FC20CA-7165-ED2F-0B39-1CDB3ED50FFA}"/>
+              </a:ext>
+            </a:extLst>
+          </p:cNvPr>
+          <p:cNvSpPr/>
+          <p:nvPr/>
+        </p:nvSpPr>
+        <p:spPr>
+          <a:xfrm>
+            <a:off x="1919536" y="2132856"/>
+            <a:ext cx="432048" cy="432048"/>
+          </a:xfrm>
+          <a:prstGeom prst="ellipse">
+            <a:avLst/>
+          </a:prstGeom>
+          <a:solidFill>
+            <a:schemeClr val="tx1"/>
+          </a:solidFill>
+          <a:ln>
+            <a:noFill/>
+          </a:ln>
+        </p:spPr>
+        <p:style>
+          <a:lnRef idx="2">
+            <a:schemeClr val="accent1">
+              <a:shade val="50000"/>
+            </a:schemeClr>
+          </a:lnRef>
+          <a:fillRef idx="1">
+            <a:schemeClr val="accent1"/>
+          </a:fillRef>
+          <a:effectRef idx="0">
+            <a:schemeClr val="accent1"/>
+          </a:effectRef>
+          <a:fontRef idx="minor">
+            <a:schemeClr val="lt1"/>
+          </a:fontRef>
+        </p:style>
+        <p:txBody>
+          <a:bodyPr rtlCol="0" anchor="ctr"/>
+          <a:lstStyle/>
+          <a:p>
+            <a:pPr algn="ctr"/>
+            <a:endParaRPr kumimoji="1" lang="ja-JP" altLang="en-US"/>
+          </a:p>
+        </p:txBody>
+      </p:sp>
+      <p:sp>
+        <p:nvSpPr>
+          <p:cNvPr id="27" name="楕円 26">
+            <a:extLst>
+              <a:ext uri="{FF2B5EF4-FFF2-40B4-BE49-F238E27FC236}">
+                <a16:creationId xmlns:a16="http://schemas.microsoft.com/office/drawing/2014/main" id="{4CFBC829-95D4-647E-DC49-A0977ED54979}"/>
+              </a:ext>
+            </a:extLst>
+          </p:cNvPr>
+          <p:cNvSpPr/>
+          <p:nvPr/>
+        </p:nvSpPr>
+        <p:spPr>
+          <a:xfrm>
+            <a:off x="2904498" y="848287"/>
+            <a:ext cx="288032" cy="432048"/>
+          </a:xfrm>
+          <a:prstGeom prst="ellipse">
+            <a:avLst/>
+          </a:prstGeom>
+          <a:solidFill>
+            <a:schemeClr val="tx1"/>
+          </a:solidFill>
+          <a:ln>
+            <a:noFill/>
+          </a:ln>
+        </p:spPr>
+        <p:style>
+          <a:lnRef idx="2">
+            <a:schemeClr val="accent1">
+              <a:shade val="50000"/>
+            </a:schemeClr>
+          </a:lnRef>
+          <a:fillRef idx="1">
+            <a:schemeClr val="accent1"/>
+          </a:fillRef>
+          <a:effectRef idx="0">
+            <a:schemeClr val="accent1"/>
+          </a:effectRef>
+          <a:fontRef idx="minor">
+            <a:schemeClr val="lt1"/>
+          </a:fontRef>
+        </p:style>
+        <p:txBody>
+          <a:bodyPr rtlCol="0" anchor="ctr"/>
+          <a:lstStyle/>
+          <a:p>
+            <a:pPr algn="ctr"/>
+            <a:endParaRPr kumimoji="1" lang="ja-JP" altLang="en-US"/>
+          </a:p>
+        </p:txBody>
+      </p:sp>
+      <p:sp>
+        <p:nvSpPr>
+          <p:cNvPr id="28" name="楕円 27">
+            <a:extLst>
+              <a:ext uri="{FF2B5EF4-FFF2-40B4-BE49-F238E27FC236}">
+                <a16:creationId xmlns:a16="http://schemas.microsoft.com/office/drawing/2014/main" id="{E2D2228C-A8F7-82E6-E114-E8198B1E2DD1}"/>
+              </a:ext>
+            </a:extLst>
+          </p:cNvPr>
+          <p:cNvSpPr/>
+          <p:nvPr/>
+        </p:nvSpPr>
+        <p:spPr>
+          <a:xfrm>
+            <a:off x="2711624" y="1412776"/>
+            <a:ext cx="288032" cy="432048"/>
+          </a:xfrm>
+          <a:prstGeom prst="ellipse">
+            <a:avLst/>
+          </a:prstGeom>
+          <a:solidFill>
+            <a:schemeClr val="tx1"/>
+          </a:solidFill>
+          <a:ln>
+            <a:noFill/>
+          </a:ln>
+        </p:spPr>
+        <p:style>
+          <a:lnRef idx="2">
+            <a:schemeClr val="accent1">
+              <a:shade val="50000"/>
+            </a:schemeClr>
+          </a:lnRef>
+          <a:fillRef idx="1">
+            <a:schemeClr val="accent1"/>
+          </a:fillRef>
+          <a:effectRef idx="0">
+            <a:schemeClr val="accent1"/>
+          </a:effectRef>
+          <a:fontRef idx="minor">
+            <a:schemeClr val="lt1"/>
+          </a:fontRef>
+        </p:style>
+        <p:txBody>
+          <a:bodyPr rtlCol="0" anchor="ctr"/>
+          <a:lstStyle/>
+          <a:p>
+            <a:pPr algn="ctr"/>
+            <a:endParaRPr kumimoji="1" lang="ja-JP" altLang="en-US"/>
+          </a:p>
+        </p:txBody>
+      </p:sp>
+      <p:sp>
+        <p:nvSpPr>
+          <p:cNvPr id="29" name="楕円 28">
+            <a:extLst>
+              <a:ext uri="{FF2B5EF4-FFF2-40B4-BE49-F238E27FC236}">
+                <a16:creationId xmlns:a16="http://schemas.microsoft.com/office/drawing/2014/main" id="{2A30FABC-65BD-B177-1116-301B88A3062E}"/>
+              </a:ext>
+            </a:extLst>
+          </p:cNvPr>
+          <p:cNvSpPr/>
+          <p:nvPr/>
+        </p:nvSpPr>
+        <p:spPr>
+          <a:xfrm>
+            <a:off x="2544458" y="1977265"/>
+            <a:ext cx="288032" cy="432048"/>
+          </a:xfrm>
+          <a:prstGeom prst="ellipse">
+            <a:avLst/>
+          </a:prstGeom>
+          <a:solidFill>
+            <a:schemeClr val="tx1"/>
+          </a:solidFill>
+          <a:ln>
+            <a:noFill/>
+          </a:ln>
+        </p:spPr>
+        <p:style>
+          <a:lnRef idx="2">
+            <a:schemeClr val="accent1">
+              <a:shade val="50000"/>
+            </a:schemeClr>
+          </a:lnRef>
+          <a:fillRef idx="1">
+            <a:schemeClr val="accent1"/>
+          </a:fillRef>
+          <a:effectRef idx="0">
+            <a:schemeClr val="accent1"/>
+          </a:effectRef>
+          <a:fontRef idx="minor">
+            <a:schemeClr val="lt1"/>
+          </a:fontRef>
+        </p:style>
+        <p:txBody>
+          <a:bodyPr rtlCol="0" anchor="ctr"/>
+          <a:lstStyle/>
+          <a:p>
+            <a:pPr algn="ctr"/>
+            <a:endParaRPr kumimoji="1" lang="ja-JP" altLang="en-US"/>
+          </a:p>
+        </p:txBody>
+      </p:sp>
+      <p:cxnSp>
+        <p:nvCxnSpPr>
+          <p:cNvPr id="31" name="直線矢印コネクタ 30">
+            <a:extLst>
+              <a:ext uri="{FF2B5EF4-FFF2-40B4-BE49-F238E27FC236}">
+                <a16:creationId xmlns:a16="http://schemas.microsoft.com/office/drawing/2014/main" id="{1FAC3C7F-8AA0-CE0B-10AF-95ADF39BB479}"/>
+              </a:ext>
+            </a:extLst>
+          </p:cNvPr>
+          <p:cNvCxnSpPr/>
+          <p:nvPr/>
+        </p:nvCxnSpPr>
+        <p:spPr>
+          <a:xfrm flipH="1">
+            <a:off x="5087888" y="1628800"/>
+            <a:ext cx="1368152" cy="1368152"/>
+          </a:xfrm>
+          <a:prstGeom prst="straightConnector1">
+            <a:avLst/>
+          </a:prstGeom>
+          <a:ln>
+            <a:solidFill>
+              <a:schemeClr val="tx1"/>
+            </a:solidFill>
+            <a:headEnd type="none" w="med" len="med"/>
+            <a:tailEnd type="triangle"/>
+          </a:ln>
+        </p:spPr>
+        <p:style>
+          <a:lnRef idx="1">
+            <a:schemeClr val="accent1"/>
+          </a:lnRef>
+          <a:fillRef idx="0">
+            <a:schemeClr val="accent1"/>
+          </a:fillRef>
+          <a:effectRef idx="0">
+            <a:schemeClr val="accent1"/>
+          </a:effectRef>
+          <a:fontRef idx="minor">
+            <a:schemeClr val="tx1"/>
+          </a:fontRef>
+        </p:style>
+      </p:cxnSp>
+      <p:cxnSp>
+        <p:nvCxnSpPr>
+          <p:cNvPr id="33" name="直線矢印コネクタ 32">
+            <a:extLst>
+              <a:ext uri="{FF2B5EF4-FFF2-40B4-BE49-F238E27FC236}">
+                <a16:creationId xmlns:a16="http://schemas.microsoft.com/office/drawing/2014/main" id="{70088B59-FD3B-1105-B9DC-F31DC24B0237}"/>
+              </a:ext>
+            </a:extLst>
+          </p:cNvPr>
+          <p:cNvCxnSpPr/>
+          <p:nvPr/>
+        </p:nvCxnSpPr>
+        <p:spPr>
+          <a:xfrm>
+            <a:off x="5663952" y="1988840"/>
+            <a:ext cx="2376264" cy="0"/>
+          </a:xfrm>
+          <a:prstGeom prst="straightConnector1">
+            <a:avLst/>
+          </a:prstGeom>
+          <a:ln>
+            <a:solidFill>
+              <a:schemeClr val="tx1"/>
+            </a:solidFill>
+            <a:headEnd type="none" w="med" len="med"/>
+            <a:tailEnd type="triangle"/>
+          </a:ln>
+        </p:spPr>
+        <p:style>
+          <a:lnRef idx="1">
+            <a:schemeClr val="accent1"/>
+          </a:lnRef>
+          <a:fillRef idx="0">
+            <a:schemeClr val="accent1"/>
+          </a:fillRef>
+          <a:effectRef idx="0">
+            <a:schemeClr val="accent1"/>
+          </a:effectRef>
+          <a:fontRef idx="minor">
+            <a:schemeClr val="tx1"/>
+          </a:fontRef>
+        </p:style>
+      </p:cxnSp>
+      <p:cxnSp>
+        <p:nvCxnSpPr>
+          <p:cNvPr id="35" name="直線矢印コネクタ 34">
+            <a:extLst>
+              <a:ext uri="{FF2B5EF4-FFF2-40B4-BE49-F238E27FC236}">
+                <a16:creationId xmlns:a16="http://schemas.microsoft.com/office/drawing/2014/main" id="{F6C28C07-CDA4-C859-58B8-1B0A2282A8E6}"/>
+              </a:ext>
+            </a:extLst>
+          </p:cNvPr>
+          <p:cNvCxnSpPr/>
+          <p:nvPr/>
+        </p:nvCxnSpPr>
+        <p:spPr>
+          <a:xfrm flipV="1">
+            <a:off x="6096000" y="404664"/>
+            <a:ext cx="0" cy="2088232"/>
+          </a:xfrm>
+          <a:prstGeom prst="straightConnector1">
+            <a:avLst/>
+          </a:prstGeom>
+          <a:ln>
+            <a:solidFill>
+              <a:schemeClr val="tx1"/>
+            </a:solidFill>
+            <a:headEnd type="none" w="med" len="med"/>
+            <a:tailEnd type="triangle"/>
+          </a:ln>
+        </p:spPr>
+        <p:style>
+          <a:lnRef idx="1">
+            <a:schemeClr val="accent1"/>
+          </a:lnRef>
+          <a:fillRef idx="0">
+            <a:schemeClr val="accent1"/>
+          </a:fillRef>
+          <a:effectRef idx="0">
+            <a:schemeClr val="accent1"/>
+          </a:effectRef>
+          <a:fontRef idx="minor">
+            <a:schemeClr val="tx1"/>
+          </a:fontRef>
+        </p:style>
+      </p:cxnSp>
+      <p:sp>
+        <p:nvSpPr>
+          <p:cNvPr id="37" name="矢印: 右カーブ 36">
+            <a:extLst>
+              <a:ext uri="{FF2B5EF4-FFF2-40B4-BE49-F238E27FC236}">
+                <a16:creationId xmlns:a16="http://schemas.microsoft.com/office/drawing/2014/main" id="{77200DEA-2896-FE1C-7CFC-4E09B2345389}"/>
+              </a:ext>
+            </a:extLst>
+          </p:cNvPr>
+          <p:cNvSpPr/>
+          <p:nvPr/>
+        </p:nvSpPr>
+        <p:spPr>
+          <a:xfrm rot="5400000">
+            <a:off x="4940480" y="2280264"/>
+            <a:ext cx="458449" cy="883714"/>
+          </a:xfrm>
+          <a:prstGeom prst="curvedRightArrow">
+            <a:avLst/>
+          </a:prstGeom>
+        </p:spPr>
+        <p:style>
+          <a:lnRef idx="2">
+            <a:schemeClr val="accent1">
+              <a:shade val="50000"/>
+            </a:schemeClr>
+          </a:lnRef>
+          <a:fillRef idx="1">
+            <a:schemeClr val="accent1"/>
+          </a:fillRef>
+          <a:effectRef idx="0">
+            <a:schemeClr val="accent1"/>
+          </a:effectRef>
+          <a:fontRef idx="minor">
+            <a:schemeClr val="lt1"/>
+          </a:fontRef>
+        </p:style>
+        <p:txBody>
+          <a:bodyPr rtlCol="0" anchor="ctr"/>
+          <a:lstStyle/>
+          <a:p>
+            <a:pPr algn="ctr"/>
+            <a:endParaRPr kumimoji="1" lang="ja-JP" altLang="en-US">
+              <a:solidFill>
+                <a:schemeClr val="tx1"/>
+              </a:solidFill>
+            </a:endParaRPr>
+          </a:p>
+        </p:txBody>
+      </p:sp>
+      <p:sp>
+        <p:nvSpPr>
+          <p:cNvPr id="38" name="矢印: 右カーブ 37">
+            <a:extLst>
+              <a:ext uri="{FF2B5EF4-FFF2-40B4-BE49-F238E27FC236}">
+                <a16:creationId xmlns:a16="http://schemas.microsoft.com/office/drawing/2014/main" id="{7936A85C-D494-58E2-241F-186723B9FD7E}"/>
+              </a:ext>
+            </a:extLst>
+          </p:cNvPr>
+          <p:cNvSpPr/>
+          <p:nvPr/>
+        </p:nvSpPr>
+        <p:spPr>
+          <a:xfrm rot="10631379">
+            <a:off x="7968645" y="1652908"/>
+            <a:ext cx="264574" cy="594643"/>
+          </a:xfrm>
+          <a:prstGeom prst="curvedRightArrow">
+            <a:avLst/>
+          </a:prstGeom>
+        </p:spPr>
+        <p:style>
+          <a:lnRef idx="2">
+            <a:schemeClr val="accent1">
+              <a:shade val="50000"/>
+            </a:schemeClr>
+          </a:lnRef>
+          <a:fillRef idx="1">
+            <a:schemeClr val="accent1"/>
+          </a:fillRef>
+          <a:effectRef idx="0">
+            <a:schemeClr val="accent1"/>
+          </a:effectRef>
+          <a:fontRef idx="minor">
+            <a:schemeClr val="lt1"/>
+          </a:fontRef>
+        </p:style>
+        <p:txBody>
+          <a:bodyPr rtlCol="0" anchor="ctr"/>
+          <a:lstStyle/>
+          <a:p>
+            <a:pPr algn="ctr"/>
+            <a:endParaRPr kumimoji="1" lang="ja-JP" altLang="en-US">
+              <a:solidFill>
+                <a:schemeClr val="tx1"/>
+              </a:solidFill>
+            </a:endParaRPr>
+          </a:p>
+        </p:txBody>
+      </p:sp>
+      <p:sp>
+        <p:nvSpPr>
+          <p:cNvPr id="39" name="矢印: 右カーブ 38">
+            <a:extLst>
+              <a:ext uri="{FF2B5EF4-FFF2-40B4-BE49-F238E27FC236}">
+                <a16:creationId xmlns:a16="http://schemas.microsoft.com/office/drawing/2014/main" id="{C188FC3F-12C1-7C4A-C32C-4B11154442F7}"/>
+              </a:ext>
+            </a:extLst>
+          </p:cNvPr>
+          <p:cNvSpPr/>
+          <p:nvPr/>
+        </p:nvSpPr>
+        <p:spPr>
+          <a:xfrm rot="16200000">
+            <a:off x="5973867" y="526797"/>
+            <a:ext cx="211888" cy="543686"/>
+          </a:xfrm>
+          <a:prstGeom prst="curvedRightArrow">
+            <a:avLst/>
+          </a:prstGeom>
+        </p:spPr>
+        <p:style>
+          <a:lnRef idx="2">
+            <a:schemeClr val="accent1">
+              <a:shade val="50000"/>
+            </a:schemeClr>
+          </a:lnRef>
+          <a:fillRef idx="1">
+            <a:schemeClr val="accent1"/>
+          </a:fillRef>
+          <a:effectRef idx="0">
+            <a:schemeClr val="accent1"/>
+          </a:effectRef>
+          <a:fontRef idx="minor">
+            <a:schemeClr val="lt1"/>
+          </a:fontRef>
+        </p:style>
+        <p:txBody>
+          <a:bodyPr rtlCol="0" anchor="ctr"/>
+          <a:lstStyle/>
+          <a:p>
+            <a:pPr algn="ctr"/>
+            <a:endParaRPr kumimoji="1" lang="ja-JP" altLang="en-US">
+              <a:solidFill>
+                <a:schemeClr val="tx1"/>
+              </a:solidFill>
+            </a:endParaRPr>
+          </a:p>
+        </p:txBody>
+      </p:sp>
+      <mc:AlternateContent xmlns:mc="http://schemas.openxmlformats.org/markup-compatibility/2006">
+        <mc:Choice xmlns:a14="http://schemas.microsoft.com/office/drawing/2010/main" Requires="a14">
+          <p:sp>
+            <p:nvSpPr>
+              <p:cNvPr id="40" name="テキスト ボックス 39">
+                <a:extLst>
+                  <a:ext uri="{FF2B5EF4-FFF2-40B4-BE49-F238E27FC236}">
+                    <a16:creationId xmlns:a16="http://schemas.microsoft.com/office/drawing/2014/main" id="{81B5A3B9-69DA-3FA9-BA72-0BFD19C93BB6}"/>
+                  </a:ext>
+                </a:extLst>
+              </p:cNvPr>
+              <p:cNvSpPr txBox="1"/>
+              <p:nvPr/>
+            </p:nvSpPr>
+            <p:spPr>
+              <a:xfrm>
+                <a:off x="4904569" y="3007985"/>
+                <a:ext cx="183319" cy="276999"/>
+              </a:xfrm>
+              <a:prstGeom prst="rect">
+                <a:avLst/>
+              </a:prstGeom>
+              <a:noFill/>
+            </p:spPr>
+            <p:txBody>
+              <a:bodyPr wrap="none" lIns="0" tIns="0" rIns="0" bIns="0" rtlCol="0">
+                <a:spAutoFit/>
+              </a:bodyPr>
+              <a:lstStyle/>
+              <a:p>
+                <a14:m>
+                  <m:oMathPara xmlns:m="http://schemas.openxmlformats.org/officeDocument/2006/math">
+                    <m:oMathParaPr>
+                      <m:jc m:val="centerGroup"/>
+                    </m:oMathParaPr>
+                    <m:oMath xmlns:m="http://schemas.openxmlformats.org/officeDocument/2006/math">
+                      <m:r>
+                        <a:rPr kumimoji="1" lang="en-US" altLang="ja-JP" b="0" i="1" smtClean="0">
+                          <a:latin typeface="Cambria Math" panose="02040503050406030204" pitchFamily="18" charset="0"/>
+                        </a:rPr>
+                        <m:t>𝑥</m:t>
+                      </m:r>
+                    </m:oMath>
+                  </m:oMathPara>
+                </a14:m>
+                <a:endParaRPr kumimoji="1" lang="ja-JP" altLang="en-US"/>
+              </a:p>
+            </p:txBody>
+          </p:sp>
+        </mc:Choice>
+        <mc:Fallback>
+          <p:sp>
+            <p:nvSpPr>
+              <p:cNvPr id="40" name="テキスト ボックス 39">
+                <a:extLst>
+                  <a:ext uri="{FF2B5EF4-FFF2-40B4-BE49-F238E27FC236}">
+                    <a16:creationId xmlns:a16="http://schemas.microsoft.com/office/drawing/2014/main" id="{81B5A3B9-69DA-3FA9-BA72-0BFD19C93BB6}"/>
+                  </a:ext>
+                </a:extLst>
+              </p:cNvPr>
+              <p:cNvSpPr txBox="1">
+                <a:spLocks noRot="1" noChangeAspect="1" noMove="1" noResize="1" noEditPoints="1" noAdjustHandles="1" noChangeArrowheads="1" noChangeShapeType="1" noTextEdit="1"/>
+              </p:cNvSpPr>
+              <p:nvPr/>
+            </p:nvSpPr>
+            <p:spPr>
+              <a:xfrm>
+                <a:off x="4904569" y="3007985"/>
+                <a:ext cx="183319" cy="276999"/>
+              </a:xfrm>
+              <a:prstGeom prst="rect">
+                <a:avLst/>
+              </a:prstGeom>
+              <a:blipFill>
+                <a:blip r:embed="rId2"/>
+                <a:stretch>
+                  <a:fillRect l="-20000" r="-13333"/>
+                </a:stretch>
+              </a:blipFill>
+            </p:spPr>
+            <p:txBody>
+              <a:bodyPr/>
+              <a:lstStyle/>
+              <a:p>
+                <a:r>
+                  <a:rPr lang="ja-JP" altLang="en-US">
+                    <a:noFill/>
+                  </a:rPr>
+                  <a:t> </a:t>
+                </a:r>
+              </a:p>
+            </p:txBody>
+          </p:sp>
+        </mc:Fallback>
+      </mc:AlternateContent>
+      <mc:AlternateContent xmlns:mc="http://schemas.openxmlformats.org/markup-compatibility/2006">
+        <mc:Choice xmlns:a14="http://schemas.microsoft.com/office/drawing/2010/main" Requires="a14">
+          <p:sp>
+            <p:nvSpPr>
+              <p:cNvPr id="41" name="テキスト ボックス 40">
+                <a:extLst>
+                  <a:ext uri="{FF2B5EF4-FFF2-40B4-BE49-F238E27FC236}">
+                    <a16:creationId xmlns:a16="http://schemas.microsoft.com/office/drawing/2014/main" id="{C38FDFD6-234F-B7D7-C7F3-B50A3C34472D}"/>
+                  </a:ext>
+                </a:extLst>
+              </p:cNvPr>
+              <p:cNvSpPr txBox="1"/>
+              <p:nvPr/>
+            </p:nvSpPr>
+            <p:spPr>
+              <a:xfrm>
+                <a:off x="8400256" y="1844824"/>
+                <a:ext cx="186718" cy="276999"/>
+              </a:xfrm>
+              <a:prstGeom prst="rect">
+                <a:avLst/>
+              </a:prstGeom>
+              <a:noFill/>
+            </p:spPr>
+            <p:txBody>
+              <a:bodyPr wrap="none" lIns="0" tIns="0" rIns="0" bIns="0" rtlCol="0">
+                <a:spAutoFit/>
+              </a:bodyPr>
+              <a:lstStyle/>
+              <a:p>
+                <a14:m>
+                  <m:oMathPara xmlns:m="http://schemas.openxmlformats.org/officeDocument/2006/math">
+                    <m:oMathParaPr>
+                      <m:jc m:val="centerGroup"/>
+                    </m:oMathParaPr>
+                    <m:oMath xmlns:m="http://schemas.openxmlformats.org/officeDocument/2006/math">
+                      <m:r>
+                        <a:rPr kumimoji="1" lang="en-US" altLang="ja-JP" b="0" i="1" smtClean="0">
+                          <a:latin typeface="Cambria Math" panose="02040503050406030204" pitchFamily="18" charset="0"/>
+                        </a:rPr>
+                        <m:t>𝑦</m:t>
+                      </m:r>
+                    </m:oMath>
+                  </m:oMathPara>
+                </a14:m>
+                <a:endParaRPr kumimoji="1" lang="ja-JP" altLang="en-US"/>
+              </a:p>
+            </p:txBody>
+          </p:sp>
+        </mc:Choice>
+        <mc:Fallback>
+          <p:sp>
+            <p:nvSpPr>
+              <p:cNvPr id="41" name="テキスト ボックス 40">
+                <a:extLst>
+                  <a:ext uri="{FF2B5EF4-FFF2-40B4-BE49-F238E27FC236}">
+                    <a16:creationId xmlns:a16="http://schemas.microsoft.com/office/drawing/2014/main" id="{C38FDFD6-234F-B7D7-C7F3-B50A3C34472D}"/>
+                  </a:ext>
+                </a:extLst>
+              </p:cNvPr>
+              <p:cNvSpPr txBox="1">
+                <a:spLocks noRot="1" noChangeAspect="1" noMove="1" noResize="1" noEditPoints="1" noAdjustHandles="1" noChangeArrowheads="1" noChangeShapeType="1" noTextEdit="1"/>
+              </p:cNvSpPr>
+              <p:nvPr/>
+            </p:nvSpPr>
+            <p:spPr>
+              <a:xfrm>
+                <a:off x="8400256" y="1844824"/>
+                <a:ext cx="186718" cy="276999"/>
+              </a:xfrm>
+              <a:prstGeom prst="rect">
+                <a:avLst/>
+              </a:prstGeom>
+              <a:blipFill>
+                <a:blip r:embed="rId3"/>
+                <a:stretch>
+                  <a:fillRect l="-32258" r="-25806" b="-26667"/>
+                </a:stretch>
+              </a:blipFill>
+            </p:spPr>
+            <p:txBody>
+              <a:bodyPr/>
+              <a:lstStyle/>
+              <a:p>
+                <a:r>
+                  <a:rPr lang="ja-JP" altLang="en-US">
+                    <a:noFill/>
+                  </a:rPr>
+                  <a:t> </a:t>
+                </a:r>
+              </a:p>
+            </p:txBody>
+          </p:sp>
+        </mc:Fallback>
+      </mc:AlternateContent>
+      <mc:AlternateContent xmlns:mc="http://schemas.openxmlformats.org/markup-compatibility/2006">
+        <mc:Choice xmlns:a14="http://schemas.microsoft.com/office/drawing/2010/main" Requires="a14">
+          <p:sp>
+            <p:nvSpPr>
+              <p:cNvPr id="42" name="テキスト ボックス 41">
+                <a:extLst>
+                  <a:ext uri="{FF2B5EF4-FFF2-40B4-BE49-F238E27FC236}">
+                    <a16:creationId xmlns:a16="http://schemas.microsoft.com/office/drawing/2014/main" id="{CA229763-4B1E-8478-4B0F-DFE529CDEE69}"/>
+                  </a:ext>
+                </a:extLst>
+              </p:cNvPr>
+              <p:cNvSpPr txBox="1"/>
+              <p:nvPr/>
+            </p:nvSpPr>
+            <p:spPr>
+              <a:xfrm>
+                <a:off x="6023992" y="116632"/>
+                <a:ext cx="169085" cy="276999"/>
+              </a:xfrm>
+              <a:prstGeom prst="rect">
+                <a:avLst/>
+              </a:prstGeom>
+              <a:noFill/>
+            </p:spPr>
+            <p:txBody>
+              <a:bodyPr wrap="none" lIns="0" tIns="0" rIns="0" bIns="0" rtlCol="0">
+                <a:spAutoFit/>
+              </a:bodyPr>
+              <a:lstStyle/>
+              <a:p>
+                <a14:m>
+                  <m:oMathPara xmlns:m="http://schemas.openxmlformats.org/officeDocument/2006/math">
+                    <m:oMathParaPr>
+                      <m:jc m:val="centerGroup"/>
+                    </m:oMathParaPr>
+                    <m:oMath xmlns:m="http://schemas.openxmlformats.org/officeDocument/2006/math">
+                      <m:r>
+                        <a:rPr kumimoji="1" lang="en-US" altLang="ja-JP" b="0" i="1" smtClean="0">
+                          <a:latin typeface="Cambria Math" panose="02040503050406030204" pitchFamily="18" charset="0"/>
+                        </a:rPr>
+                        <m:t>𝑧</m:t>
+                      </m:r>
+                    </m:oMath>
+                  </m:oMathPara>
+                </a14:m>
+                <a:endParaRPr kumimoji="1" lang="ja-JP" altLang="en-US"/>
+              </a:p>
+            </p:txBody>
+          </p:sp>
+        </mc:Choice>
+        <mc:Fallback>
+          <p:sp>
+            <p:nvSpPr>
+              <p:cNvPr id="42" name="テキスト ボックス 41">
+                <a:extLst>
+                  <a:ext uri="{FF2B5EF4-FFF2-40B4-BE49-F238E27FC236}">
+                    <a16:creationId xmlns:a16="http://schemas.microsoft.com/office/drawing/2014/main" id="{CA229763-4B1E-8478-4B0F-DFE529CDEE69}"/>
+                  </a:ext>
+                </a:extLst>
+              </p:cNvPr>
+              <p:cNvSpPr txBox="1">
+                <a:spLocks noRot="1" noChangeAspect="1" noMove="1" noResize="1" noEditPoints="1" noAdjustHandles="1" noChangeArrowheads="1" noChangeShapeType="1" noTextEdit="1"/>
+              </p:cNvSpPr>
+              <p:nvPr/>
+            </p:nvSpPr>
+            <p:spPr>
+              <a:xfrm>
+                <a:off x="6023992" y="116632"/>
+                <a:ext cx="169085" cy="276999"/>
+              </a:xfrm>
+              <a:prstGeom prst="rect">
+                <a:avLst/>
+              </a:prstGeom>
+              <a:blipFill>
+                <a:blip r:embed="rId4"/>
+                <a:stretch>
+                  <a:fillRect l="-21429" r="-14286"/>
+                </a:stretch>
+              </a:blipFill>
+            </p:spPr>
+            <p:txBody>
+              <a:bodyPr/>
+              <a:lstStyle/>
+              <a:p>
+                <a:r>
+                  <a:rPr lang="ja-JP" altLang="en-US">
+                    <a:noFill/>
+                  </a:rPr>
+                  <a:t> </a:t>
+                </a:r>
+              </a:p>
+            </p:txBody>
+          </p:sp>
+        </mc:Fallback>
+      </mc:AlternateContent>
     </p:spTree>
     <p:extLst>
       <p:ext uri="{BB962C8B-B14F-4D97-AF65-F5344CB8AC3E}">

--- a/poisson/fig/fig.pptx
+++ b/poisson/fig/fig.pptx
@@ -9,6 +9,8 @@
     <p:sldId id="257" r:id="rId3"/>
     <p:sldId id="259" r:id="rId4"/>
     <p:sldId id="258" r:id="rId5"/>
+    <p:sldId id="261" r:id="rId6"/>
+    <p:sldId id="260" r:id="rId7"/>
   </p:sldIdLst>
   <p:sldSz cx="12192000" cy="6858000"/>
   <p:notesSz cx="6858000" cy="9144000"/>
@@ -3643,8 +3645,8 @@
             </a:p>
           </p:txBody>
         </p:sp>
-        <mc:AlternateContent xmlns:mc="http://schemas.openxmlformats.org/markup-compatibility/2006">
-          <mc:Choice xmlns:a14="http://schemas.microsoft.com/office/drawing/2010/main" Requires="a14">
+        <mc:AlternateContent xmlns:mc="http://schemas.openxmlformats.org/markup-compatibility/2006" xmlns:a14="http://schemas.microsoft.com/office/drawing/2010/main">
+          <mc:Choice Requires="a14">
             <p:sp>
               <p:nvSpPr>
                 <p:cNvPr id="8" name="テキスト ボックス 7">
@@ -3694,7 +3696,7 @@
               </p:txBody>
             </p:sp>
           </mc:Choice>
-          <mc:Fallback>
+          <mc:Fallback xmlns="">
             <p:sp>
               <p:nvSpPr>
                 <p:cNvPr id="8" name="テキスト ボックス 7">
@@ -3739,8 +3741,8 @@
             </p:sp>
           </mc:Fallback>
         </mc:AlternateContent>
-        <mc:AlternateContent xmlns:mc="http://schemas.openxmlformats.org/markup-compatibility/2006">
-          <mc:Choice xmlns:a14="http://schemas.microsoft.com/office/drawing/2010/main" Requires="a14">
+        <mc:AlternateContent xmlns:mc="http://schemas.openxmlformats.org/markup-compatibility/2006" xmlns:a14="http://schemas.microsoft.com/office/drawing/2010/main">
+          <mc:Choice Requires="a14">
             <p:sp>
               <p:nvSpPr>
                 <p:cNvPr id="9" name="テキスト ボックス 8">
@@ -3790,7 +3792,7 @@
               </p:txBody>
             </p:sp>
           </mc:Choice>
-          <mc:Fallback>
+          <mc:Fallback xmlns="">
             <p:sp>
               <p:nvSpPr>
                 <p:cNvPr id="9" name="テキスト ボックス 8">
@@ -3835,8 +3837,8 @@
             </p:sp>
           </mc:Fallback>
         </mc:AlternateContent>
-        <mc:AlternateContent xmlns:mc="http://schemas.openxmlformats.org/markup-compatibility/2006">
-          <mc:Choice xmlns:a14="http://schemas.microsoft.com/office/drawing/2010/main" Requires="a14">
+        <mc:AlternateContent xmlns:mc="http://schemas.openxmlformats.org/markup-compatibility/2006" xmlns:a14="http://schemas.microsoft.com/office/drawing/2010/main">
+          <mc:Choice Requires="a14">
             <p:sp>
               <p:nvSpPr>
                 <p:cNvPr id="10" name="テキスト ボックス 9">
@@ -3886,7 +3888,7 @@
               </p:txBody>
             </p:sp>
           </mc:Choice>
-          <mc:Fallback>
+          <mc:Fallback xmlns="">
             <p:sp>
               <p:nvSpPr>
                 <p:cNvPr id="10" name="テキスト ボックス 9">
@@ -3931,8 +3933,8 @@
             </p:sp>
           </mc:Fallback>
         </mc:AlternateContent>
-        <mc:AlternateContent xmlns:mc="http://schemas.openxmlformats.org/markup-compatibility/2006">
-          <mc:Choice xmlns:a14="http://schemas.microsoft.com/office/drawing/2010/main" Requires="a14">
+        <mc:AlternateContent xmlns:mc="http://schemas.openxmlformats.org/markup-compatibility/2006" xmlns:a14="http://schemas.microsoft.com/office/drawing/2010/main">
+          <mc:Choice Requires="a14">
             <p:sp>
               <p:nvSpPr>
                 <p:cNvPr id="1054" name="テキスト ボックス 1053">
@@ -3961,6 +3963,7 @@
                 </a:bodyPr>
                 <a:lstStyle/>
                 <a:p>
+                  <a:pPr/>
                   <a14:m>
                     <m:oMathPara xmlns:m="http://schemas.openxmlformats.org/officeDocument/2006/math">
                       <m:oMathParaPr>
@@ -3993,7 +3996,7 @@
               </p:txBody>
             </p:sp>
           </mc:Choice>
-          <mc:Fallback>
+          <mc:Fallback xmlns="">
             <p:sp>
               <p:nvSpPr>
                 <p:cNvPr id="1054" name="テキスト ボックス 1053">
@@ -4038,8 +4041,8 @@
             </p:sp>
           </mc:Fallback>
         </mc:AlternateContent>
-        <mc:AlternateContent xmlns:mc="http://schemas.openxmlformats.org/markup-compatibility/2006">
-          <mc:Choice xmlns:a14="http://schemas.microsoft.com/office/drawing/2010/main" Requires="a14">
+        <mc:AlternateContent xmlns:mc="http://schemas.openxmlformats.org/markup-compatibility/2006" xmlns:a14="http://schemas.microsoft.com/office/drawing/2010/main">
+          <mc:Choice Requires="a14">
             <p:sp>
               <p:nvSpPr>
                 <p:cNvPr id="1055" name="テキスト ボックス 1054">
@@ -4068,6 +4071,7 @@
                 </a:bodyPr>
                 <a:lstStyle/>
                 <a:p>
+                  <a:pPr/>
                   <a14:m>
                     <m:oMathPara xmlns:m="http://schemas.openxmlformats.org/officeDocument/2006/math">
                       <m:oMathParaPr>
@@ -4100,7 +4104,7 @@
               </p:txBody>
             </p:sp>
           </mc:Choice>
-          <mc:Fallback>
+          <mc:Fallback xmlns="">
             <p:sp>
               <p:nvSpPr>
                 <p:cNvPr id="1055" name="テキスト ボックス 1054">
@@ -4145,8 +4149,8 @@
             </p:sp>
           </mc:Fallback>
         </mc:AlternateContent>
-        <mc:AlternateContent xmlns:mc="http://schemas.openxmlformats.org/markup-compatibility/2006">
-          <mc:Choice xmlns:a14="http://schemas.microsoft.com/office/drawing/2010/main" Requires="a14">
+        <mc:AlternateContent xmlns:mc="http://schemas.openxmlformats.org/markup-compatibility/2006" xmlns:a14="http://schemas.microsoft.com/office/drawing/2010/main">
+          <mc:Choice Requires="a14">
             <p:sp>
               <p:nvSpPr>
                 <p:cNvPr id="1056" name="テキスト ボックス 1055">
@@ -4175,6 +4179,7 @@
                 </a:bodyPr>
                 <a:lstStyle/>
                 <a:p>
+                  <a:pPr/>
                   <a14:m>
                     <m:oMathPara xmlns:m="http://schemas.openxmlformats.org/officeDocument/2006/math">
                       <m:oMathParaPr>
@@ -4207,7 +4212,7 @@
               </p:txBody>
             </p:sp>
           </mc:Choice>
-          <mc:Fallback>
+          <mc:Fallback xmlns="">
             <p:sp>
               <p:nvSpPr>
                 <p:cNvPr id="1056" name="テキスト ボックス 1055">
@@ -4866,8 +4871,8 @@
           </a:p>
         </p:txBody>
       </p:sp>
-      <mc:AlternateContent xmlns:mc="http://schemas.openxmlformats.org/markup-compatibility/2006">
-        <mc:Choice xmlns:a14="http://schemas.microsoft.com/office/drawing/2010/main" Requires="a14">
+      <mc:AlternateContent xmlns:mc="http://schemas.openxmlformats.org/markup-compatibility/2006" xmlns:a14="http://schemas.microsoft.com/office/drawing/2010/main">
+        <mc:Choice Requires="a14">
           <p:sp>
             <p:nvSpPr>
               <p:cNvPr id="14" name="テキスト ボックス 13">
@@ -4896,6 +4901,7 @@
               </a:bodyPr>
               <a:lstStyle/>
               <a:p>
+                <a:pPr/>
                 <a14:m>
                   <m:oMathPara xmlns:m="http://schemas.openxmlformats.org/officeDocument/2006/math">
                     <m:oMathParaPr>
@@ -4928,7 +4934,7 @@
             </p:txBody>
           </p:sp>
         </mc:Choice>
-        <mc:Fallback>
+        <mc:Fallback xmlns="">
           <p:sp>
             <p:nvSpPr>
               <p:cNvPr id="14" name="テキスト ボックス 13">
@@ -5651,8 +5657,8 @@
           </a:fontRef>
         </p:style>
       </p:cxnSp>
-      <mc:AlternateContent xmlns:mc="http://schemas.openxmlformats.org/markup-compatibility/2006">
-        <mc:Choice xmlns:a14="http://schemas.microsoft.com/office/drawing/2010/main" Requires="a14">
+      <mc:AlternateContent xmlns:mc="http://schemas.openxmlformats.org/markup-compatibility/2006" xmlns:a14="http://schemas.microsoft.com/office/drawing/2010/main">
+        <mc:Choice Requires="a14">
           <p:sp>
             <p:nvSpPr>
               <p:cNvPr id="29" name="テキスト ボックス 28">
@@ -5681,6 +5687,7 @@
               </a:bodyPr>
               <a:lstStyle/>
               <a:p>
+                <a:pPr/>
                 <a14:m>
                   <m:oMathPara xmlns:m="http://schemas.openxmlformats.org/officeDocument/2006/math">
                     <m:oMathParaPr>
@@ -5713,7 +5720,7 @@
             </p:txBody>
           </p:sp>
         </mc:Choice>
-        <mc:Fallback>
+        <mc:Fallback xmlns="">
           <p:sp>
             <p:nvSpPr>
               <p:cNvPr id="29" name="テキスト ボックス 28">
@@ -7530,8 +7537,8 @@
           </a:fontRef>
         </p:style>
       </p:cxnSp>
-      <mc:AlternateContent xmlns:mc="http://schemas.openxmlformats.org/markup-compatibility/2006">
-        <mc:Choice xmlns:a14="http://schemas.microsoft.com/office/drawing/2010/main" Requires="a14">
+      <mc:AlternateContent xmlns:mc="http://schemas.openxmlformats.org/markup-compatibility/2006" xmlns:a14="http://schemas.microsoft.com/office/drawing/2010/main">
+        <mc:Choice Requires="a14">
           <p:sp>
             <p:nvSpPr>
               <p:cNvPr id="67" name="テキスト ボックス 66">
@@ -7560,6 +7567,7 @@
               </a:bodyPr>
               <a:lstStyle/>
               <a:p>
+                <a:pPr/>
                 <a14:m>
                   <m:oMathPara xmlns:m="http://schemas.openxmlformats.org/officeDocument/2006/math">
                     <m:oMathParaPr>
@@ -7592,7 +7600,7 @@
             </p:txBody>
           </p:sp>
         </mc:Choice>
-        <mc:Fallback>
+        <mc:Fallback xmlns="">
           <p:sp>
             <p:nvSpPr>
               <p:cNvPr id="67" name="テキスト ボックス 66">
@@ -8605,8 +8613,8 @@
           </a:p>
         </p:txBody>
       </p:sp>
-      <mc:AlternateContent xmlns:mc="http://schemas.openxmlformats.org/markup-compatibility/2006">
-        <mc:Choice xmlns:a14="http://schemas.microsoft.com/office/drawing/2010/main" Requires="a14">
+      <mc:AlternateContent xmlns:mc="http://schemas.openxmlformats.org/markup-compatibility/2006" xmlns:a14="http://schemas.microsoft.com/office/drawing/2010/main">
+        <mc:Choice Requires="a14">
           <p:sp>
             <p:nvSpPr>
               <p:cNvPr id="99" name="テキスト ボックス 98">
@@ -8635,6 +8643,7 @@
               </a:bodyPr>
               <a:lstStyle/>
               <a:p>
+                <a:pPr/>
                 <a14:m>
                   <m:oMathPara xmlns:m="http://schemas.openxmlformats.org/officeDocument/2006/math">
                     <m:oMathParaPr>
@@ -8667,7 +8676,7 @@
             </p:txBody>
           </p:sp>
         </mc:Choice>
-        <mc:Fallback>
+        <mc:Fallback xmlns="">
           <p:sp>
             <p:nvSpPr>
               <p:cNvPr id="99" name="テキスト ボックス 98">
@@ -9442,8 +9451,8 @@
           </a:p>
         </p:txBody>
       </p:sp>
-      <mc:AlternateContent xmlns:mc="http://schemas.openxmlformats.org/markup-compatibility/2006">
-        <mc:Choice xmlns:a14="http://schemas.microsoft.com/office/drawing/2010/main" Requires="a14">
+      <mc:AlternateContent xmlns:mc="http://schemas.openxmlformats.org/markup-compatibility/2006" xmlns:a14="http://schemas.microsoft.com/office/drawing/2010/main">
+        <mc:Choice Requires="a14">
           <p:sp>
             <p:nvSpPr>
               <p:cNvPr id="124" name="テキスト ボックス 123">
@@ -9567,7 +9576,7 @@
             </p:txBody>
           </p:sp>
         </mc:Choice>
-        <mc:Fallback>
+        <mc:Fallback xmlns="">
           <p:sp>
             <p:nvSpPr>
               <p:cNvPr id="124" name="テキスト ボックス 123">
@@ -10255,8 +10264,8 @@
           </a:p>
         </p:txBody>
       </p:sp>
-      <mc:AlternateContent xmlns:mc="http://schemas.openxmlformats.org/markup-compatibility/2006">
-        <mc:Choice xmlns:a14="http://schemas.microsoft.com/office/drawing/2010/main" Requires="a14">
+      <mc:AlternateContent xmlns:mc="http://schemas.openxmlformats.org/markup-compatibility/2006" xmlns:a14="http://schemas.microsoft.com/office/drawing/2010/main">
+        <mc:Choice Requires="a14">
           <p:sp>
             <p:nvSpPr>
               <p:cNvPr id="16" name="テキスト ボックス 15">
@@ -10285,6 +10294,7 @@
               </a:bodyPr>
               <a:lstStyle/>
               <a:p>
+                <a:pPr/>
                 <a14:m>
                   <m:oMathPara xmlns:m="http://schemas.openxmlformats.org/officeDocument/2006/math">
                     <m:oMathParaPr>
@@ -10317,7 +10327,7 @@
             </p:txBody>
           </p:sp>
         </mc:Choice>
-        <mc:Fallback>
+        <mc:Fallback xmlns="">
           <p:sp>
             <p:nvSpPr>
               <p:cNvPr id="16" name="テキスト ボックス 15">
@@ -11040,8 +11050,8 @@
           </a:fontRef>
         </p:style>
       </p:cxnSp>
-      <mc:AlternateContent xmlns:mc="http://schemas.openxmlformats.org/markup-compatibility/2006">
-        <mc:Choice xmlns:a14="http://schemas.microsoft.com/office/drawing/2010/main" Requires="a14">
+      <mc:AlternateContent xmlns:mc="http://schemas.openxmlformats.org/markup-compatibility/2006" xmlns:a14="http://schemas.microsoft.com/office/drawing/2010/main">
+        <mc:Choice Requires="a14">
           <p:sp>
             <p:nvSpPr>
               <p:cNvPr id="35" name="テキスト ボックス 34">
@@ -11070,6 +11080,7 @@
               </a:bodyPr>
               <a:lstStyle/>
               <a:p>
+                <a:pPr/>
                 <a14:m>
                   <m:oMathPara xmlns:m="http://schemas.openxmlformats.org/officeDocument/2006/math">
                     <m:oMathParaPr>
@@ -11102,7 +11113,7 @@
             </p:txBody>
           </p:sp>
         </mc:Choice>
-        <mc:Fallback>
+        <mc:Fallback xmlns="">
           <p:sp>
             <p:nvSpPr>
               <p:cNvPr id="35" name="テキスト ボックス 34">
@@ -11147,12 +11158,2296 @@
           </p:sp>
         </mc:Fallback>
       </mc:AlternateContent>
+      <p:sp>
+        <p:nvSpPr>
+          <p:cNvPr id="51" name="正方形/長方形 50">
+            <a:extLst>
+              <a:ext uri="{FF2B5EF4-FFF2-40B4-BE49-F238E27FC236}">
+                <a16:creationId xmlns:a16="http://schemas.microsoft.com/office/drawing/2014/main" id="{5950C138-9B5A-EBDB-C6B6-A6D3F443AFE1}"/>
+              </a:ext>
+            </a:extLst>
+          </p:cNvPr>
+          <p:cNvSpPr/>
+          <p:nvPr/>
+        </p:nvSpPr>
+        <p:spPr>
+          <a:xfrm>
+            <a:off x="8256240" y="1268760"/>
+            <a:ext cx="1440160" cy="1440160"/>
+          </a:xfrm>
+          <a:prstGeom prst="rect">
+            <a:avLst/>
+          </a:prstGeom>
+          <a:noFill/>
+          <a:ln>
+            <a:solidFill>
+              <a:schemeClr val="tx1"/>
+            </a:solidFill>
+          </a:ln>
+        </p:spPr>
+        <p:style>
+          <a:lnRef idx="2">
+            <a:schemeClr val="accent1">
+              <a:shade val="50000"/>
+            </a:schemeClr>
+          </a:lnRef>
+          <a:fillRef idx="1">
+            <a:schemeClr val="accent1"/>
+          </a:fillRef>
+          <a:effectRef idx="0">
+            <a:schemeClr val="accent1"/>
+          </a:effectRef>
+          <a:fontRef idx="minor">
+            <a:schemeClr val="lt1"/>
+          </a:fontRef>
+        </p:style>
+        <p:txBody>
+          <a:bodyPr rtlCol="0" anchor="ctr"/>
+          <a:lstStyle/>
+          <a:p>
+            <a:pPr algn="ctr"/>
+            <a:endParaRPr kumimoji="1" lang="ja-JP" altLang="en-US"/>
+          </a:p>
+        </p:txBody>
+      </p:sp>
+      <p:cxnSp>
+        <p:nvCxnSpPr>
+          <p:cNvPr id="52" name="直線コネクタ 51">
+            <a:extLst>
+              <a:ext uri="{FF2B5EF4-FFF2-40B4-BE49-F238E27FC236}">
+                <a16:creationId xmlns:a16="http://schemas.microsoft.com/office/drawing/2014/main" id="{4279F82A-7AA6-A616-6893-56BB9F9FD5B7}"/>
+              </a:ext>
+            </a:extLst>
+          </p:cNvPr>
+          <p:cNvCxnSpPr>
+            <a:cxnSpLocks/>
+          </p:cNvCxnSpPr>
+          <p:nvPr/>
+        </p:nvCxnSpPr>
+        <p:spPr>
+          <a:xfrm>
+            <a:off x="10416480" y="548680"/>
+            <a:ext cx="0" cy="1440160"/>
+          </a:xfrm>
+          <a:prstGeom prst="line">
+            <a:avLst/>
+          </a:prstGeom>
+          <a:ln>
+            <a:solidFill>
+              <a:schemeClr val="tx1"/>
+            </a:solidFill>
+            <a:headEnd type="none" w="med" len="med"/>
+            <a:tailEnd type="none" w="med" len="med"/>
+          </a:ln>
+        </p:spPr>
+        <p:style>
+          <a:lnRef idx="1">
+            <a:schemeClr val="accent1"/>
+          </a:lnRef>
+          <a:fillRef idx="0">
+            <a:schemeClr val="accent1"/>
+          </a:fillRef>
+          <a:effectRef idx="0">
+            <a:schemeClr val="accent1"/>
+          </a:effectRef>
+          <a:fontRef idx="minor">
+            <a:schemeClr val="tx1"/>
+          </a:fontRef>
+        </p:style>
+      </p:cxnSp>
+      <p:cxnSp>
+        <p:nvCxnSpPr>
+          <p:cNvPr id="53" name="直線コネクタ 52">
+            <a:extLst>
+              <a:ext uri="{FF2B5EF4-FFF2-40B4-BE49-F238E27FC236}">
+                <a16:creationId xmlns:a16="http://schemas.microsoft.com/office/drawing/2014/main" id="{00EAADF0-5D82-74A9-F29B-D9EFFF1F2F48}"/>
+              </a:ext>
+            </a:extLst>
+          </p:cNvPr>
+          <p:cNvCxnSpPr>
+            <a:cxnSpLocks/>
+          </p:cNvCxnSpPr>
+          <p:nvPr/>
+        </p:nvCxnSpPr>
+        <p:spPr>
+          <a:xfrm flipH="1">
+            <a:off x="8976320" y="548680"/>
+            <a:ext cx="1440160" cy="0"/>
+          </a:xfrm>
+          <a:prstGeom prst="line">
+            <a:avLst/>
+          </a:prstGeom>
+          <a:ln>
+            <a:solidFill>
+              <a:schemeClr val="tx1"/>
+            </a:solidFill>
+            <a:headEnd type="none" w="med" len="med"/>
+            <a:tailEnd type="none" w="med" len="med"/>
+          </a:ln>
+        </p:spPr>
+        <p:style>
+          <a:lnRef idx="1">
+            <a:schemeClr val="accent1"/>
+          </a:lnRef>
+          <a:fillRef idx="0">
+            <a:schemeClr val="accent1"/>
+          </a:fillRef>
+          <a:effectRef idx="0">
+            <a:schemeClr val="accent1"/>
+          </a:effectRef>
+          <a:fontRef idx="minor">
+            <a:schemeClr val="tx1"/>
+          </a:fontRef>
+        </p:style>
+      </p:cxnSp>
+      <p:cxnSp>
+        <p:nvCxnSpPr>
+          <p:cNvPr id="54" name="直線コネクタ 53">
+            <a:extLst>
+              <a:ext uri="{FF2B5EF4-FFF2-40B4-BE49-F238E27FC236}">
+                <a16:creationId xmlns:a16="http://schemas.microsoft.com/office/drawing/2014/main" id="{CCBD744B-0F33-D17F-32FC-927E6E079682}"/>
+              </a:ext>
+            </a:extLst>
+          </p:cNvPr>
+          <p:cNvCxnSpPr/>
+          <p:nvPr/>
+        </p:nvCxnSpPr>
+        <p:spPr>
+          <a:xfrm flipH="1">
+            <a:off x="8256240" y="548680"/>
+            <a:ext cx="720080" cy="720080"/>
+          </a:xfrm>
+          <a:prstGeom prst="line">
+            <a:avLst/>
+          </a:prstGeom>
+          <a:ln>
+            <a:solidFill>
+              <a:schemeClr val="tx1"/>
+            </a:solidFill>
+            <a:headEnd type="none" w="med" len="med"/>
+            <a:tailEnd type="none" w="med" len="med"/>
+          </a:ln>
+        </p:spPr>
+        <p:style>
+          <a:lnRef idx="1">
+            <a:schemeClr val="accent1"/>
+          </a:lnRef>
+          <a:fillRef idx="0">
+            <a:schemeClr val="accent1"/>
+          </a:fillRef>
+          <a:effectRef idx="0">
+            <a:schemeClr val="accent1"/>
+          </a:effectRef>
+          <a:fontRef idx="minor">
+            <a:schemeClr val="tx1"/>
+          </a:fontRef>
+        </p:style>
+      </p:cxnSp>
+      <p:cxnSp>
+        <p:nvCxnSpPr>
+          <p:cNvPr id="55" name="直線コネクタ 54">
+            <a:extLst>
+              <a:ext uri="{FF2B5EF4-FFF2-40B4-BE49-F238E27FC236}">
+                <a16:creationId xmlns:a16="http://schemas.microsoft.com/office/drawing/2014/main" id="{E6C8DCC3-F290-7CC5-6810-795A9679DDE6}"/>
+              </a:ext>
+            </a:extLst>
+          </p:cNvPr>
+          <p:cNvCxnSpPr/>
+          <p:nvPr/>
+        </p:nvCxnSpPr>
+        <p:spPr>
+          <a:xfrm flipH="1">
+            <a:off x="9696400" y="548680"/>
+            <a:ext cx="720080" cy="720080"/>
+          </a:xfrm>
+          <a:prstGeom prst="line">
+            <a:avLst/>
+          </a:prstGeom>
+          <a:ln>
+            <a:solidFill>
+              <a:schemeClr val="tx1"/>
+            </a:solidFill>
+            <a:headEnd type="none" w="med" len="med"/>
+            <a:tailEnd type="none" w="med" len="med"/>
+          </a:ln>
+        </p:spPr>
+        <p:style>
+          <a:lnRef idx="1">
+            <a:schemeClr val="accent1"/>
+          </a:lnRef>
+          <a:fillRef idx="0">
+            <a:schemeClr val="accent1"/>
+          </a:fillRef>
+          <a:effectRef idx="0">
+            <a:schemeClr val="accent1"/>
+          </a:effectRef>
+          <a:fontRef idx="minor">
+            <a:schemeClr val="tx1"/>
+          </a:fontRef>
+        </p:style>
+      </p:cxnSp>
+      <p:cxnSp>
+        <p:nvCxnSpPr>
+          <p:cNvPr id="56" name="直線コネクタ 55">
+            <a:extLst>
+              <a:ext uri="{FF2B5EF4-FFF2-40B4-BE49-F238E27FC236}">
+                <a16:creationId xmlns:a16="http://schemas.microsoft.com/office/drawing/2014/main" id="{CD4AEF93-0496-F234-0D43-2A286C3620D8}"/>
+              </a:ext>
+            </a:extLst>
+          </p:cNvPr>
+          <p:cNvCxnSpPr/>
+          <p:nvPr/>
+        </p:nvCxnSpPr>
+        <p:spPr>
+          <a:xfrm flipH="1">
+            <a:off x="9696400" y="1988840"/>
+            <a:ext cx="720080" cy="720080"/>
+          </a:xfrm>
+          <a:prstGeom prst="line">
+            <a:avLst/>
+          </a:prstGeom>
+          <a:ln>
+            <a:solidFill>
+              <a:schemeClr val="tx1"/>
+            </a:solidFill>
+            <a:headEnd type="none" w="med" len="med"/>
+            <a:tailEnd type="none" w="med" len="med"/>
+          </a:ln>
+        </p:spPr>
+        <p:style>
+          <a:lnRef idx="1">
+            <a:schemeClr val="accent1"/>
+          </a:lnRef>
+          <a:fillRef idx="0">
+            <a:schemeClr val="accent1"/>
+          </a:fillRef>
+          <a:effectRef idx="0">
+            <a:schemeClr val="accent1"/>
+          </a:effectRef>
+          <a:fontRef idx="minor">
+            <a:schemeClr val="tx1"/>
+          </a:fontRef>
+        </p:style>
+      </p:cxnSp>
+      <p:sp>
+        <p:nvSpPr>
+          <p:cNvPr id="60" name="楕円 59">
+            <a:extLst>
+              <a:ext uri="{FF2B5EF4-FFF2-40B4-BE49-F238E27FC236}">
+                <a16:creationId xmlns:a16="http://schemas.microsoft.com/office/drawing/2014/main" id="{57264F8C-5E17-0CB4-A7FD-F80449DBDE02}"/>
+              </a:ext>
+            </a:extLst>
+          </p:cNvPr>
+          <p:cNvSpPr/>
+          <p:nvPr/>
+        </p:nvSpPr>
+        <p:spPr>
+          <a:xfrm>
+            <a:off x="9768408" y="1412776"/>
+            <a:ext cx="216024" cy="288032"/>
+          </a:xfrm>
+          <a:prstGeom prst="ellipse">
+            <a:avLst/>
+          </a:prstGeom>
+          <a:solidFill>
+            <a:schemeClr val="tx1"/>
+          </a:solidFill>
+          <a:ln>
+            <a:noFill/>
+          </a:ln>
+        </p:spPr>
+        <p:style>
+          <a:lnRef idx="2">
+            <a:schemeClr val="accent1">
+              <a:shade val="50000"/>
+            </a:schemeClr>
+          </a:lnRef>
+          <a:fillRef idx="1">
+            <a:schemeClr val="accent1"/>
+          </a:fillRef>
+          <a:effectRef idx="0">
+            <a:schemeClr val="accent1"/>
+          </a:effectRef>
+          <a:fontRef idx="minor">
+            <a:schemeClr val="lt1"/>
+          </a:fontRef>
+        </p:style>
+        <p:txBody>
+          <a:bodyPr rtlCol="0" anchor="ctr"/>
+          <a:lstStyle/>
+          <a:p>
+            <a:pPr algn="ctr"/>
+            <a:endParaRPr kumimoji="1" lang="ja-JP" altLang="en-US"/>
+          </a:p>
+        </p:txBody>
+      </p:sp>
+      <p:sp>
+        <p:nvSpPr>
+          <p:cNvPr id="61" name="楕円 60">
+            <a:extLst>
+              <a:ext uri="{FF2B5EF4-FFF2-40B4-BE49-F238E27FC236}">
+                <a16:creationId xmlns:a16="http://schemas.microsoft.com/office/drawing/2014/main" id="{EF8EB9F8-5DA7-7F11-813A-A251C695040B}"/>
+              </a:ext>
+            </a:extLst>
+          </p:cNvPr>
+          <p:cNvSpPr/>
+          <p:nvPr/>
+        </p:nvSpPr>
+        <p:spPr>
+          <a:xfrm>
+            <a:off x="9768408" y="2060848"/>
+            <a:ext cx="216024" cy="288032"/>
+          </a:xfrm>
+          <a:prstGeom prst="ellipse">
+            <a:avLst/>
+          </a:prstGeom>
+          <a:solidFill>
+            <a:schemeClr val="tx1"/>
+          </a:solidFill>
+          <a:ln>
+            <a:noFill/>
+          </a:ln>
+        </p:spPr>
+        <p:style>
+          <a:lnRef idx="2">
+            <a:schemeClr val="accent1">
+              <a:shade val="50000"/>
+            </a:schemeClr>
+          </a:lnRef>
+          <a:fillRef idx="1">
+            <a:schemeClr val="accent1"/>
+          </a:fillRef>
+          <a:effectRef idx="0">
+            <a:schemeClr val="accent1"/>
+          </a:effectRef>
+          <a:fontRef idx="minor">
+            <a:schemeClr val="lt1"/>
+          </a:fontRef>
+        </p:style>
+        <p:txBody>
+          <a:bodyPr rtlCol="0" anchor="ctr"/>
+          <a:lstStyle/>
+          <a:p>
+            <a:pPr algn="ctr"/>
+            <a:endParaRPr kumimoji="1" lang="ja-JP" altLang="en-US"/>
+          </a:p>
+        </p:txBody>
+      </p:sp>
+      <p:sp>
+        <p:nvSpPr>
+          <p:cNvPr id="62" name="楕円 61">
+            <a:extLst>
+              <a:ext uri="{FF2B5EF4-FFF2-40B4-BE49-F238E27FC236}">
+                <a16:creationId xmlns:a16="http://schemas.microsoft.com/office/drawing/2014/main" id="{F07A18E8-DF64-D630-F731-B31BDC845CEA}"/>
+              </a:ext>
+            </a:extLst>
+          </p:cNvPr>
+          <p:cNvSpPr/>
+          <p:nvPr/>
+        </p:nvSpPr>
+        <p:spPr>
+          <a:xfrm>
+            <a:off x="10128448" y="980728"/>
+            <a:ext cx="216024" cy="288032"/>
+          </a:xfrm>
+          <a:prstGeom prst="ellipse">
+            <a:avLst/>
+          </a:prstGeom>
+          <a:solidFill>
+            <a:schemeClr val="tx1"/>
+          </a:solidFill>
+          <a:ln>
+            <a:noFill/>
+          </a:ln>
+        </p:spPr>
+        <p:style>
+          <a:lnRef idx="2">
+            <a:schemeClr val="accent1">
+              <a:shade val="50000"/>
+            </a:schemeClr>
+          </a:lnRef>
+          <a:fillRef idx="1">
+            <a:schemeClr val="accent1"/>
+          </a:fillRef>
+          <a:effectRef idx="0">
+            <a:schemeClr val="accent1"/>
+          </a:effectRef>
+          <a:fontRef idx="minor">
+            <a:schemeClr val="lt1"/>
+          </a:fontRef>
+        </p:style>
+        <p:txBody>
+          <a:bodyPr rtlCol="0" anchor="ctr"/>
+          <a:lstStyle/>
+          <a:p>
+            <a:pPr algn="ctr"/>
+            <a:endParaRPr kumimoji="1" lang="ja-JP" altLang="en-US"/>
+          </a:p>
+        </p:txBody>
+      </p:sp>
+      <p:sp>
+        <p:nvSpPr>
+          <p:cNvPr id="63" name="楕円 62">
+            <a:extLst>
+              <a:ext uri="{FF2B5EF4-FFF2-40B4-BE49-F238E27FC236}">
+                <a16:creationId xmlns:a16="http://schemas.microsoft.com/office/drawing/2014/main" id="{BA3A7433-4C44-3CAC-B2E3-E08E379DF327}"/>
+              </a:ext>
+            </a:extLst>
+          </p:cNvPr>
+          <p:cNvSpPr/>
+          <p:nvPr/>
+        </p:nvSpPr>
+        <p:spPr>
+          <a:xfrm>
+            <a:off x="10128448" y="1628800"/>
+            <a:ext cx="216024" cy="288032"/>
+          </a:xfrm>
+          <a:prstGeom prst="ellipse">
+            <a:avLst/>
+          </a:prstGeom>
+          <a:solidFill>
+            <a:schemeClr val="tx1"/>
+          </a:solidFill>
+          <a:ln>
+            <a:noFill/>
+          </a:ln>
+        </p:spPr>
+        <p:style>
+          <a:lnRef idx="2">
+            <a:schemeClr val="accent1">
+              <a:shade val="50000"/>
+            </a:schemeClr>
+          </a:lnRef>
+          <a:fillRef idx="1">
+            <a:schemeClr val="accent1"/>
+          </a:fillRef>
+          <a:effectRef idx="0">
+            <a:schemeClr val="accent1"/>
+          </a:effectRef>
+          <a:fontRef idx="minor">
+            <a:schemeClr val="lt1"/>
+          </a:fontRef>
+        </p:style>
+        <p:txBody>
+          <a:bodyPr rtlCol="0" anchor="ctr"/>
+          <a:lstStyle/>
+          <a:p>
+            <a:pPr algn="ctr"/>
+            <a:endParaRPr kumimoji="1" lang="ja-JP" altLang="en-US"/>
+          </a:p>
+        </p:txBody>
+      </p:sp>
+      <p:sp>
+        <p:nvSpPr>
+          <p:cNvPr id="69" name="楕円 68">
+            <a:extLst>
+              <a:ext uri="{FF2B5EF4-FFF2-40B4-BE49-F238E27FC236}">
+                <a16:creationId xmlns:a16="http://schemas.microsoft.com/office/drawing/2014/main" id="{801BBF50-B246-FE67-96B2-69DE10F62FD5}"/>
+              </a:ext>
+            </a:extLst>
+          </p:cNvPr>
+          <p:cNvSpPr/>
+          <p:nvPr/>
+        </p:nvSpPr>
+        <p:spPr>
+          <a:xfrm>
+            <a:off x="8400256" y="2132856"/>
+            <a:ext cx="432048" cy="432048"/>
+          </a:xfrm>
+          <a:prstGeom prst="ellipse">
+            <a:avLst/>
+          </a:prstGeom>
+          <a:solidFill>
+            <a:schemeClr val="tx1"/>
+          </a:solidFill>
+          <a:ln>
+            <a:noFill/>
+          </a:ln>
+        </p:spPr>
+        <p:style>
+          <a:lnRef idx="2">
+            <a:schemeClr val="accent1">
+              <a:shade val="50000"/>
+            </a:schemeClr>
+          </a:lnRef>
+          <a:fillRef idx="1">
+            <a:schemeClr val="accent1"/>
+          </a:fillRef>
+          <a:effectRef idx="0">
+            <a:schemeClr val="accent1"/>
+          </a:effectRef>
+          <a:fontRef idx="minor">
+            <a:schemeClr val="lt1"/>
+          </a:fontRef>
+        </p:style>
+        <p:txBody>
+          <a:bodyPr rtlCol="0" anchor="ctr"/>
+          <a:lstStyle/>
+          <a:p>
+            <a:pPr algn="ctr"/>
+            <a:endParaRPr kumimoji="1" lang="ja-JP" altLang="en-US"/>
+          </a:p>
+        </p:txBody>
+      </p:sp>
+      <p:sp>
+        <p:nvSpPr>
+          <p:cNvPr id="70" name="楕円 69">
+            <a:extLst>
+              <a:ext uri="{FF2B5EF4-FFF2-40B4-BE49-F238E27FC236}">
+                <a16:creationId xmlns:a16="http://schemas.microsoft.com/office/drawing/2014/main" id="{20A4015B-6FAC-F109-FBC7-8C32B156D1A8}"/>
+              </a:ext>
+            </a:extLst>
+          </p:cNvPr>
+          <p:cNvSpPr/>
+          <p:nvPr/>
+        </p:nvSpPr>
+        <p:spPr>
+          <a:xfrm>
+            <a:off x="9120336" y="1484784"/>
+            <a:ext cx="432048" cy="432048"/>
+          </a:xfrm>
+          <a:prstGeom prst="ellipse">
+            <a:avLst/>
+          </a:prstGeom>
+          <a:solidFill>
+            <a:schemeClr val="tx1"/>
+          </a:solidFill>
+          <a:ln>
+            <a:noFill/>
+          </a:ln>
+        </p:spPr>
+        <p:style>
+          <a:lnRef idx="2">
+            <a:schemeClr val="accent1">
+              <a:shade val="50000"/>
+            </a:schemeClr>
+          </a:lnRef>
+          <a:fillRef idx="1">
+            <a:schemeClr val="accent1"/>
+          </a:fillRef>
+          <a:effectRef idx="0">
+            <a:schemeClr val="accent1"/>
+          </a:effectRef>
+          <a:fontRef idx="minor">
+            <a:schemeClr val="lt1"/>
+          </a:fontRef>
+        </p:style>
+        <p:txBody>
+          <a:bodyPr rtlCol="0" anchor="ctr"/>
+          <a:lstStyle/>
+          <a:p>
+            <a:pPr algn="ctr"/>
+            <a:endParaRPr kumimoji="1" lang="ja-JP" altLang="en-US"/>
+          </a:p>
+        </p:txBody>
+      </p:sp>
+      <p:sp>
+        <p:nvSpPr>
+          <p:cNvPr id="71" name="楕円 70">
+            <a:extLst>
+              <a:ext uri="{FF2B5EF4-FFF2-40B4-BE49-F238E27FC236}">
+                <a16:creationId xmlns:a16="http://schemas.microsoft.com/office/drawing/2014/main" id="{2654309F-17AA-0A38-917C-0ED2E1D05269}"/>
+              </a:ext>
+            </a:extLst>
+          </p:cNvPr>
+          <p:cNvSpPr/>
+          <p:nvPr/>
+        </p:nvSpPr>
+        <p:spPr>
+          <a:xfrm>
+            <a:off x="9048328" y="656692"/>
+            <a:ext cx="288032" cy="144016"/>
+          </a:xfrm>
+          <a:prstGeom prst="ellipse">
+            <a:avLst/>
+          </a:prstGeom>
+          <a:solidFill>
+            <a:schemeClr val="tx1"/>
+          </a:solidFill>
+          <a:ln>
+            <a:noFill/>
+          </a:ln>
+        </p:spPr>
+        <p:style>
+          <a:lnRef idx="2">
+            <a:schemeClr val="accent1">
+              <a:shade val="50000"/>
+            </a:schemeClr>
+          </a:lnRef>
+          <a:fillRef idx="1">
+            <a:schemeClr val="accent1"/>
+          </a:fillRef>
+          <a:effectRef idx="0">
+            <a:schemeClr val="accent1"/>
+          </a:effectRef>
+          <a:fontRef idx="minor">
+            <a:schemeClr val="lt1"/>
+          </a:fontRef>
+        </p:style>
+        <p:txBody>
+          <a:bodyPr rtlCol="0" anchor="ctr"/>
+          <a:lstStyle/>
+          <a:p>
+            <a:pPr algn="ctr"/>
+            <a:endParaRPr kumimoji="1" lang="ja-JP" altLang="en-US"/>
+          </a:p>
+        </p:txBody>
+      </p:sp>
+      <p:sp>
+        <p:nvSpPr>
+          <p:cNvPr id="72" name="楕円 71">
+            <a:extLst>
+              <a:ext uri="{FF2B5EF4-FFF2-40B4-BE49-F238E27FC236}">
+                <a16:creationId xmlns:a16="http://schemas.microsoft.com/office/drawing/2014/main" id="{69A42F37-78F9-B057-A379-BEF50F9E97C6}"/>
+              </a:ext>
+            </a:extLst>
+          </p:cNvPr>
+          <p:cNvSpPr/>
+          <p:nvPr/>
+        </p:nvSpPr>
+        <p:spPr>
+          <a:xfrm>
+            <a:off x="8832304" y="836712"/>
+            <a:ext cx="288032" cy="144016"/>
+          </a:xfrm>
+          <a:prstGeom prst="ellipse">
+            <a:avLst/>
+          </a:prstGeom>
+          <a:solidFill>
+            <a:schemeClr val="tx1"/>
+          </a:solidFill>
+          <a:ln>
+            <a:noFill/>
+          </a:ln>
+        </p:spPr>
+        <p:style>
+          <a:lnRef idx="2">
+            <a:schemeClr val="accent1">
+              <a:shade val="50000"/>
+            </a:schemeClr>
+          </a:lnRef>
+          <a:fillRef idx="1">
+            <a:schemeClr val="accent1"/>
+          </a:fillRef>
+          <a:effectRef idx="0">
+            <a:schemeClr val="accent1"/>
+          </a:effectRef>
+          <a:fontRef idx="minor">
+            <a:schemeClr val="lt1"/>
+          </a:fontRef>
+        </p:style>
+        <p:txBody>
+          <a:bodyPr rtlCol="0" anchor="ctr"/>
+          <a:lstStyle/>
+          <a:p>
+            <a:pPr algn="ctr"/>
+            <a:endParaRPr kumimoji="1" lang="ja-JP" altLang="en-US"/>
+          </a:p>
+        </p:txBody>
+      </p:sp>
+      <p:sp>
+        <p:nvSpPr>
+          <p:cNvPr id="73" name="楕円 72">
+            <a:extLst>
+              <a:ext uri="{FF2B5EF4-FFF2-40B4-BE49-F238E27FC236}">
+                <a16:creationId xmlns:a16="http://schemas.microsoft.com/office/drawing/2014/main" id="{696797EB-2EF4-5191-B13D-3CA353E95912}"/>
+              </a:ext>
+            </a:extLst>
+          </p:cNvPr>
+          <p:cNvSpPr/>
+          <p:nvPr/>
+        </p:nvSpPr>
+        <p:spPr>
+          <a:xfrm>
+            <a:off x="8616280" y="1016732"/>
+            <a:ext cx="288032" cy="144016"/>
+          </a:xfrm>
+          <a:prstGeom prst="ellipse">
+            <a:avLst/>
+          </a:prstGeom>
+          <a:solidFill>
+            <a:schemeClr val="tx1"/>
+          </a:solidFill>
+          <a:ln>
+            <a:noFill/>
+          </a:ln>
+        </p:spPr>
+        <p:style>
+          <a:lnRef idx="2">
+            <a:schemeClr val="accent1">
+              <a:shade val="50000"/>
+            </a:schemeClr>
+          </a:lnRef>
+          <a:fillRef idx="1">
+            <a:schemeClr val="accent1"/>
+          </a:fillRef>
+          <a:effectRef idx="0">
+            <a:schemeClr val="accent1"/>
+          </a:effectRef>
+          <a:fontRef idx="minor">
+            <a:schemeClr val="lt1"/>
+          </a:fontRef>
+        </p:style>
+        <p:txBody>
+          <a:bodyPr rtlCol="0" anchor="ctr"/>
+          <a:lstStyle/>
+          <a:p>
+            <a:pPr algn="ctr"/>
+            <a:endParaRPr kumimoji="1" lang="ja-JP" altLang="en-US"/>
+          </a:p>
+        </p:txBody>
+      </p:sp>
+      <p:sp>
+        <p:nvSpPr>
+          <p:cNvPr id="74" name="楕円 73">
+            <a:extLst>
+              <a:ext uri="{FF2B5EF4-FFF2-40B4-BE49-F238E27FC236}">
+                <a16:creationId xmlns:a16="http://schemas.microsoft.com/office/drawing/2014/main" id="{FBB0F887-CFC9-3F26-AEF2-E9F63AFAB591}"/>
+              </a:ext>
+            </a:extLst>
+          </p:cNvPr>
+          <p:cNvSpPr/>
+          <p:nvPr/>
+        </p:nvSpPr>
+        <p:spPr>
+          <a:xfrm>
+            <a:off x="9768408" y="656692"/>
+            <a:ext cx="288032" cy="144016"/>
+          </a:xfrm>
+          <a:prstGeom prst="ellipse">
+            <a:avLst/>
+          </a:prstGeom>
+          <a:solidFill>
+            <a:schemeClr val="tx1"/>
+          </a:solidFill>
+          <a:ln>
+            <a:noFill/>
+          </a:ln>
+        </p:spPr>
+        <p:style>
+          <a:lnRef idx="2">
+            <a:schemeClr val="accent1">
+              <a:shade val="50000"/>
+            </a:schemeClr>
+          </a:lnRef>
+          <a:fillRef idx="1">
+            <a:schemeClr val="accent1"/>
+          </a:fillRef>
+          <a:effectRef idx="0">
+            <a:schemeClr val="accent1"/>
+          </a:effectRef>
+          <a:fontRef idx="minor">
+            <a:schemeClr val="lt1"/>
+          </a:fontRef>
+        </p:style>
+        <p:txBody>
+          <a:bodyPr rtlCol="0" anchor="ctr"/>
+          <a:lstStyle/>
+          <a:p>
+            <a:pPr algn="ctr"/>
+            <a:endParaRPr kumimoji="1" lang="ja-JP" altLang="en-US"/>
+          </a:p>
+        </p:txBody>
+      </p:sp>
+      <p:sp>
+        <p:nvSpPr>
+          <p:cNvPr id="75" name="楕円 74">
+            <a:extLst>
+              <a:ext uri="{FF2B5EF4-FFF2-40B4-BE49-F238E27FC236}">
+                <a16:creationId xmlns:a16="http://schemas.microsoft.com/office/drawing/2014/main" id="{19686F29-7691-7BDC-A45A-E351E293BF9E}"/>
+              </a:ext>
+            </a:extLst>
+          </p:cNvPr>
+          <p:cNvSpPr/>
+          <p:nvPr/>
+        </p:nvSpPr>
+        <p:spPr>
+          <a:xfrm>
+            <a:off x="9552384" y="836712"/>
+            <a:ext cx="288032" cy="144016"/>
+          </a:xfrm>
+          <a:prstGeom prst="ellipse">
+            <a:avLst/>
+          </a:prstGeom>
+          <a:solidFill>
+            <a:schemeClr val="tx1"/>
+          </a:solidFill>
+          <a:ln>
+            <a:noFill/>
+          </a:ln>
+        </p:spPr>
+        <p:style>
+          <a:lnRef idx="2">
+            <a:schemeClr val="accent1">
+              <a:shade val="50000"/>
+            </a:schemeClr>
+          </a:lnRef>
+          <a:fillRef idx="1">
+            <a:schemeClr val="accent1"/>
+          </a:fillRef>
+          <a:effectRef idx="0">
+            <a:schemeClr val="accent1"/>
+          </a:effectRef>
+          <a:fontRef idx="minor">
+            <a:schemeClr val="lt1"/>
+          </a:fontRef>
+        </p:style>
+        <p:txBody>
+          <a:bodyPr rtlCol="0" anchor="ctr"/>
+          <a:lstStyle/>
+          <a:p>
+            <a:pPr algn="ctr"/>
+            <a:endParaRPr kumimoji="1" lang="ja-JP" altLang="en-US"/>
+          </a:p>
+        </p:txBody>
+      </p:sp>
+      <p:sp>
+        <p:nvSpPr>
+          <p:cNvPr id="76" name="楕円 75">
+            <a:extLst>
+              <a:ext uri="{FF2B5EF4-FFF2-40B4-BE49-F238E27FC236}">
+                <a16:creationId xmlns:a16="http://schemas.microsoft.com/office/drawing/2014/main" id="{9D836674-C566-5CCF-EFBB-0FD1D19F1348}"/>
+              </a:ext>
+            </a:extLst>
+          </p:cNvPr>
+          <p:cNvSpPr/>
+          <p:nvPr/>
+        </p:nvSpPr>
+        <p:spPr>
+          <a:xfrm>
+            <a:off x="9336360" y="1016732"/>
+            <a:ext cx="288032" cy="144016"/>
+          </a:xfrm>
+          <a:prstGeom prst="ellipse">
+            <a:avLst/>
+          </a:prstGeom>
+          <a:solidFill>
+            <a:schemeClr val="tx1"/>
+          </a:solidFill>
+          <a:ln>
+            <a:noFill/>
+          </a:ln>
+        </p:spPr>
+        <p:style>
+          <a:lnRef idx="2">
+            <a:schemeClr val="accent1">
+              <a:shade val="50000"/>
+            </a:schemeClr>
+          </a:lnRef>
+          <a:fillRef idx="1">
+            <a:schemeClr val="accent1"/>
+          </a:fillRef>
+          <a:effectRef idx="0">
+            <a:schemeClr val="accent1"/>
+          </a:effectRef>
+          <a:fontRef idx="minor">
+            <a:schemeClr val="lt1"/>
+          </a:fontRef>
+        </p:style>
+        <p:txBody>
+          <a:bodyPr rtlCol="0" anchor="ctr"/>
+          <a:lstStyle/>
+          <a:p>
+            <a:pPr algn="ctr"/>
+            <a:endParaRPr kumimoji="1" lang="ja-JP" altLang="en-US"/>
+          </a:p>
+        </p:txBody>
+      </p:sp>
+      <p:cxnSp>
+        <p:nvCxnSpPr>
+          <p:cNvPr id="80" name="直線矢印コネクタ 79">
+            <a:extLst>
+              <a:ext uri="{FF2B5EF4-FFF2-40B4-BE49-F238E27FC236}">
+                <a16:creationId xmlns:a16="http://schemas.microsoft.com/office/drawing/2014/main" id="{E72BAA36-69D0-7994-7B7F-9171B53566B6}"/>
+              </a:ext>
+            </a:extLst>
+          </p:cNvPr>
+          <p:cNvCxnSpPr>
+            <a:cxnSpLocks/>
+          </p:cNvCxnSpPr>
+          <p:nvPr/>
+        </p:nvCxnSpPr>
+        <p:spPr>
+          <a:xfrm flipH="1">
+            <a:off x="3647728" y="1268760"/>
+            <a:ext cx="504056" cy="504056"/>
+          </a:xfrm>
+          <a:prstGeom prst="straightConnector1">
+            <a:avLst/>
+          </a:prstGeom>
+          <a:ln>
+            <a:solidFill>
+              <a:schemeClr val="tx1"/>
+            </a:solidFill>
+            <a:headEnd type="none" w="med" len="med"/>
+            <a:tailEnd type="triangle"/>
+          </a:ln>
+        </p:spPr>
+        <p:style>
+          <a:lnRef idx="1">
+            <a:schemeClr val="accent1"/>
+          </a:lnRef>
+          <a:fillRef idx="0">
+            <a:schemeClr val="accent1"/>
+          </a:fillRef>
+          <a:effectRef idx="0">
+            <a:schemeClr val="accent1"/>
+          </a:effectRef>
+          <a:fontRef idx="minor">
+            <a:schemeClr val="tx1"/>
+          </a:fontRef>
+        </p:style>
+      </p:cxnSp>
+      <p:sp>
+        <p:nvSpPr>
+          <p:cNvPr id="81" name="矢印: 右カーブ 80">
+            <a:extLst>
+              <a:ext uri="{FF2B5EF4-FFF2-40B4-BE49-F238E27FC236}">
+                <a16:creationId xmlns:a16="http://schemas.microsoft.com/office/drawing/2014/main" id="{281DDC2F-F5CA-5328-0A68-8293234208A3}"/>
+              </a:ext>
+            </a:extLst>
+          </p:cNvPr>
+          <p:cNvSpPr/>
+          <p:nvPr/>
+        </p:nvSpPr>
+        <p:spPr>
+          <a:xfrm rot="5400000">
+            <a:off x="3710004" y="1206484"/>
+            <a:ext cx="289526" cy="558094"/>
+          </a:xfrm>
+          <a:prstGeom prst="curvedRightArrow">
+            <a:avLst/>
+          </a:prstGeom>
+        </p:spPr>
+        <p:style>
+          <a:lnRef idx="2">
+            <a:schemeClr val="accent1">
+              <a:shade val="50000"/>
+            </a:schemeClr>
+          </a:lnRef>
+          <a:fillRef idx="1">
+            <a:schemeClr val="accent1"/>
+          </a:fillRef>
+          <a:effectRef idx="0">
+            <a:schemeClr val="accent1"/>
+          </a:effectRef>
+          <a:fontRef idx="minor">
+            <a:schemeClr val="lt1"/>
+          </a:fontRef>
+        </p:style>
+        <p:txBody>
+          <a:bodyPr rtlCol="0" anchor="ctr"/>
+          <a:lstStyle/>
+          <a:p>
+            <a:pPr algn="ctr"/>
+            <a:endParaRPr kumimoji="1" lang="ja-JP" altLang="en-US" sz="1100">
+              <a:solidFill>
+                <a:schemeClr val="tx1"/>
+              </a:solidFill>
+            </a:endParaRPr>
+          </a:p>
+        </p:txBody>
+      </p:sp>
+      <p:sp>
+        <p:nvSpPr>
+          <p:cNvPr id="82" name="矢印: 右カーブ 81">
+            <a:extLst>
+              <a:ext uri="{FF2B5EF4-FFF2-40B4-BE49-F238E27FC236}">
+                <a16:creationId xmlns:a16="http://schemas.microsoft.com/office/drawing/2014/main" id="{502E8AE1-6AB6-129C-0A47-FFCEE70E7724}"/>
+              </a:ext>
+            </a:extLst>
+          </p:cNvPr>
+          <p:cNvSpPr/>
+          <p:nvPr/>
+        </p:nvSpPr>
+        <p:spPr>
+          <a:xfrm rot="10631379">
+            <a:off x="7545266" y="1200623"/>
+            <a:ext cx="167087" cy="375537"/>
+          </a:xfrm>
+          <a:prstGeom prst="curvedRightArrow">
+            <a:avLst/>
+          </a:prstGeom>
+        </p:spPr>
+        <p:style>
+          <a:lnRef idx="2">
+            <a:schemeClr val="accent1">
+              <a:shade val="50000"/>
+            </a:schemeClr>
+          </a:lnRef>
+          <a:fillRef idx="1">
+            <a:schemeClr val="accent1"/>
+          </a:fillRef>
+          <a:effectRef idx="0">
+            <a:schemeClr val="accent1"/>
+          </a:effectRef>
+          <a:fontRef idx="minor">
+            <a:schemeClr val="lt1"/>
+          </a:fontRef>
+        </p:style>
+        <p:txBody>
+          <a:bodyPr rtlCol="0" anchor="ctr"/>
+          <a:lstStyle/>
+          <a:p>
+            <a:pPr algn="ctr"/>
+            <a:endParaRPr kumimoji="1" lang="ja-JP" altLang="en-US" sz="1100">
+              <a:solidFill>
+                <a:schemeClr val="tx1"/>
+              </a:solidFill>
+            </a:endParaRPr>
+          </a:p>
+        </p:txBody>
+      </p:sp>
+      <p:sp>
+        <p:nvSpPr>
+          <p:cNvPr id="118" name="矢印: 右 117">
+            <a:extLst>
+              <a:ext uri="{FF2B5EF4-FFF2-40B4-BE49-F238E27FC236}">
+                <a16:creationId xmlns:a16="http://schemas.microsoft.com/office/drawing/2014/main" id="{44B2B241-74CE-3366-E277-ED632F2E7043}"/>
+              </a:ext>
+            </a:extLst>
+          </p:cNvPr>
+          <p:cNvSpPr/>
+          <p:nvPr/>
+        </p:nvSpPr>
+        <p:spPr>
+          <a:xfrm>
+            <a:off x="3647728" y="1844824"/>
+            <a:ext cx="576064" cy="360040"/>
+          </a:xfrm>
+          <a:prstGeom prst="rightArrow">
+            <a:avLst/>
+          </a:prstGeom>
+          <a:solidFill>
+            <a:srgbClr val="FF0000"/>
+          </a:solidFill>
+          <a:ln>
+            <a:solidFill>
+              <a:schemeClr val="tx1"/>
+            </a:solidFill>
+          </a:ln>
+        </p:spPr>
+        <p:style>
+          <a:lnRef idx="2">
+            <a:schemeClr val="accent1">
+              <a:shade val="50000"/>
+            </a:schemeClr>
+          </a:lnRef>
+          <a:fillRef idx="1">
+            <a:schemeClr val="accent1"/>
+          </a:fillRef>
+          <a:effectRef idx="0">
+            <a:schemeClr val="accent1"/>
+          </a:effectRef>
+          <a:fontRef idx="minor">
+            <a:schemeClr val="lt1"/>
+          </a:fontRef>
+        </p:style>
+        <p:txBody>
+          <a:bodyPr rtlCol="0" anchor="ctr"/>
+          <a:lstStyle/>
+          <a:p>
+            <a:pPr algn="ctr"/>
+            <a:endParaRPr kumimoji="1" lang="ja-JP" altLang="en-US"/>
+          </a:p>
+        </p:txBody>
+      </p:sp>
+      <p:sp>
+        <p:nvSpPr>
+          <p:cNvPr id="119" name="矢印: 右 118">
+            <a:extLst>
+              <a:ext uri="{FF2B5EF4-FFF2-40B4-BE49-F238E27FC236}">
+                <a16:creationId xmlns:a16="http://schemas.microsoft.com/office/drawing/2014/main" id="{20E4365A-9794-DEA1-5ABA-4EEFC346A00A}"/>
+              </a:ext>
+            </a:extLst>
+          </p:cNvPr>
+          <p:cNvSpPr/>
+          <p:nvPr/>
+        </p:nvSpPr>
+        <p:spPr>
+          <a:xfrm>
+            <a:off x="7320136" y="1772816"/>
+            <a:ext cx="576064" cy="360040"/>
+          </a:xfrm>
+          <a:prstGeom prst="rightArrow">
+            <a:avLst/>
+          </a:prstGeom>
+          <a:solidFill>
+            <a:srgbClr val="FF0000"/>
+          </a:solidFill>
+          <a:ln>
+            <a:solidFill>
+              <a:schemeClr val="tx1"/>
+            </a:solidFill>
+          </a:ln>
+        </p:spPr>
+        <p:style>
+          <a:lnRef idx="2">
+            <a:schemeClr val="accent1">
+              <a:shade val="50000"/>
+            </a:schemeClr>
+          </a:lnRef>
+          <a:fillRef idx="1">
+            <a:schemeClr val="accent1"/>
+          </a:fillRef>
+          <a:effectRef idx="0">
+            <a:schemeClr val="accent1"/>
+          </a:effectRef>
+          <a:fontRef idx="minor">
+            <a:schemeClr val="lt1"/>
+          </a:fontRef>
+        </p:style>
+        <p:txBody>
+          <a:bodyPr rtlCol="0" anchor="ctr"/>
+          <a:lstStyle/>
+          <a:p>
+            <a:pPr algn="ctr"/>
+            <a:endParaRPr kumimoji="1" lang="ja-JP" altLang="en-US"/>
+          </a:p>
+        </p:txBody>
+      </p:sp>
+      <mc:AlternateContent xmlns:mc="http://schemas.openxmlformats.org/markup-compatibility/2006">
+        <mc:Choice xmlns:a14="http://schemas.microsoft.com/office/drawing/2010/main" Requires="a14">
+          <p:sp>
+            <p:nvSpPr>
+              <p:cNvPr id="15" name="テキスト ボックス 14">
+                <a:extLst>
+                  <a:ext uri="{FF2B5EF4-FFF2-40B4-BE49-F238E27FC236}">
+                    <a16:creationId xmlns:a16="http://schemas.microsoft.com/office/drawing/2014/main" id="{DF8855BE-F89C-E8ED-81CB-CB6702427082}"/>
+                  </a:ext>
+                </a:extLst>
+              </p:cNvPr>
+              <p:cNvSpPr txBox="1"/>
+              <p:nvPr/>
+            </p:nvSpPr>
+            <p:spPr>
+              <a:xfrm>
+                <a:off x="911424" y="3501008"/>
+                <a:ext cx="758285" cy="569067"/>
+              </a:xfrm>
+              <a:prstGeom prst="rect">
+                <a:avLst/>
+              </a:prstGeom>
+              <a:noFill/>
+            </p:spPr>
+            <p:txBody>
+              <a:bodyPr wrap="none" lIns="0" tIns="0" rIns="0" bIns="0" rtlCol="0">
+                <a:spAutoFit/>
+              </a:bodyPr>
+              <a:lstStyle/>
+              <a:p>
+                <a:pPr/>
+                <a14:m>
+                  <m:oMathPara xmlns:m="http://schemas.openxmlformats.org/officeDocument/2006/math">
+                    <m:oMathParaPr>
+                      <m:jc m:val="centerGroup"/>
+                    </m:oMathParaPr>
+                    <m:oMath xmlns:m="http://schemas.openxmlformats.org/officeDocument/2006/math">
+                      <m:r>
+                        <a:rPr kumimoji="1" lang="en-US" altLang="ja-JP" sz="3600" b="0" i="1" smtClean="0">
+                          <a:latin typeface="Cambria Math" panose="02040503050406030204" pitchFamily="18" charset="0"/>
+                        </a:rPr>
+                        <m:t>−</m:t>
+                      </m:r>
+                      <m:acc>
+                        <m:accPr>
+                          <m:chr m:val="̂"/>
+                          <m:ctrlPr>
+                            <a:rPr kumimoji="1" lang="en-US" altLang="ja-JP" sz="3600" b="0" i="1" smtClean="0">
+                              <a:latin typeface="Cambria Math" panose="02040503050406030204" pitchFamily="18" charset="0"/>
+                            </a:rPr>
+                          </m:ctrlPr>
+                        </m:accPr>
+                        <m:e>
+                          <m:r>
+                            <a:rPr kumimoji="1" lang="en-US" altLang="ja-JP" sz="3600" b="0" i="1" smtClean="0">
+                              <a:latin typeface="Cambria Math" panose="02040503050406030204" pitchFamily="18" charset="0"/>
+                            </a:rPr>
+                            <m:t>𝑋</m:t>
+                          </m:r>
+                        </m:e>
+                      </m:acc>
+                    </m:oMath>
+                  </m:oMathPara>
+                </a14:m>
+                <a:endParaRPr kumimoji="1" lang="ja-JP" altLang="en-US" sz="3600"/>
+              </a:p>
+            </p:txBody>
+          </p:sp>
+        </mc:Choice>
+        <mc:Fallback>
+          <p:sp>
+            <p:nvSpPr>
+              <p:cNvPr id="15" name="テキスト ボックス 14">
+                <a:extLst>
+                  <a:ext uri="{FF2B5EF4-FFF2-40B4-BE49-F238E27FC236}">
+                    <a16:creationId xmlns:a16="http://schemas.microsoft.com/office/drawing/2014/main" id="{DF8855BE-F89C-E8ED-81CB-CB6702427082}"/>
+                  </a:ext>
+                </a:extLst>
+              </p:cNvPr>
+              <p:cNvSpPr txBox="1">
+                <a:spLocks noRot="1" noChangeAspect="1" noMove="1" noResize="1" noEditPoints="1" noAdjustHandles="1" noChangeArrowheads="1" noChangeShapeType="1" noTextEdit="1"/>
+              </p:cNvSpPr>
+              <p:nvPr/>
+            </p:nvSpPr>
+            <p:spPr>
+              <a:xfrm>
+                <a:off x="911424" y="3501008"/>
+                <a:ext cx="758285" cy="569067"/>
+              </a:xfrm>
+              <a:prstGeom prst="rect">
+                <a:avLst/>
+              </a:prstGeom>
+              <a:blipFill>
+                <a:blip r:embed="rId4"/>
+                <a:stretch>
+                  <a:fillRect/>
+                </a:stretch>
+              </a:blipFill>
+            </p:spPr>
+            <p:txBody>
+              <a:bodyPr/>
+              <a:lstStyle/>
+              <a:p>
+                <a:r>
+                  <a:rPr lang="ja-JP" altLang="en-US">
+                    <a:noFill/>
+                  </a:rPr>
+                  <a:t> </a:t>
+                </a:r>
+              </a:p>
+            </p:txBody>
+          </p:sp>
+        </mc:Fallback>
+      </mc:AlternateContent>
+      <p:sp>
+        <p:nvSpPr>
+          <p:cNvPr id="122" name="矢印: 右 121">
+            <a:extLst>
+              <a:ext uri="{FF2B5EF4-FFF2-40B4-BE49-F238E27FC236}">
+                <a16:creationId xmlns:a16="http://schemas.microsoft.com/office/drawing/2014/main" id="{C169AEC3-A404-BEB7-3B89-B77B54FE87EA}"/>
+              </a:ext>
+            </a:extLst>
+          </p:cNvPr>
+          <p:cNvSpPr/>
+          <p:nvPr/>
+        </p:nvSpPr>
+        <p:spPr>
+          <a:xfrm>
+            <a:off x="931744" y="4694664"/>
+            <a:ext cx="576064" cy="360040"/>
+          </a:xfrm>
+          <a:prstGeom prst="rightArrow">
+            <a:avLst/>
+          </a:prstGeom>
+          <a:solidFill>
+            <a:srgbClr val="FF0000"/>
+          </a:solidFill>
+          <a:ln>
+            <a:solidFill>
+              <a:schemeClr val="tx1"/>
+            </a:solidFill>
+          </a:ln>
+        </p:spPr>
+        <p:style>
+          <a:lnRef idx="2">
+            <a:schemeClr val="accent1">
+              <a:shade val="50000"/>
+            </a:schemeClr>
+          </a:lnRef>
+          <a:fillRef idx="1">
+            <a:schemeClr val="accent1"/>
+          </a:fillRef>
+          <a:effectRef idx="0">
+            <a:schemeClr val="accent1"/>
+          </a:effectRef>
+          <a:fontRef idx="minor">
+            <a:schemeClr val="lt1"/>
+          </a:fontRef>
+        </p:style>
+        <p:txBody>
+          <a:bodyPr rtlCol="0" anchor="ctr"/>
+          <a:lstStyle/>
+          <a:p>
+            <a:pPr algn="ctr"/>
+            <a:endParaRPr kumimoji="1" lang="ja-JP" altLang="en-US"/>
+          </a:p>
+        </p:txBody>
+      </p:sp>
+      <p:cxnSp>
+        <p:nvCxnSpPr>
+          <p:cNvPr id="125" name="直線矢印コネクタ 124">
+            <a:extLst>
+              <a:ext uri="{FF2B5EF4-FFF2-40B4-BE49-F238E27FC236}">
+                <a16:creationId xmlns:a16="http://schemas.microsoft.com/office/drawing/2014/main" id="{B2E6AFB6-EAFA-A657-C083-45FE14F59AE8}"/>
+              </a:ext>
+            </a:extLst>
+          </p:cNvPr>
+          <p:cNvCxnSpPr>
+            <a:cxnSpLocks/>
+          </p:cNvCxnSpPr>
+          <p:nvPr/>
+        </p:nvCxnSpPr>
+        <p:spPr>
+          <a:xfrm flipH="1">
+            <a:off x="983432" y="4293096"/>
+            <a:ext cx="504056" cy="432048"/>
+          </a:xfrm>
+          <a:prstGeom prst="straightConnector1">
+            <a:avLst/>
+          </a:prstGeom>
+          <a:ln>
+            <a:solidFill>
+              <a:schemeClr val="tx1"/>
+            </a:solidFill>
+            <a:headEnd type="none" w="med" len="med"/>
+            <a:tailEnd type="triangle"/>
+          </a:ln>
+        </p:spPr>
+        <p:style>
+          <a:lnRef idx="1">
+            <a:schemeClr val="accent1"/>
+          </a:lnRef>
+          <a:fillRef idx="0">
+            <a:schemeClr val="accent1"/>
+          </a:fillRef>
+          <a:effectRef idx="0">
+            <a:schemeClr val="accent1"/>
+          </a:effectRef>
+          <a:fontRef idx="minor">
+            <a:schemeClr val="tx1"/>
+          </a:fontRef>
+        </p:style>
+      </p:cxnSp>
+      <p:sp>
+        <p:nvSpPr>
+          <p:cNvPr id="126" name="矢印: 右カーブ 125">
+            <a:extLst>
+              <a:ext uri="{FF2B5EF4-FFF2-40B4-BE49-F238E27FC236}">
+                <a16:creationId xmlns:a16="http://schemas.microsoft.com/office/drawing/2014/main" id="{9BDEA0E3-BC80-3632-933C-FF1A7ABD8E5E}"/>
+              </a:ext>
+            </a:extLst>
+          </p:cNvPr>
+          <p:cNvSpPr/>
+          <p:nvPr/>
+        </p:nvSpPr>
+        <p:spPr>
+          <a:xfrm rot="5400000" flipV="1">
+            <a:off x="1019436" y="4185084"/>
+            <a:ext cx="288032" cy="504056"/>
+          </a:xfrm>
+          <a:prstGeom prst="curvedRightArrow">
+            <a:avLst/>
+          </a:prstGeom>
+        </p:spPr>
+        <p:style>
+          <a:lnRef idx="2">
+            <a:schemeClr val="accent1">
+              <a:shade val="50000"/>
+            </a:schemeClr>
+          </a:lnRef>
+          <a:fillRef idx="1">
+            <a:schemeClr val="accent1"/>
+          </a:fillRef>
+          <a:effectRef idx="0">
+            <a:schemeClr val="accent1"/>
+          </a:effectRef>
+          <a:fontRef idx="minor">
+            <a:schemeClr val="lt1"/>
+          </a:fontRef>
+        </p:style>
+        <p:txBody>
+          <a:bodyPr rtlCol="0" anchor="ctr"/>
+          <a:lstStyle/>
+          <a:p>
+            <a:pPr algn="ctr"/>
+            <a:endParaRPr kumimoji="1" lang="ja-JP" altLang="en-US" sz="1100">
+              <a:solidFill>
+                <a:schemeClr val="tx1"/>
+              </a:solidFill>
+            </a:endParaRPr>
+          </a:p>
+        </p:txBody>
+      </p:sp>
+      <p:sp>
+        <p:nvSpPr>
+          <p:cNvPr id="130" name="正方形/長方形 129">
+            <a:extLst>
+              <a:ext uri="{FF2B5EF4-FFF2-40B4-BE49-F238E27FC236}">
+                <a16:creationId xmlns:a16="http://schemas.microsoft.com/office/drawing/2014/main" id="{FE1BFB01-E040-FDD0-A7B4-46DA19E23206}"/>
+              </a:ext>
+            </a:extLst>
+          </p:cNvPr>
+          <p:cNvSpPr/>
+          <p:nvPr/>
+        </p:nvSpPr>
+        <p:spPr>
+          <a:xfrm>
+            <a:off x="1775520" y="4149080"/>
+            <a:ext cx="1440160" cy="1440160"/>
+          </a:xfrm>
+          <a:prstGeom prst="rect">
+            <a:avLst/>
+          </a:prstGeom>
+          <a:noFill/>
+          <a:ln>
+            <a:solidFill>
+              <a:schemeClr val="tx1"/>
+            </a:solidFill>
+          </a:ln>
+        </p:spPr>
+        <p:style>
+          <a:lnRef idx="2">
+            <a:schemeClr val="accent1">
+              <a:shade val="50000"/>
+            </a:schemeClr>
+          </a:lnRef>
+          <a:fillRef idx="1">
+            <a:schemeClr val="accent1"/>
+          </a:fillRef>
+          <a:effectRef idx="0">
+            <a:schemeClr val="accent1"/>
+          </a:effectRef>
+          <a:fontRef idx="minor">
+            <a:schemeClr val="lt1"/>
+          </a:fontRef>
+        </p:style>
+        <p:txBody>
+          <a:bodyPr rtlCol="0" anchor="ctr"/>
+          <a:lstStyle/>
+          <a:p>
+            <a:pPr algn="ctr"/>
+            <a:endParaRPr kumimoji="1" lang="ja-JP" altLang="en-US"/>
+          </a:p>
+        </p:txBody>
+      </p:sp>
+      <p:cxnSp>
+        <p:nvCxnSpPr>
+          <p:cNvPr id="131" name="直線コネクタ 130">
+            <a:extLst>
+              <a:ext uri="{FF2B5EF4-FFF2-40B4-BE49-F238E27FC236}">
+                <a16:creationId xmlns:a16="http://schemas.microsoft.com/office/drawing/2014/main" id="{101E33E4-76E9-9B8B-1D4F-92DAE2A1D1E8}"/>
+              </a:ext>
+            </a:extLst>
+          </p:cNvPr>
+          <p:cNvCxnSpPr>
+            <a:cxnSpLocks/>
+          </p:cNvCxnSpPr>
+          <p:nvPr/>
+        </p:nvCxnSpPr>
+        <p:spPr>
+          <a:xfrm>
+            <a:off x="3935760" y="3429000"/>
+            <a:ext cx="0" cy="1440160"/>
+          </a:xfrm>
+          <a:prstGeom prst="line">
+            <a:avLst/>
+          </a:prstGeom>
+          <a:ln>
+            <a:solidFill>
+              <a:schemeClr val="tx1"/>
+            </a:solidFill>
+            <a:headEnd type="none" w="med" len="med"/>
+            <a:tailEnd type="none" w="med" len="med"/>
+          </a:ln>
+        </p:spPr>
+        <p:style>
+          <a:lnRef idx="1">
+            <a:schemeClr val="accent1"/>
+          </a:lnRef>
+          <a:fillRef idx="0">
+            <a:schemeClr val="accent1"/>
+          </a:fillRef>
+          <a:effectRef idx="0">
+            <a:schemeClr val="accent1"/>
+          </a:effectRef>
+          <a:fontRef idx="minor">
+            <a:schemeClr val="tx1"/>
+          </a:fontRef>
+        </p:style>
+      </p:cxnSp>
+      <p:cxnSp>
+        <p:nvCxnSpPr>
+          <p:cNvPr id="132" name="直線コネクタ 131">
+            <a:extLst>
+              <a:ext uri="{FF2B5EF4-FFF2-40B4-BE49-F238E27FC236}">
+                <a16:creationId xmlns:a16="http://schemas.microsoft.com/office/drawing/2014/main" id="{6512210B-36BB-77D8-BEE3-E879F4B94FF4}"/>
+              </a:ext>
+            </a:extLst>
+          </p:cNvPr>
+          <p:cNvCxnSpPr>
+            <a:cxnSpLocks/>
+          </p:cNvCxnSpPr>
+          <p:nvPr/>
+        </p:nvCxnSpPr>
+        <p:spPr>
+          <a:xfrm flipH="1">
+            <a:off x="2495600" y="3429000"/>
+            <a:ext cx="1440160" cy="0"/>
+          </a:xfrm>
+          <a:prstGeom prst="line">
+            <a:avLst/>
+          </a:prstGeom>
+          <a:ln>
+            <a:solidFill>
+              <a:schemeClr val="tx1"/>
+            </a:solidFill>
+            <a:headEnd type="none" w="med" len="med"/>
+            <a:tailEnd type="none" w="med" len="med"/>
+          </a:ln>
+        </p:spPr>
+        <p:style>
+          <a:lnRef idx="1">
+            <a:schemeClr val="accent1"/>
+          </a:lnRef>
+          <a:fillRef idx="0">
+            <a:schemeClr val="accent1"/>
+          </a:fillRef>
+          <a:effectRef idx="0">
+            <a:schemeClr val="accent1"/>
+          </a:effectRef>
+          <a:fontRef idx="minor">
+            <a:schemeClr val="tx1"/>
+          </a:fontRef>
+        </p:style>
+      </p:cxnSp>
+      <p:cxnSp>
+        <p:nvCxnSpPr>
+          <p:cNvPr id="133" name="直線コネクタ 132">
+            <a:extLst>
+              <a:ext uri="{FF2B5EF4-FFF2-40B4-BE49-F238E27FC236}">
+                <a16:creationId xmlns:a16="http://schemas.microsoft.com/office/drawing/2014/main" id="{47ACE5EB-75F7-271D-ABED-4493C2B3DC4A}"/>
+              </a:ext>
+            </a:extLst>
+          </p:cNvPr>
+          <p:cNvCxnSpPr/>
+          <p:nvPr/>
+        </p:nvCxnSpPr>
+        <p:spPr>
+          <a:xfrm flipH="1">
+            <a:off x="1775520" y="3429000"/>
+            <a:ext cx="720080" cy="720080"/>
+          </a:xfrm>
+          <a:prstGeom prst="line">
+            <a:avLst/>
+          </a:prstGeom>
+          <a:ln>
+            <a:solidFill>
+              <a:schemeClr val="tx1"/>
+            </a:solidFill>
+            <a:headEnd type="none" w="med" len="med"/>
+            <a:tailEnd type="none" w="med" len="med"/>
+          </a:ln>
+        </p:spPr>
+        <p:style>
+          <a:lnRef idx="1">
+            <a:schemeClr val="accent1"/>
+          </a:lnRef>
+          <a:fillRef idx="0">
+            <a:schemeClr val="accent1"/>
+          </a:fillRef>
+          <a:effectRef idx="0">
+            <a:schemeClr val="accent1"/>
+          </a:effectRef>
+          <a:fontRef idx="minor">
+            <a:schemeClr val="tx1"/>
+          </a:fontRef>
+        </p:style>
+      </p:cxnSp>
+      <p:cxnSp>
+        <p:nvCxnSpPr>
+          <p:cNvPr id="134" name="直線コネクタ 133">
+            <a:extLst>
+              <a:ext uri="{FF2B5EF4-FFF2-40B4-BE49-F238E27FC236}">
+                <a16:creationId xmlns:a16="http://schemas.microsoft.com/office/drawing/2014/main" id="{F8BFD16F-8648-7A06-23EF-D409561F78C9}"/>
+              </a:ext>
+            </a:extLst>
+          </p:cNvPr>
+          <p:cNvCxnSpPr/>
+          <p:nvPr/>
+        </p:nvCxnSpPr>
+        <p:spPr>
+          <a:xfrm flipH="1">
+            <a:off x="3215680" y="3429000"/>
+            <a:ext cx="720080" cy="720080"/>
+          </a:xfrm>
+          <a:prstGeom prst="line">
+            <a:avLst/>
+          </a:prstGeom>
+          <a:ln>
+            <a:solidFill>
+              <a:schemeClr val="tx1"/>
+            </a:solidFill>
+            <a:headEnd type="none" w="med" len="med"/>
+            <a:tailEnd type="none" w="med" len="med"/>
+          </a:ln>
+        </p:spPr>
+        <p:style>
+          <a:lnRef idx="1">
+            <a:schemeClr val="accent1"/>
+          </a:lnRef>
+          <a:fillRef idx="0">
+            <a:schemeClr val="accent1"/>
+          </a:fillRef>
+          <a:effectRef idx="0">
+            <a:schemeClr val="accent1"/>
+          </a:effectRef>
+          <a:fontRef idx="minor">
+            <a:schemeClr val="tx1"/>
+          </a:fontRef>
+        </p:style>
+      </p:cxnSp>
+      <p:cxnSp>
+        <p:nvCxnSpPr>
+          <p:cNvPr id="135" name="直線コネクタ 134">
+            <a:extLst>
+              <a:ext uri="{FF2B5EF4-FFF2-40B4-BE49-F238E27FC236}">
+                <a16:creationId xmlns:a16="http://schemas.microsoft.com/office/drawing/2014/main" id="{8679DCEE-48EC-0354-289D-6BC1E1A0DD08}"/>
+              </a:ext>
+            </a:extLst>
+          </p:cNvPr>
+          <p:cNvCxnSpPr/>
+          <p:nvPr/>
+        </p:nvCxnSpPr>
+        <p:spPr>
+          <a:xfrm flipH="1">
+            <a:off x="3215680" y="4869160"/>
+            <a:ext cx="720080" cy="720080"/>
+          </a:xfrm>
+          <a:prstGeom prst="line">
+            <a:avLst/>
+          </a:prstGeom>
+          <a:ln>
+            <a:solidFill>
+              <a:schemeClr val="tx1"/>
+            </a:solidFill>
+            <a:headEnd type="none" w="med" len="med"/>
+            <a:tailEnd type="none" w="med" len="med"/>
+          </a:ln>
+        </p:spPr>
+        <p:style>
+          <a:lnRef idx="1">
+            <a:schemeClr val="accent1"/>
+          </a:lnRef>
+          <a:fillRef idx="0">
+            <a:schemeClr val="accent1"/>
+          </a:fillRef>
+          <a:effectRef idx="0">
+            <a:schemeClr val="accent1"/>
+          </a:effectRef>
+          <a:fontRef idx="minor">
+            <a:schemeClr val="tx1"/>
+          </a:fontRef>
+        </p:style>
+      </p:cxnSp>
+      <p:sp>
+        <p:nvSpPr>
+          <p:cNvPr id="136" name="楕円 135">
+            <a:extLst>
+              <a:ext uri="{FF2B5EF4-FFF2-40B4-BE49-F238E27FC236}">
+                <a16:creationId xmlns:a16="http://schemas.microsoft.com/office/drawing/2014/main" id="{60C2DCC2-4C36-9F66-6FD4-C95554EB12DC}"/>
+              </a:ext>
+            </a:extLst>
+          </p:cNvPr>
+          <p:cNvSpPr/>
+          <p:nvPr/>
+        </p:nvSpPr>
+        <p:spPr>
+          <a:xfrm>
+            <a:off x="2639616" y="5013176"/>
+            <a:ext cx="432048" cy="432048"/>
+          </a:xfrm>
+          <a:prstGeom prst="ellipse">
+            <a:avLst/>
+          </a:prstGeom>
+          <a:solidFill>
+            <a:schemeClr val="tx1"/>
+          </a:solidFill>
+          <a:ln>
+            <a:noFill/>
+          </a:ln>
+        </p:spPr>
+        <p:style>
+          <a:lnRef idx="2">
+            <a:schemeClr val="accent1">
+              <a:shade val="50000"/>
+            </a:schemeClr>
+          </a:lnRef>
+          <a:fillRef idx="1">
+            <a:schemeClr val="accent1"/>
+          </a:fillRef>
+          <a:effectRef idx="0">
+            <a:schemeClr val="accent1"/>
+          </a:effectRef>
+          <a:fontRef idx="minor">
+            <a:schemeClr val="lt1"/>
+          </a:fontRef>
+        </p:style>
+        <p:txBody>
+          <a:bodyPr rtlCol="0" anchor="ctr"/>
+          <a:lstStyle/>
+          <a:p>
+            <a:pPr algn="ctr"/>
+            <a:endParaRPr kumimoji="1" lang="ja-JP" altLang="en-US"/>
+          </a:p>
+        </p:txBody>
+      </p:sp>
+      <p:sp>
+        <p:nvSpPr>
+          <p:cNvPr id="137" name="楕円 136">
+            <a:extLst>
+              <a:ext uri="{FF2B5EF4-FFF2-40B4-BE49-F238E27FC236}">
+                <a16:creationId xmlns:a16="http://schemas.microsoft.com/office/drawing/2014/main" id="{457746E8-81AB-BB98-FF06-ACA7A8DF4053}"/>
+              </a:ext>
+            </a:extLst>
+          </p:cNvPr>
+          <p:cNvSpPr/>
+          <p:nvPr/>
+        </p:nvSpPr>
+        <p:spPr>
+          <a:xfrm>
+            <a:off x="1919536" y="4293096"/>
+            <a:ext cx="432048" cy="432048"/>
+          </a:xfrm>
+          <a:prstGeom prst="ellipse">
+            <a:avLst/>
+          </a:prstGeom>
+          <a:solidFill>
+            <a:schemeClr val="tx1"/>
+          </a:solidFill>
+          <a:ln>
+            <a:noFill/>
+          </a:ln>
+        </p:spPr>
+        <p:style>
+          <a:lnRef idx="2">
+            <a:schemeClr val="accent1">
+              <a:shade val="50000"/>
+            </a:schemeClr>
+          </a:lnRef>
+          <a:fillRef idx="1">
+            <a:schemeClr val="accent1"/>
+          </a:fillRef>
+          <a:effectRef idx="0">
+            <a:schemeClr val="accent1"/>
+          </a:effectRef>
+          <a:fontRef idx="minor">
+            <a:schemeClr val="lt1"/>
+          </a:fontRef>
+        </p:style>
+        <p:txBody>
+          <a:bodyPr rtlCol="0" anchor="ctr"/>
+          <a:lstStyle/>
+          <a:p>
+            <a:pPr algn="ctr"/>
+            <a:endParaRPr kumimoji="1" lang="ja-JP" altLang="en-US"/>
+          </a:p>
+        </p:txBody>
+      </p:sp>
+      <p:sp>
+        <p:nvSpPr>
+          <p:cNvPr id="138" name="楕円 137">
+            <a:extLst>
+              <a:ext uri="{FF2B5EF4-FFF2-40B4-BE49-F238E27FC236}">
+                <a16:creationId xmlns:a16="http://schemas.microsoft.com/office/drawing/2014/main" id="{3AC716A0-1AB7-E4B5-609E-0D169AA5926A}"/>
+              </a:ext>
+            </a:extLst>
+          </p:cNvPr>
+          <p:cNvSpPr/>
+          <p:nvPr/>
+        </p:nvSpPr>
+        <p:spPr>
+          <a:xfrm>
+            <a:off x="3287688" y="4905164"/>
+            <a:ext cx="216024" cy="288032"/>
+          </a:xfrm>
+          <a:prstGeom prst="ellipse">
+            <a:avLst/>
+          </a:prstGeom>
+          <a:solidFill>
+            <a:schemeClr val="tx1"/>
+          </a:solidFill>
+          <a:ln>
+            <a:noFill/>
+          </a:ln>
+        </p:spPr>
+        <p:style>
+          <a:lnRef idx="2">
+            <a:schemeClr val="accent1">
+              <a:shade val="50000"/>
+            </a:schemeClr>
+          </a:lnRef>
+          <a:fillRef idx="1">
+            <a:schemeClr val="accent1"/>
+          </a:fillRef>
+          <a:effectRef idx="0">
+            <a:schemeClr val="accent1"/>
+          </a:effectRef>
+          <a:fontRef idx="minor">
+            <a:schemeClr val="lt1"/>
+          </a:fontRef>
+        </p:style>
+        <p:txBody>
+          <a:bodyPr rtlCol="0" anchor="ctr"/>
+          <a:lstStyle/>
+          <a:p>
+            <a:pPr algn="ctr"/>
+            <a:endParaRPr kumimoji="1" lang="ja-JP" altLang="en-US"/>
+          </a:p>
+        </p:txBody>
+      </p:sp>
+      <p:sp>
+        <p:nvSpPr>
+          <p:cNvPr id="139" name="楕円 138">
+            <a:extLst>
+              <a:ext uri="{FF2B5EF4-FFF2-40B4-BE49-F238E27FC236}">
+                <a16:creationId xmlns:a16="http://schemas.microsoft.com/office/drawing/2014/main" id="{1B6B1341-7796-08B4-1C73-B113A3C63789}"/>
+              </a:ext>
+            </a:extLst>
+          </p:cNvPr>
+          <p:cNvSpPr/>
+          <p:nvPr/>
+        </p:nvSpPr>
+        <p:spPr>
+          <a:xfrm>
+            <a:off x="3503712" y="4689140"/>
+            <a:ext cx="216024" cy="288032"/>
+          </a:xfrm>
+          <a:prstGeom prst="ellipse">
+            <a:avLst/>
+          </a:prstGeom>
+          <a:solidFill>
+            <a:schemeClr val="tx1"/>
+          </a:solidFill>
+          <a:ln>
+            <a:noFill/>
+          </a:ln>
+        </p:spPr>
+        <p:style>
+          <a:lnRef idx="2">
+            <a:schemeClr val="accent1">
+              <a:shade val="50000"/>
+            </a:schemeClr>
+          </a:lnRef>
+          <a:fillRef idx="1">
+            <a:schemeClr val="accent1"/>
+          </a:fillRef>
+          <a:effectRef idx="0">
+            <a:schemeClr val="accent1"/>
+          </a:effectRef>
+          <a:fontRef idx="minor">
+            <a:schemeClr val="lt1"/>
+          </a:fontRef>
+        </p:style>
+        <p:txBody>
+          <a:bodyPr rtlCol="0" anchor="ctr"/>
+          <a:lstStyle/>
+          <a:p>
+            <a:pPr algn="ctr"/>
+            <a:endParaRPr kumimoji="1" lang="ja-JP" altLang="en-US"/>
+          </a:p>
+        </p:txBody>
+      </p:sp>
+      <p:sp>
+        <p:nvSpPr>
+          <p:cNvPr id="140" name="楕円 139">
+            <a:extLst>
+              <a:ext uri="{FF2B5EF4-FFF2-40B4-BE49-F238E27FC236}">
+                <a16:creationId xmlns:a16="http://schemas.microsoft.com/office/drawing/2014/main" id="{8A62EC46-D4FA-1B01-3981-DA23934C81B0}"/>
+              </a:ext>
+            </a:extLst>
+          </p:cNvPr>
+          <p:cNvSpPr/>
+          <p:nvPr/>
+        </p:nvSpPr>
+        <p:spPr>
+          <a:xfrm>
+            <a:off x="3719736" y="4473116"/>
+            <a:ext cx="216024" cy="288032"/>
+          </a:xfrm>
+          <a:prstGeom prst="ellipse">
+            <a:avLst/>
+          </a:prstGeom>
+          <a:solidFill>
+            <a:schemeClr val="tx1"/>
+          </a:solidFill>
+          <a:ln>
+            <a:noFill/>
+          </a:ln>
+        </p:spPr>
+        <p:style>
+          <a:lnRef idx="2">
+            <a:schemeClr val="accent1">
+              <a:shade val="50000"/>
+            </a:schemeClr>
+          </a:lnRef>
+          <a:fillRef idx="1">
+            <a:schemeClr val="accent1"/>
+          </a:fillRef>
+          <a:effectRef idx="0">
+            <a:schemeClr val="accent1"/>
+          </a:effectRef>
+          <a:fontRef idx="minor">
+            <a:schemeClr val="lt1"/>
+          </a:fontRef>
+        </p:style>
+        <p:txBody>
+          <a:bodyPr rtlCol="0" anchor="ctr"/>
+          <a:lstStyle/>
+          <a:p>
+            <a:pPr algn="ctr"/>
+            <a:endParaRPr kumimoji="1" lang="ja-JP" altLang="en-US"/>
+          </a:p>
+        </p:txBody>
+      </p:sp>
+      <p:sp>
+        <p:nvSpPr>
+          <p:cNvPr id="141" name="楕円 140">
+            <a:extLst>
+              <a:ext uri="{FF2B5EF4-FFF2-40B4-BE49-F238E27FC236}">
+                <a16:creationId xmlns:a16="http://schemas.microsoft.com/office/drawing/2014/main" id="{FBC9DB08-F967-8BA8-C49E-FCBB9D788592}"/>
+              </a:ext>
+            </a:extLst>
+          </p:cNvPr>
+          <p:cNvSpPr/>
+          <p:nvPr/>
+        </p:nvSpPr>
+        <p:spPr>
+          <a:xfrm>
+            <a:off x="3287688" y="4185084"/>
+            <a:ext cx="216024" cy="288032"/>
+          </a:xfrm>
+          <a:prstGeom prst="ellipse">
+            <a:avLst/>
+          </a:prstGeom>
+          <a:solidFill>
+            <a:schemeClr val="tx1"/>
+          </a:solidFill>
+          <a:ln>
+            <a:noFill/>
+          </a:ln>
+        </p:spPr>
+        <p:style>
+          <a:lnRef idx="2">
+            <a:schemeClr val="accent1">
+              <a:shade val="50000"/>
+            </a:schemeClr>
+          </a:lnRef>
+          <a:fillRef idx="1">
+            <a:schemeClr val="accent1"/>
+          </a:fillRef>
+          <a:effectRef idx="0">
+            <a:schemeClr val="accent1"/>
+          </a:effectRef>
+          <a:fontRef idx="minor">
+            <a:schemeClr val="lt1"/>
+          </a:fontRef>
+        </p:style>
+        <p:txBody>
+          <a:bodyPr rtlCol="0" anchor="ctr"/>
+          <a:lstStyle/>
+          <a:p>
+            <a:pPr algn="ctr"/>
+            <a:endParaRPr kumimoji="1" lang="ja-JP" altLang="en-US"/>
+          </a:p>
+        </p:txBody>
+      </p:sp>
+      <p:sp>
+        <p:nvSpPr>
+          <p:cNvPr id="142" name="楕円 141">
+            <a:extLst>
+              <a:ext uri="{FF2B5EF4-FFF2-40B4-BE49-F238E27FC236}">
+                <a16:creationId xmlns:a16="http://schemas.microsoft.com/office/drawing/2014/main" id="{32338EA6-3101-9C24-36A5-22357FD7D017}"/>
+              </a:ext>
+            </a:extLst>
+          </p:cNvPr>
+          <p:cNvSpPr/>
+          <p:nvPr/>
+        </p:nvSpPr>
+        <p:spPr>
+          <a:xfrm>
+            <a:off x="3503712" y="3969060"/>
+            <a:ext cx="216024" cy="288032"/>
+          </a:xfrm>
+          <a:prstGeom prst="ellipse">
+            <a:avLst/>
+          </a:prstGeom>
+          <a:solidFill>
+            <a:schemeClr val="tx1"/>
+          </a:solidFill>
+          <a:ln>
+            <a:noFill/>
+          </a:ln>
+        </p:spPr>
+        <p:style>
+          <a:lnRef idx="2">
+            <a:schemeClr val="accent1">
+              <a:shade val="50000"/>
+            </a:schemeClr>
+          </a:lnRef>
+          <a:fillRef idx="1">
+            <a:schemeClr val="accent1"/>
+          </a:fillRef>
+          <a:effectRef idx="0">
+            <a:schemeClr val="accent1"/>
+          </a:effectRef>
+          <a:fontRef idx="minor">
+            <a:schemeClr val="lt1"/>
+          </a:fontRef>
+        </p:style>
+        <p:txBody>
+          <a:bodyPr rtlCol="0" anchor="ctr"/>
+          <a:lstStyle/>
+          <a:p>
+            <a:pPr algn="ctr"/>
+            <a:endParaRPr kumimoji="1" lang="ja-JP" altLang="en-US"/>
+          </a:p>
+        </p:txBody>
+      </p:sp>
+      <p:sp>
+        <p:nvSpPr>
+          <p:cNvPr id="143" name="楕円 142">
+            <a:extLst>
+              <a:ext uri="{FF2B5EF4-FFF2-40B4-BE49-F238E27FC236}">
+                <a16:creationId xmlns:a16="http://schemas.microsoft.com/office/drawing/2014/main" id="{F66DB141-B7D1-074E-31B1-69A8EAF68BE3}"/>
+              </a:ext>
+            </a:extLst>
+          </p:cNvPr>
+          <p:cNvSpPr/>
+          <p:nvPr/>
+        </p:nvSpPr>
+        <p:spPr>
+          <a:xfrm>
+            <a:off x="3719736" y="3753036"/>
+            <a:ext cx="216024" cy="288032"/>
+          </a:xfrm>
+          <a:prstGeom prst="ellipse">
+            <a:avLst/>
+          </a:prstGeom>
+          <a:solidFill>
+            <a:schemeClr val="tx1"/>
+          </a:solidFill>
+          <a:ln>
+            <a:noFill/>
+          </a:ln>
+        </p:spPr>
+        <p:style>
+          <a:lnRef idx="2">
+            <a:schemeClr val="accent1">
+              <a:shade val="50000"/>
+            </a:schemeClr>
+          </a:lnRef>
+          <a:fillRef idx="1">
+            <a:schemeClr val="accent1"/>
+          </a:fillRef>
+          <a:effectRef idx="0">
+            <a:schemeClr val="accent1"/>
+          </a:effectRef>
+          <a:fontRef idx="minor">
+            <a:schemeClr val="lt1"/>
+          </a:fontRef>
+        </p:style>
+        <p:txBody>
+          <a:bodyPr rtlCol="0" anchor="ctr"/>
+          <a:lstStyle/>
+          <a:p>
+            <a:pPr algn="ctr"/>
+            <a:endParaRPr kumimoji="1" lang="ja-JP" altLang="en-US"/>
+          </a:p>
+        </p:txBody>
+      </p:sp>
+      <p:sp>
+        <p:nvSpPr>
+          <p:cNvPr id="144" name="楕円 143">
+            <a:extLst>
+              <a:ext uri="{FF2B5EF4-FFF2-40B4-BE49-F238E27FC236}">
+                <a16:creationId xmlns:a16="http://schemas.microsoft.com/office/drawing/2014/main" id="{5AD1993A-E07F-3326-061D-590E026FB4BE}"/>
+              </a:ext>
+            </a:extLst>
+          </p:cNvPr>
+          <p:cNvSpPr/>
+          <p:nvPr/>
+        </p:nvSpPr>
+        <p:spPr>
+          <a:xfrm>
+            <a:off x="2999656" y="3897052"/>
+            <a:ext cx="288032" cy="216024"/>
+          </a:xfrm>
+          <a:prstGeom prst="ellipse">
+            <a:avLst/>
+          </a:prstGeom>
+          <a:solidFill>
+            <a:schemeClr val="tx1"/>
+          </a:solidFill>
+          <a:ln>
+            <a:noFill/>
+          </a:ln>
+        </p:spPr>
+        <p:style>
+          <a:lnRef idx="2">
+            <a:schemeClr val="accent1">
+              <a:shade val="50000"/>
+            </a:schemeClr>
+          </a:lnRef>
+          <a:fillRef idx="1">
+            <a:schemeClr val="accent1"/>
+          </a:fillRef>
+          <a:effectRef idx="0">
+            <a:schemeClr val="accent1"/>
+          </a:effectRef>
+          <a:fontRef idx="minor">
+            <a:schemeClr val="lt1"/>
+          </a:fontRef>
+        </p:style>
+        <p:txBody>
+          <a:bodyPr rtlCol="0" anchor="ctr"/>
+          <a:lstStyle/>
+          <a:p>
+            <a:pPr algn="ctr"/>
+            <a:endParaRPr kumimoji="1" lang="ja-JP" altLang="en-US"/>
+          </a:p>
+        </p:txBody>
+      </p:sp>
+      <p:sp>
+        <p:nvSpPr>
+          <p:cNvPr id="145" name="楕円 144">
+            <a:extLst>
+              <a:ext uri="{FF2B5EF4-FFF2-40B4-BE49-F238E27FC236}">
+                <a16:creationId xmlns:a16="http://schemas.microsoft.com/office/drawing/2014/main" id="{ECE379D1-D438-AEC9-F307-FE70D2BC7CE6}"/>
+              </a:ext>
+            </a:extLst>
+          </p:cNvPr>
+          <p:cNvSpPr/>
+          <p:nvPr/>
+        </p:nvSpPr>
+        <p:spPr>
+          <a:xfrm>
+            <a:off x="2711624" y="3681028"/>
+            <a:ext cx="288032" cy="216024"/>
+          </a:xfrm>
+          <a:prstGeom prst="ellipse">
+            <a:avLst/>
+          </a:prstGeom>
+          <a:solidFill>
+            <a:schemeClr val="tx1"/>
+          </a:solidFill>
+          <a:ln>
+            <a:noFill/>
+          </a:ln>
+        </p:spPr>
+        <p:style>
+          <a:lnRef idx="2">
+            <a:schemeClr val="accent1">
+              <a:shade val="50000"/>
+            </a:schemeClr>
+          </a:lnRef>
+          <a:fillRef idx="1">
+            <a:schemeClr val="accent1"/>
+          </a:fillRef>
+          <a:effectRef idx="0">
+            <a:schemeClr val="accent1"/>
+          </a:effectRef>
+          <a:fontRef idx="minor">
+            <a:schemeClr val="lt1"/>
+          </a:fontRef>
+        </p:style>
+        <p:txBody>
+          <a:bodyPr rtlCol="0" anchor="ctr"/>
+          <a:lstStyle/>
+          <a:p>
+            <a:pPr algn="ctr"/>
+            <a:endParaRPr kumimoji="1" lang="ja-JP" altLang="en-US"/>
+          </a:p>
+        </p:txBody>
+      </p:sp>
+      <p:sp>
+        <p:nvSpPr>
+          <p:cNvPr id="146" name="楕円 145">
+            <a:extLst>
+              <a:ext uri="{FF2B5EF4-FFF2-40B4-BE49-F238E27FC236}">
+                <a16:creationId xmlns:a16="http://schemas.microsoft.com/office/drawing/2014/main" id="{75199FF8-E513-C76F-ECC2-55A71A683FED}"/>
+              </a:ext>
+            </a:extLst>
+          </p:cNvPr>
+          <p:cNvSpPr/>
+          <p:nvPr/>
+        </p:nvSpPr>
+        <p:spPr>
+          <a:xfrm>
+            <a:off x="2423592" y="3465004"/>
+            <a:ext cx="288032" cy="216024"/>
+          </a:xfrm>
+          <a:prstGeom prst="ellipse">
+            <a:avLst/>
+          </a:prstGeom>
+          <a:solidFill>
+            <a:schemeClr val="tx1"/>
+          </a:solidFill>
+          <a:ln>
+            <a:noFill/>
+          </a:ln>
+        </p:spPr>
+        <p:style>
+          <a:lnRef idx="2">
+            <a:schemeClr val="accent1">
+              <a:shade val="50000"/>
+            </a:schemeClr>
+          </a:lnRef>
+          <a:fillRef idx="1">
+            <a:schemeClr val="accent1"/>
+          </a:fillRef>
+          <a:effectRef idx="0">
+            <a:schemeClr val="accent1"/>
+          </a:effectRef>
+          <a:fontRef idx="minor">
+            <a:schemeClr val="lt1"/>
+          </a:fontRef>
+        </p:style>
+        <p:txBody>
+          <a:bodyPr rtlCol="0" anchor="ctr"/>
+          <a:lstStyle/>
+          <a:p>
+            <a:pPr algn="ctr"/>
+            <a:endParaRPr kumimoji="1" lang="ja-JP" altLang="en-US"/>
+          </a:p>
+        </p:txBody>
+      </p:sp>
+    </p:spTree>
+    <p:extLst>
+      <p:ext uri="{BB962C8B-B14F-4D97-AF65-F5344CB8AC3E}">
+        <p14:creationId xmlns:p14="http://schemas.microsoft.com/office/powerpoint/2010/main" val="1842368940"/>
+      </p:ext>
+    </p:extLst>
+  </p:cSld>
+  <p:clrMapOvr>
+    <a:masterClrMapping/>
+  </p:clrMapOvr>
+</p:sld>
+</file>
+
+<file path=ppt/slides/slide5.xml><?xml version="1.0" encoding="utf-8"?>
+<p:sld xmlns:a="http://schemas.openxmlformats.org/drawingml/2006/main" xmlns:r="http://schemas.openxmlformats.org/officeDocument/2006/relationships" xmlns:p="http://schemas.openxmlformats.org/presentationml/2006/main">
+  <p:cSld>
+    <p:spTree>
+      <p:nvGrpSpPr>
+        <p:cNvPr id="1" name=""/>
+        <p:cNvGrpSpPr/>
+        <p:nvPr/>
+      </p:nvGrpSpPr>
+      <p:grpSpPr>
+        <a:xfrm>
+          <a:off x="0" y="0"/>
+          <a:ext cx="0" cy="0"/>
+          <a:chOff x="0" y="0"/>
+          <a:chExt cx="0" cy="0"/>
+        </a:xfrm>
+      </p:grpSpPr>
       <p:grpSp>
         <p:nvGrpSpPr>
-          <p:cNvPr id="38" name="グループ化 37">
-            <a:extLst>
-              <a:ext uri="{FF2B5EF4-FFF2-40B4-BE49-F238E27FC236}">
-                <a16:creationId xmlns:a16="http://schemas.microsoft.com/office/drawing/2014/main" id="{0700D24C-852B-2847-FE17-348073CD8C20}"/>
+          <p:cNvPr id="8" name="グループ化 7">
+            <a:extLst>
+              <a:ext uri="{FF2B5EF4-FFF2-40B4-BE49-F238E27FC236}">
+                <a16:creationId xmlns:a16="http://schemas.microsoft.com/office/drawing/2014/main" id="{9D35CC47-D52E-A5ED-B219-B3C22B3CE374}"/>
               </a:ext>
             </a:extLst>
           </p:cNvPr>
@@ -11161,7 +13456,7 @@
         </p:nvGrpSpPr>
         <p:grpSpPr>
           <a:xfrm>
-            <a:off x="8616280" y="3933056"/>
+            <a:off x="8328248" y="3681028"/>
             <a:ext cx="2484676" cy="2072206"/>
             <a:chOff x="4727848" y="0"/>
             <a:chExt cx="3934358" cy="3281232"/>
@@ -11169,10 +13464,10 @@
         </p:grpSpPr>
         <p:cxnSp>
           <p:nvCxnSpPr>
-            <p:cNvPr id="39" name="直線矢印コネクタ 38">
+            <p:cNvPr id="9" name="直線矢印コネクタ 8">
               <a:extLst>
                 <a:ext uri="{FF2B5EF4-FFF2-40B4-BE49-F238E27FC236}">
-                  <a16:creationId xmlns:a16="http://schemas.microsoft.com/office/drawing/2014/main" id="{B076E23F-46CF-76B4-9FE4-4B67199EF7A1}"/>
+                  <a16:creationId xmlns:a16="http://schemas.microsoft.com/office/drawing/2014/main" id="{598E951C-A54F-FE87-0619-D84E7AE5170B}"/>
                 </a:ext>
               </a:extLst>
             </p:cNvPr>
@@ -11212,10 +13507,10 @@
         </p:cxnSp>
         <p:cxnSp>
           <p:nvCxnSpPr>
-            <p:cNvPr id="40" name="直線矢印コネクタ 39">
+            <p:cNvPr id="10" name="直線矢印コネクタ 9">
               <a:extLst>
                 <a:ext uri="{FF2B5EF4-FFF2-40B4-BE49-F238E27FC236}">
-                  <a16:creationId xmlns:a16="http://schemas.microsoft.com/office/drawing/2014/main" id="{9947FFC4-98B9-0091-FC00-8FF9694CD8F0}"/>
+                  <a16:creationId xmlns:a16="http://schemas.microsoft.com/office/drawing/2014/main" id="{5348A975-74DE-1082-AC2B-9DF871FABF06}"/>
                 </a:ext>
               </a:extLst>
             </p:cNvPr>
@@ -11255,10 +13550,10 @@
         </p:cxnSp>
         <p:cxnSp>
           <p:nvCxnSpPr>
-            <p:cNvPr id="41" name="直線矢印コネクタ 40">
+            <p:cNvPr id="11" name="直線矢印コネクタ 10">
               <a:extLst>
                 <a:ext uri="{FF2B5EF4-FFF2-40B4-BE49-F238E27FC236}">
-                  <a16:creationId xmlns:a16="http://schemas.microsoft.com/office/drawing/2014/main" id="{91F76BB5-62C6-8C9D-A3EE-D27CCA14B1AC}"/>
+                  <a16:creationId xmlns:a16="http://schemas.microsoft.com/office/drawing/2014/main" id="{3B825AFD-6DEA-60E1-3067-93F4F41880C6}"/>
                 </a:ext>
               </a:extLst>
             </p:cNvPr>
@@ -11298,10 +13593,10 @@
         </p:cxnSp>
         <p:sp>
           <p:nvSpPr>
-            <p:cNvPr id="42" name="矢印: 右カーブ 41">
+            <p:cNvPr id="12" name="矢印: 右カーブ 11">
               <a:extLst>
                 <a:ext uri="{FF2B5EF4-FFF2-40B4-BE49-F238E27FC236}">
-                  <a16:creationId xmlns:a16="http://schemas.microsoft.com/office/drawing/2014/main" id="{91BDFAED-A220-072F-CCD7-5540C09B973E}"/>
+                  <a16:creationId xmlns:a16="http://schemas.microsoft.com/office/drawing/2014/main" id="{12FB02D0-2343-E553-B87B-FC413CB779E6}"/>
                 </a:ext>
               </a:extLst>
             </p:cNvPr>
@@ -11348,10 +13643,10 @@
         </p:sp>
         <p:sp>
           <p:nvSpPr>
-            <p:cNvPr id="43" name="矢印: 右カーブ 42">
+            <p:cNvPr id="13" name="矢印: 右カーブ 12">
               <a:extLst>
                 <a:ext uri="{FF2B5EF4-FFF2-40B4-BE49-F238E27FC236}">
-                  <a16:creationId xmlns:a16="http://schemas.microsoft.com/office/drawing/2014/main" id="{444E5118-852F-AAED-6F04-541EE4D87BD0}"/>
+                  <a16:creationId xmlns:a16="http://schemas.microsoft.com/office/drawing/2014/main" id="{30066C1C-5DAA-B355-BFD0-D11031E66F4F}"/>
                 </a:ext>
               </a:extLst>
             </p:cNvPr>
@@ -11398,10 +13693,10 @@
         </p:sp>
         <p:sp>
           <p:nvSpPr>
-            <p:cNvPr id="44" name="矢印: 右カーブ 43">
+            <p:cNvPr id="14" name="矢印: 右カーブ 13">
               <a:extLst>
                 <a:ext uri="{FF2B5EF4-FFF2-40B4-BE49-F238E27FC236}">
-                  <a16:creationId xmlns:a16="http://schemas.microsoft.com/office/drawing/2014/main" id="{4B7DE1C9-B1EC-02CB-354F-35226E12EABA}"/>
+                  <a16:creationId xmlns:a16="http://schemas.microsoft.com/office/drawing/2014/main" id="{00DD367E-52EC-9F31-C8C5-4966A52F709B}"/>
                 </a:ext>
               </a:extLst>
             </p:cNvPr>
@@ -11446,14 +13741,14 @@
             </a:p>
           </p:txBody>
         </p:sp>
-        <mc:AlternateContent xmlns:mc="http://schemas.openxmlformats.org/markup-compatibility/2006">
-          <mc:Choice xmlns:a14="http://schemas.microsoft.com/office/drawing/2010/main" Requires="a14">
+        <mc:AlternateContent xmlns:mc="http://schemas.openxmlformats.org/markup-compatibility/2006" xmlns:a14="http://schemas.microsoft.com/office/drawing/2010/main">
+          <mc:Choice Requires="a14">
             <p:sp>
               <p:nvSpPr>
-                <p:cNvPr id="45" name="テキスト ボックス 44">
+                <p:cNvPr id="15" name="テキスト ボックス 14">
                   <a:extLst>
                     <a:ext uri="{FF2B5EF4-FFF2-40B4-BE49-F238E27FC236}">
-                      <a16:creationId xmlns:a16="http://schemas.microsoft.com/office/drawing/2014/main" id="{DD4FACEA-77CA-0865-7486-909A9460490E}"/>
+                      <a16:creationId xmlns:a16="http://schemas.microsoft.com/office/drawing/2014/main" id="{4E10DC7C-A587-D841-10B8-1107084A7246}"/>
                     </a:ext>
                   </a:extLst>
                 </p:cNvPr>
@@ -11497,7 +13792,7 @@
               </p:txBody>
             </p:sp>
           </mc:Choice>
-          <mc:Fallback>
+          <mc:Fallback xmlns="">
             <p:sp>
               <p:nvSpPr>
                 <p:cNvPr id="45" name="テキスト ボックス 44">
@@ -11542,14 +13837,14 @@
             </p:sp>
           </mc:Fallback>
         </mc:AlternateContent>
-        <mc:AlternateContent xmlns:mc="http://schemas.openxmlformats.org/markup-compatibility/2006">
-          <mc:Choice xmlns:a14="http://schemas.microsoft.com/office/drawing/2010/main" Requires="a14">
+        <mc:AlternateContent xmlns:mc="http://schemas.openxmlformats.org/markup-compatibility/2006" xmlns:a14="http://schemas.microsoft.com/office/drawing/2010/main">
+          <mc:Choice Requires="a14">
             <p:sp>
               <p:nvSpPr>
-                <p:cNvPr id="46" name="テキスト ボックス 45">
+                <p:cNvPr id="16" name="テキスト ボックス 15">
                   <a:extLst>
                     <a:ext uri="{FF2B5EF4-FFF2-40B4-BE49-F238E27FC236}">
-                      <a16:creationId xmlns:a16="http://schemas.microsoft.com/office/drawing/2014/main" id="{D6F40A57-EBF5-6D33-3482-EEE4E67E88D5}"/>
+                      <a16:creationId xmlns:a16="http://schemas.microsoft.com/office/drawing/2014/main" id="{E7B54E09-DE43-43F4-FB1D-C5185F78DA84}"/>
                     </a:ext>
                   </a:extLst>
                 </p:cNvPr>
@@ -11593,7 +13888,7 @@
               </p:txBody>
             </p:sp>
           </mc:Choice>
-          <mc:Fallback>
+          <mc:Fallback xmlns="">
             <p:sp>
               <p:nvSpPr>
                 <p:cNvPr id="46" name="テキスト ボックス 45">
@@ -11638,14 +13933,14 @@
             </p:sp>
           </mc:Fallback>
         </mc:AlternateContent>
-        <mc:AlternateContent xmlns:mc="http://schemas.openxmlformats.org/markup-compatibility/2006">
-          <mc:Choice xmlns:a14="http://schemas.microsoft.com/office/drawing/2010/main" Requires="a14">
+        <mc:AlternateContent xmlns:mc="http://schemas.openxmlformats.org/markup-compatibility/2006" xmlns:a14="http://schemas.microsoft.com/office/drawing/2010/main">
+          <mc:Choice Requires="a14">
             <p:sp>
               <p:nvSpPr>
-                <p:cNvPr id="47" name="テキスト ボックス 46">
+                <p:cNvPr id="17" name="テキスト ボックス 16">
                   <a:extLst>
                     <a:ext uri="{FF2B5EF4-FFF2-40B4-BE49-F238E27FC236}">
-                      <a16:creationId xmlns:a16="http://schemas.microsoft.com/office/drawing/2014/main" id="{C941ED28-85C4-9266-96C1-D99AB54C517F}"/>
+                      <a16:creationId xmlns:a16="http://schemas.microsoft.com/office/drawing/2014/main" id="{C933D65E-6F07-7B8B-8AFC-08DED66D42E7}"/>
                     </a:ext>
                   </a:extLst>
                 </p:cNvPr>
@@ -11689,7 +13984,7 @@
               </p:txBody>
             </p:sp>
           </mc:Choice>
-          <mc:Fallback>
+          <mc:Fallback xmlns="">
             <p:sp>
               <p:nvSpPr>
                 <p:cNvPr id="47" name="テキスト ボックス 46">
@@ -11734,14 +14029,14 @@
             </p:sp>
           </mc:Fallback>
         </mc:AlternateContent>
-        <mc:AlternateContent xmlns:mc="http://schemas.openxmlformats.org/markup-compatibility/2006">
-          <mc:Choice xmlns:a14="http://schemas.microsoft.com/office/drawing/2010/main" Requires="a14">
+        <mc:AlternateContent xmlns:mc="http://schemas.openxmlformats.org/markup-compatibility/2006" xmlns:a14="http://schemas.microsoft.com/office/drawing/2010/main">
+          <mc:Choice Requires="a14">
             <p:sp>
               <p:nvSpPr>
-                <p:cNvPr id="48" name="テキスト ボックス 47">
+                <p:cNvPr id="18" name="テキスト ボックス 17">
                   <a:extLst>
                     <a:ext uri="{FF2B5EF4-FFF2-40B4-BE49-F238E27FC236}">
-                      <a16:creationId xmlns:a16="http://schemas.microsoft.com/office/drawing/2014/main" id="{A8F9A15A-E80D-E92A-71C5-16A336D294DA}"/>
+                      <a16:creationId xmlns:a16="http://schemas.microsoft.com/office/drawing/2014/main" id="{DAAAEE3D-A8FF-E4AB-F8E8-264EEEDC9A5E}"/>
                     </a:ext>
                   </a:extLst>
                 </p:cNvPr>
@@ -11764,6 +14059,7 @@
                 </a:bodyPr>
                 <a:lstStyle/>
                 <a:p>
+                  <a:pPr/>
                   <a14:m>
                     <m:oMathPara xmlns:m="http://schemas.openxmlformats.org/officeDocument/2006/math">
                       <m:oMathParaPr>
@@ -11796,7 +14092,7 @@
               </p:txBody>
             </p:sp>
           </mc:Choice>
-          <mc:Fallback>
+          <mc:Fallback xmlns="">
             <p:sp>
               <p:nvSpPr>
                 <p:cNvPr id="48" name="テキスト ボックス 47">
@@ -11841,14 +14137,14 @@
             </p:sp>
           </mc:Fallback>
         </mc:AlternateContent>
-        <mc:AlternateContent xmlns:mc="http://schemas.openxmlformats.org/markup-compatibility/2006">
-          <mc:Choice xmlns:a14="http://schemas.microsoft.com/office/drawing/2010/main" Requires="a14">
+        <mc:AlternateContent xmlns:mc="http://schemas.openxmlformats.org/markup-compatibility/2006" xmlns:a14="http://schemas.microsoft.com/office/drawing/2010/main">
+          <mc:Choice Requires="a14">
             <p:sp>
               <p:nvSpPr>
-                <p:cNvPr id="49" name="テキスト ボックス 48">
+                <p:cNvPr id="19" name="テキスト ボックス 18">
                   <a:extLst>
                     <a:ext uri="{FF2B5EF4-FFF2-40B4-BE49-F238E27FC236}">
-                      <a16:creationId xmlns:a16="http://schemas.microsoft.com/office/drawing/2014/main" id="{FA3D5704-3AF5-D98E-3A4B-741BAC57EE2B}"/>
+                      <a16:creationId xmlns:a16="http://schemas.microsoft.com/office/drawing/2014/main" id="{C57776DF-1EED-AD2E-D07B-999B818A46AC}"/>
                     </a:ext>
                   </a:extLst>
                 </p:cNvPr>
@@ -11871,6 +14167,7 @@
                 </a:bodyPr>
                 <a:lstStyle/>
                 <a:p>
+                  <a:pPr/>
                   <a14:m>
                     <m:oMathPara xmlns:m="http://schemas.openxmlformats.org/officeDocument/2006/math">
                       <m:oMathParaPr>
@@ -11903,7 +14200,7 @@
               </p:txBody>
             </p:sp>
           </mc:Choice>
-          <mc:Fallback>
+          <mc:Fallback xmlns="">
             <p:sp>
               <p:nvSpPr>
                 <p:cNvPr id="49" name="テキスト ボックス 48">
@@ -11948,14 +14245,14 @@
             </p:sp>
           </mc:Fallback>
         </mc:AlternateContent>
-        <mc:AlternateContent xmlns:mc="http://schemas.openxmlformats.org/markup-compatibility/2006">
-          <mc:Choice xmlns:a14="http://schemas.microsoft.com/office/drawing/2010/main" Requires="a14">
+        <mc:AlternateContent xmlns:mc="http://schemas.openxmlformats.org/markup-compatibility/2006" xmlns:a14="http://schemas.microsoft.com/office/drawing/2010/main">
+          <mc:Choice Requires="a14">
             <p:sp>
               <p:nvSpPr>
-                <p:cNvPr id="50" name="テキスト ボックス 49">
+                <p:cNvPr id="20" name="テキスト ボックス 19">
                   <a:extLst>
                     <a:ext uri="{FF2B5EF4-FFF2-40B4-BE49-F238E27FC236}">
-                      <a16:creationId xmlns:a16="http://schemas.microsoft.com/office/drawing/2014/main" id="{116B4F2D-57DB-CD8D-BBF5-F24C44E158C5}"/>
+                      <a16:creationId xmlns:a16="http://schemas.microsoft.com/office/drawing/2014/main" id="{1C5C53C3-6C44-8058-6D92-1C64AD63B26C}"/>
                     </a:ext>
                   </a:extLst>
                 </p:cNvPr>
@@ -11978,6 +14275,7 @@
                 </a:bodyPr>
                 <a:lstStyle/>
                 <a:p>
+                  <a:pPr/>
                   <a14:m>
                     <m:oMathPara xmlns:m="http://schemas.openxmlformats.org/officeDocument/2006/math">
                       <m:oMathParaPr>
@@ -12010,7 +14308,7 @@
               </p:txBody>
             </p:sp>
           </mc:Choice>
-          <mc:Fallback>
+          <mc:Fallback xmlns="">
             <p:sp>
               <p:nvSpPr>
                 <p:cNvPr id="50" name="テキスト ボックス 49">
@@ -12058,10 +14356,10 @@
       </p:grpSp>
       <p:sp>
         <p:nvSpPr>
-          <p:cNvPr id="51" name="正方形/長方形 50">
-            <a:extLst>
-              <a:ext uri="{FF2B5EF4-FFF2-40B4-BE49-F238E27FC236}">
-                <a16:creationId xmlns:a16="http://schemas.microsoft.com/office/drawing/2014/main" id="{5950C138-9B5A-EBDB-C6B6-A6D3F443AFE1}"/>
+          <p:cNvPr id="21" name="正方形/長方形 20">
+            <a:extLst>
+              <a:ext uri="{FF2B5EF4-FFF2-40B4-BE49-F238E27FC236}">
+                <a16:creationId xmlns:a16="http://schemas.microsoft.com/office/drawing/2014/main" id="{C1F570B3-AF03-90D4-DD3A-1DBA8AFB9269}"/>
               </a:ext>
             </a:extLst>
           </p:cNvPr>
@@ -12070,7 +14368,7 @@
         </p:nvSpPr>
         <p:spPr>
           <a:xfrm>
-            <a:off x="8256240" y="1268760"/>
+            <a:off x="767408" y="4617132"/>
             <a:ext cx="1440160" cy="1440160"/>
           </a:xfrm>
           <a:prstGeom prst="rect">
@@ -12110,10 +14408,10 @@
       </p:sp>
       <p:cxnSp>
         <p:nvCxnSpPr>
-          <p:cNvPr id="52" name="直線コネクタ 51">
-            <a:extLst>
-              <a:ext uri="{FF2B5EF4-FFF2-40B4-BE49-F238E27FC236}">
-                <a16:creationId xmlns:a16="http://schemas.microsoft.com/office/drawing/2014/main" id="{4279F82A-7AA6-A616-6893-56BB9F9FD5B7}"/>
+          <p:cNvPr id="22" name="直線コネクタ 21">
+            <a:extLst>
+              <a:ext uri="{FF2B5EF4-FFF2-40B4-BE49-F238E27FC236}">
+                <a16:creationId xmlns:a16="http://schemas.microsoft.com/office/drawing/2014/main" id="{C542CE78-325F-CF47-EE9C-B8CA5856A70A}"/>
               </a:ext>
             </a:extLst>
           </p:cNvPr>
@@ -12124,7 +14422,7 @@
         </p:nvCxnSpPr>
         <p:spPr>
           <a:xfrm>
-            <a:off x="10416480" y="548680"/>
+            <a:off x="2927648" y="3897052"/>
             <a:ext cx="0" cy="1440160"/>
           </a:xfrm>
           <a:prstGeom prst="line">
@@ -12155,10 +14453,10 @@
       </p:cxnSp>
       <p:cxnSp>
         <p:nvCxnSpPr>
-          <p:cNvPr id="53" name="直線コネクタ 52">
-            <a:extLst>
-              <a:ext uri="{FF2B5EF4-FFF2-40B4-BE49-F238E27FC236}">
-                <a16:creationId xmlns:a16="http://schemas.microsoft.com/office/drawing/2014/main" id="{00EAADF0-5D82-74A9-F29B-D9EFFF1F2F48}"/>
+          <p:cNvPr id="23" name="直線コネクタ 22">
+            <a:extLst>
+              <a:ext uri="{FF2B5EF4-FFF2-40B4-BE49-F238E27FC236}">
+                <a16:creationId xmlns:a16="http://schemas.microsoft.com/office/drawing/2014/main" id="{DB80B631-6E27-0266-C436-F6768A8D38C1}"/>
               </a:ext>
             </a:extLst>
           </p:cNvPr>
@@ -12169,7 +14467,7 @@
         </p:nvCxnSpPr>
         <p:spPr>
           <a:xfrm flipH="1">
-            <a:off x="8976320" y="548680"/>
+            <a:off x="1487488" y="3897052"/>
             <a:ext cx="1440160" cy="0"/>
           </a:xfrm>
           <a:prstGeom prst="line">
@@ -12200,10 +14498,10 @@
       </p:cxnSp>
       <p:cxnSp>
         <p:nvCxnSpPr>
-          <p:cNvPr id="54" name="直線コネクタ 53">
-            <a:extLst>
-              <a:ext uri="{FF2B5EF4-FFF2-40B4-BE49-F238E27FC236}">
-                <a16:creationId xmlns:a16="http://schemas.microsoft.com/office/drawing/2014/main" id="{CCBD744B-0F33-D17F-32FC-927E6E079682}"/>
+          <p:cNvPr id="24" name="直線コネクタ 23">
+            <a:extLst>
+              <a:ext uri="{FF2B5EF4-FFF2-40B4-BE49-F238E27FC236}">
+                <a16:creationId xmlns:a16="http://schemas.microsoft.com/office/drawing/2014/main" id="{E0176D15-194E-8A9C-034E-C552E4333ADA}"/>
               </a:ext>
             </a:extLst>
           </p:cNvPr>
@@ -12212,7 +14510,7 @@
         </p:nvCxnSpPr>
         <p:spPr>
           <a:xfrm flipH="1">
-            <a:off x="8256240" y="548680"/>
+            <a:off x="767408" y="3897052"/>
             <a:ext cx="720080" cy="720080"/>
           </a:xfrm>
           <a:prstGeom prst="line">
@@ -12243,10 +14541,10 @@
       </p:cxnSp>
       <p:cxnSp>
         <p:nvCxnSpPr>
-          <p:cNvPr id="55" name="直線コネクタ 54">
-            <a:extLst>
-              <a:ext uri="{FF2B5EF4-FFF2-40B4-BE49-F238E27FC236}">
-                <a16:creationId xmlns:a16="http://schemas.microsoft.com/office/drawing/2014/main" id="{E6C8DCC3-F290-7CC5-6810-795A9679DDE6}"/>
+          <p:cNvPr id="25" name="直線コネクタ 24">
+            <a:extLst>
+              <a:ext uri="{FF2B5EF4-FFF2-40B4-BE49-F238E27FC236}">
+                <a16:creationId xmlns:a16="http://schemas.microsoft.com/office/drawing/2014/main" id="{404633A0-5E35-9FE8-3702-494BDB8EA20D}"/>
               </a:ext>
             </a:extLst>
           </p:cNvPr>
@@ -12255,7 +14553,7 @@
         </p:nvCxnSpPr>
         <p:spPr>
           <a:xfrm flipH="1">
-            <a:off x="9696400" y="548680"/>
+            <a:off x="2207568" y="3897052"/>
             <a:ext cx="720080" cy="720080"/>
           </a:xfrm>
           <a:prstGeom prst="line">
@@ -12286,10 +14584,10 @@
       </p:cxnSp>
       <p:cxnSp>
         <p:nvCxnSpPr>
-          <p:cNvPr id="56" name="直線コネクタ 55">
-            <a:extLst>
-              <a:ext uri="{FF2B5EF4-FFF2-40B4-BE49-F238E27FC236}">
-                <a16:creationId xmlns:a16="http://schemas.microsoft.com/office/drawing/2014/main" id="{CD4AEF93-0496-F234-0D43-2A286C3620D8}"/>
+          <p:cNvPr id="26" name="直線コネクタ 25">
+            <a:extLst>
+              <a:ext uri="{FF2B5EF4-FFF2-40B4-BE49-F238E27FC236}">
+                <a16:creationId xmlns:a16="http://schemas.microsoft.com/office/drawing/2014/main" id="{0C9F5A21-5420-ED19-D8D4-50A6DCE6BC52}"/>
               </a:ext>
             </a:extLst>
           </p:cNvPr>
@@ -12298,7 +14596,7 @@
         </p:nvCxnSpPr>
         <p:spPr>
           <a:xfrm flipH="1">
-            <a:off x="9696400" y="1988840"/>
+            <a:off x="2207568" y="5337212"/>
             <a:ext cx="720080" cy="720080"/>
           </a:xfrm>
           <a:prstGeom prst="line">
@@ -12329,10 +14627,10 @@
       </p:cxnSp>
       <p:sp>
         <p:nvSpPr>
-          <p:cNvPr id="60" name="楕円 59">
-            <a:extLst>
-              <a:ext uri="{FF2B5EF4-FFF2-40B4-BE49-F238E27FC236}">
-                <a16:creationId xmlns:a16="http://schemas.microsoft.com/office/drawing/2014/main" id="{57264F8C-5E17-0CB4-A7FD-F80449DBDE02}"/>
+          <p:cNvPr id="27" name="楕円 26">
+            <a:extLst>
+              <a:ext uri="{FF2B5EF4-FFF2-40B4-BE49-F238E27FC236}">
+                <a16:creationId xmlns:a16="http://schemas.microsoft.com/office/drawing/2014/main" id="{15A195A2-4326-B9D1-0438-8B88788ED998}"/>
               </a:ext>
             </a:extLst>
           </p:cNvPr>
@@ -12341,14 +14639,14 @@
         </p:nvSpPr>
         <p:spPr>
           <a:xfrm>
-            <a:off x="9768408" y="1412776"/>
-            <a:ext cx="216024" cy="288032"/>
+            <a:off x="1127448" y="4977172"/>
+            <a:ext cx="720080" cy="720080"/>
           </a:xfrm>
           <a:prstGeom prst="ellipse">
             <a:avLst/>
           </a:prstGeom>
           <a:solidFill>
-            <a:schemeClr val="tx1"/>
+            <a:srgbClr val="FF0000"/>
           </a:solidFill>
           <a:ln>
             <a:noFill/>
@@ -12381,10 +14679,10 @@
       </p:sp>
       <p:sp>
         <p:nvSpPr>
-          <p:cNvPr id="61" name="楕円 60">
-            <a:extLst>
-              <a:ext uri="{FF2B5EF4-FFF2-40B4-BE49-F238E27FC236}">
-                <a16:creationId xmlns:a16="http://schemas.microsoft.com/office/drawing/2014/main" id="{EF8EB9F8-5DA7-7F11-813A-A251C695040B}"/>
+          <p:cNvPr id="28" name="楕円 27">
+            <a:extLst>
+              <a:ext uri="{FF2B5EF4-FFF2-40B4-BE49-F238E27FC236}">
+                <a16:creationId xmlns:a16="http://schemas.microsoft.com/office/drawing/2014/main" id="{ABE14DAB-F2D3-C97A-9989-4181B638CFED}"/>
               </a:ext>
             </a:extLst>
           </p:cNvPr>
@@ -12393,8 +14691,8 @@
         </p:nvSpPr>
         <p:spPr>
           <a:xfrm>
-            <a:off x="9768408" y="2060848"/>
-            <a:ext cx="216024" cy="288032"/>
+            <a:off x="1127448" y="4329100"/>
+            <a:ext cx="288032" cy="216024"/>
           </a:xfrm>
           <a:prstGeom prst="ellipse">
             <a:avLst/>
@@ -12433,10 +14731,10 @@
       </p:sp>
       <p:sp>
         <p:nvSpPr>
-          <p:cNvPr id="62" name="楕円 61">
-            <a:extLst>
-              <a:ext uri="{FF2B5EF4-FFF2-40B4-BE49-F238E27FC236}">
-                <a16:creationId xmlns:a16="http://schemas.microsoft.com/office/drawing/2014/main" id="{F07A18E8-DF64-D630-F731-B31BDC845CEA}"/>
+          <p:cNvPr id="29" name="楕円 28">
+            <a:extLst>
+              <a:ext uri="{FF2B5EF4-FFF2-40B4-BE49-F238E27FC236}">
+                <a16:creationId xmlns:a16="http://schemas.microsoft.com/office/drawing/2014/main" id="{819FE12A-730B-0B56-407F-7AD13491D2F4}"/>
               </a:ext>
             </a:extLst>
           </p:cNvPr>
@@ -12445,8 +14743,8 @@
         </p:nvSpPr>
         <p:spPr>
           <a:xfrm>
-            <a:off x="10128448" y="980728"/>
-            <a:ext cx="216024" cy="288032"/>
+            <a:off x="2279576" y="3965884"/>
+            <a:ext cx="288032" cy="216024"/>
           </a:xfrm>
           <a:prstGeom prst="ellipse">
             <a:avLst/>
@@ -12485,10 +14783,10 @@
       </p:sp>
       <p:sp>
         <p:nvSpPr>
-          <p:cNvPr id="63" name="楕円 62">
-            <a:extLst>
-              <a:ext uri="{FF2B5EF4-FFF2-40B4-BE49-F238E27FC236}">
-                <a16:creationId xmlns:a16="http://schemas.microsoft.com/office/drawing/2014/main" id="{BA3A7433-4C44-3CAC-B2E3-E08E379DF327}"/>
+          <p:cNvPr id="30" name="楕円 29">
+            <a:extLst>
+              <a:ext uri="{FF2B5EF4-FFF2-40B4-BE49-F238E27FC236}">
+                <a16:creationId xmlns:a16="http://schemas.microsoft.com/office/drawing/2014/main" id="{1CCC3BC6-0234-2568-EFAB-CD312F32CA72}"/>
               </a:ext>
             </a:extLst>
           </p:cNvPr>
@@ -12497,8 +14795,8 @@
         </p:nvSpPr>
         <p:spPr>
           <a:xfrm>
-            <a:off x="10128448" y="1628800"/>
-            <a:ext cx="216024" cy="288032"/>
+            <a:off x="1674933" y="4152775"/>
+            <a:ext cx="288032" cy="216024"/>
           </a:xfrm>
           <a:prstGeom prst="ellipse">
             <a:avLst/>
@@ -12537,10 +14835,10 @@
       </p:sp>
       <p:sp>
         <p:nvSpPr>
-          <p:cNvPr id="69" name="楕円 68">
-            <a:extLst>
-              <a:ext uri="{FF2B5EF4-FFF2-40B4-BE49-F238E27FC236}">
-                <a16:creationId xmlns:a16="http://schemas.microsoft.com/office/drawing/2014/main" id="{801BBF50-B246-FE67-96B2-69DE10F62FD5}"/>
+          <p:cNvPr id="31" name="楕円 30">
+            <a:extLst>
+              <a:ext uri="{FF2B5EF4-FFF2-40B4-BE49-F238E27FC236}">
+                <a16:creationId xmlns:a16="http://schemas.microsoft.com/office/drawing/2014/main" id="{FF161268-03C1-5442-3193-A0B1332DD900}"/>
               </a:ext>
             </a:extLst>
           </p:cNvPr>
@@ -12549,8 +14847,8 @@
         </p:nvSpPr>
         <p:spPr>
           <a:xfrm>
-            <a:off x="8400256" y="1412776"/>
-            <a:ext cx="432048" cy="432048"/>
+            <a:off x="2279576" y="4545124"/>
+            <a:ext cx="216024" cy="432048"/>
           </a:xfrm>
           <a:prstGeom prst="ellipse">
             <a:avLst/>
@@ -12589,10 +14887,10 @@
       </p:sp>
       <p:sp>
         <p:nvSpPr>
-          <p:cNvPr id="70" name="楕円 69">
-            <a:extLst>
-              <a:ext uri="{FF2B5EF4-FFF2-40B4-BE49-F238E27FC236}">
-                <a16:creationId xmlns:a16="http://schemas.microsoft.com/office/drawing/2014/main" id="{20A4015B-6FAC-F109-FBC7-8C32B156D1A8}"/>
+          <p:cNvPr id="32" name="楕円 31">
+            <a:extLst>
+              <a:ext uri="{FF2B5EF4-FFF2-40B4-BE49-F238E27FC236}">
+                <a16:creationId xmlns:a16="http://schemas.microsoft.com/office/drawing/2014/main" id="{1E6F2B10-A793-C108-84B0-A03960D0DA3F}"/>
               </a:ext>
             </a:extLst>
           </p:cNvPr>
@@ -12601,320 +14899,8 @@
         </p:nvSpPr>
         <p:spPr>
           <a:xfrm>
-            <a:off x="9120336" y="2132856"/>
-            <a:ext cx="432048" cy="432048"/>
-          </a:xfrm>
-          <a:prstGeom prst="ellipse">
-            <a:avLst/>
-          </a:prstGeom>
-          <a:solidFill>
-            <a:schemeClr val="tx1"/>
-          </a:solidFill>
-          <a:ln>
-            <a:noFill/>
-          </a:ln>
-        </p:spPr>
-        <p:style>
-          <a:lnRef idx="2">
-            <a:schemeClr val="accent1">
-              <a:shade val="50000"/>
-            </a:schemeClr>
-          </a:lnRef>
-          <a:fillRef idx="1">
-            <a:schemeClr val="accent1"/>
-          </a:fillRef>
-          <a:effectRef idx="0">
-            <a:schemeClr val="accent1"/>
-          </a:effectRef>
-          <a:fontRef idx="minor">
-            <a:schemeClr val="lt1"/>
-          </a:fontRef>
-        </p:style>
-        <p:txBody>
-          <a:bodyPr rtlCol="0" anchor="ctr"/>
-          <a:lstStyle/>
-          <a:p>
-            <a:pPr algn="ctr"/>
-            <a:endParaRPr kumimoji="1" lang="ja-JP" altLang="en-US"/>
-          </a:p>
-        </p:txBody>
-      </p:sp>
-      <p:sp>
-        <p:nvSpPr>
-          <p:cNvPr id="71" name="楕円 70">
-            <a:extLst>
-              <a:ext uri="{FF2B5EF4-FFF2-40B4-BE49-F238E27FC236}">
-                <a16:creationId xmlns:a16="http://schemas.microsoft.com/office/drawing/2014/main" id="{2654309F-17AA-0A38-917C-0ED2E1D05269}"/>
-              </a:ext>
-            </a:extLst>
-          </p:cNvPr>
-          <p:cNvSpPr/>
-          <p:nvPr/>
-        </p:nvSpPr>
-        <p:spPr>
-          <a:xfrm>
-            <a:off x="9048328" y="656692"/>
-            <a:ext cx="288032" cy="144016"/>
-          </a:xfrm>
-          <a:prstGeom prst="ellipse">
-            <a:avLst/>
-          </a:prstGeom>
-          <a:solidFill>
-            <a:schemeClr val="tx1"/>
-          </a:solidFill>
-          <a:ln>
-            <a:noFill/>
-          </a:ln>
-        </p:spPr>
-        <p:style>
-          <a:lnRef idx="2">
-            <a:schemeClr val="accent1">
-              <a:shade val="50000"/>
-            </a:schemeClr>
-          </a:lnRef>
-          <a:fillRef idx="1">
-            <a:schemeClr val="accent1"/>
-          </a:fillRef>
-          <a:effectRef idx="0">
-            <a:schemeClr val="accent1"/>
-          </a:effectRef>
-          <a:fontRef idx="minor">
-            <a:schemeClr val="lt1"/>
-          </a:fontRef>
-        </p:style>
-        <p:txBody>
-          <a:bodyPr rtlCol="0" anchor="ctr"/>
-          <a:lstStyle/>
-          <a:p>
-            <a:pPr algn="ctr"/>
-            <a:endParaRPr kumimoji="1" lang="ja-JP" altLang="en-US"/>
-          </a:p>
-        </p:txBody>
-      </p:sp>
-      <p:sp>
-        <p:nvSpPr>
-          <p:cNvPr id="72" name="楕円 71">
-            <a:extLst>
-              <a:ext uri="{FF2B5EF4-FFF2-40B4-BE49-F238E27FC236}">
-                <a16:creationId xmlns:a16="http://schemas.microsoft.com/office/drawing/2014/main" id="{69A42F37-78F9-B057-A379-BEF50F9E97C6}"/>
-              </a:ext>
-            </a:extLst>
-          </p:cNvPr>
-          <p:cNvSpPr/>
-          <p:nvPr/>
-        </p:nvSpPr>
-        <p:spPr>
-          <a:xfrm>
-            <a:off x="8832304" y="836712"/>
-            <a:ext cx="288032" cy="144016"/>
-          </a:xfrm>
-          <a:prstGeom prst="ellipse">
-            <a:avLst/>
-          </a:prstGeom>
-          <a:solidFill>
-            <a:schemeClr val="tx1"/>
-          </a:solidFill>
-          <a:ln>
-            <a:noFill/>
-          </a:ln>
-        </p:spPr>
-        <p:style>
-          <a:lnRef idx="2">
-            <a:schemeClr val="accent1">
-              <a:shade val="50000"/>
-            </a:schemeClr>
-          </a:lnRef>
-          <a:fillRef idx="1">
-            <a:schemeClr val="accent1"/>
-          </a:fillRef>
-          <a:effectRef idx="0">
-            <a:schemeClr val="accent1"/>
-          </a:effectRef>
-          <a:fontRef idx="minor">
-            <a:schemeClr val="lt1"/>
-          </a:fontRef>
-        </p:style>
-        <p:txBody>
-          <a:bodyPr rtlCol="0" anchor="ctr"/>
-          <a:lstStyle/>
-          <a:p>
-            <a:pPr algn="ctr"/>
-            <a:endParaRPr kumimoji="1" lang="ja-JP" altLang="en-US"/>
-          </a:p>
-        </p:txBody>
-      </p:sp>
-      <p:sp>
-        <p:nvSpPr>
-          <p:cNvPr id="73" name="楕円 72">
-            <a:extLst>
-              <a:ext uri="{FF2B5EF4-FFF2-40B4-BE49-F238E27FC236}">
-                <a16:creationId xmlns:a16="http://schemas.microsoft.com/office/drawing/2014/main" id="{696797EB-2EF4-5191-B13D-3CA353E95912}"/>
-              </a:ext>
-            </a:extLst>
-          </p:cNvPr>
-          <p:cNvSpPr/>
-          <p:nvPr/>
-        </p:nvSpPr>
-        <p:spPr>
-          <a:xfrm>
-            <a:off x="8616280" y="1016732"/>
-            <a:ext cx="288032" cy="144016"/>
-          </a:xfrm>
-          <a:prstGeom prst="ellipse">
-            <a:avLst/>
-          </a:prstGeom>
-          <a:solidFill>
-            <a:schemeClr val="tx1"/>
-          </a:solidFill>
-          <a:ln>
-            <a:noFill/>
-          </a:ln>
-        </p:spPr>
-        <p:style>
-          <a:lnRef idx="2">
-            <a:schemeClr val="accent1">
-              <a:shade val="50000"/>
-            </a:schemeClr>
-          </a:lnRef>
-          <a:fillRef idx="1">
-            <a:schemeClr val="accent1"/>
-          </a:fillRef>
-          <a:effectRef idx="0">
-            <a:schemeClr val="accent1"/>
-          </a:effectRef>
-          <a:fontRef idx="minor">
-            <a:schemeClr val="lt1"/>
-          </a:fontRef>
-        </p:style>
-        <p:txBody>
-          <a:bodyPr rtlCol="0" anchor="ctr"/>
-          <a:lstStyle/>
-          <a:p>
-            <a:pPr algn="ctr"/>
-            <a:endParaRPr kumimoji="1" lang="ja-JP" altLang="en-US"/>
-          </a:p>
-        </p:txBody>
-      </p:sp>
-      <p:sp>
-        <p:nvSpPr>
-          <p:cNvPr id="74" name="楕円 73">
-            <a:extLst>
-              <a:ext uri="{FF2B5EF4-FFF2-40B4-BE49-F238E27FC236}">
-                <a16:creationId xmlns:a16="http://schemas.microsoft.com/office/drawing/2014/main" id="{FBB0F887-CFC9-3F26-AEF2-E9F63AFAB591}"/>
-              </a:ext>
-            </a:extLst>
-          </p:cNvPr>
-          <p:cNvSpPr/>
-          <p:nvPr/>
-        </p:nvSpPr>
-        <p:spPr>
-          <a:xfrm>
-            <a:off x="9768408" y="656692"/>
-            <a:ext cx="288032" cy="144016"/>
-          </a:xfrm>
-          <a:prstGeom prst="ellipse">
-            <a:avLst/>
-          </a:prstGeom>
-          <a:solidFill>
-            <a:schemeClr val="tx1"/>
-          </a:solidFill>
-          <a:ln>
-            <a:noFill/>
-          </a:ln>
-        </p:spPr>
-        <p:style>
-          <a:lnRef idx="2">
-            <a:schemeClr val="accent1">
-              <a:shade val="50000"/>
-            </a:schemeClr>
-          </a:lnRef>
-          <a:fillRef idx="1">
-            <a:schemeClr val="accent1"/>
-          </a:fillRef>
-          <a:effectRef idx="0">
-            <a:schemeClr val="accent1"/>
-          </a:effectRef>
-          <a:fontRef idx="minor">
-            <a:schemeClr val="lt1"/>
-          </a:fontRef>
-        </p:style>
-        <p:txBody>
-          <a:bodyPr rtlCol="0" anchor="ctr"/>
-          <a:lstStyle/>
-          <a:p>
-            <a:pPr algn="ctr"/>
-            <a:endParaRPr kumimoji="1" lang="ja-JP" altLang="en-US"/>
-          </a:p>
-        </p:txBody>
-      </p:sp>
-      <p:sp>
-        <p:nvSpPr>
-          <p:cNvPr id="75" name="楕円 74">
-            <a:extLst>
-              <a:ext uri="{FF2B5EF4-FFF2-40B4-BE49-F238E27FC236}">
-                <a16:creationId xmlns:a16="http://schemas.microsoft.com/office/drawing/2014/main" id="{19686F29-7691-7BDC-A45A-E351E293BF9E}"/>
-              </a:ext>
-            </a:extLst>
-          </p:cNvPr>
-          <p:cNvSpPr/>
-          <p:nvPr/>
-        </p:nvSpPr>
-        <p:spPr>
-          <a:xfrm>
-            <a:off x="9552384" y="836712"/>
-            <a:ext cx="288032" cy="144016"/>
-          </a:xfrm>
-          <a:prstGeom prst="ellipse">
-            <a:avLst/>
-          </a:prstGeom>
-          <a:solidFill>
-            <a:schemeClr val="tx1"/>
-          </a:solidFill>
-          <a:ln>
-            <a:noFill/>
-          </a:ln>
-        </p:spPr>
-        <p:style>
-          <a:lnRef idx="2">
-            <a:schemeClr val="accent1">
-              <a:shade val="50000"/>
-            </a:schemeClr>
-          </a:lnRef>
-          <a:fillRef idx="1">
-            <a:schemeClr val="accent1"/>
-          </a:fillRef>
-          <a:effectRef idx="0">
-            <a:schemeClr val="accent1"/>
-          </a:effectRef>
-          <a:fontRef idx="minor">
-            <a:schemeClr val="lt1"/>
-          </a:fontRef>
-        </p:style>
-        <p:txBody>
-          <a:bodyPr rtlCol="0" anchor="ctr"/>
-          <a:lstStyle/>
-          <a:p>
-            <a:pPr algn="ctr"/>
-            <a:endParaRPr kumimoji="1" lang="ja-JP" altLang="en-US"/>
-          </a:p>
-        </p:txBody>
-      </p:sp>
-      <p:sp>
-        <p:nvSpPr>
-          <p:cNvPr id="76" name="楕円 75">
-            <a:extLst>
-              <a:ext uri="{FF2B5EF4-FFF2-40B4-BE49-F238E27FC236}">
-                <a16:creationId xmlns:a16="http://schemas.microsoft.com/office/drawing/2014/main" id="{9D836674-C566-5CCF-EFBB-0FD1D19F1348}"/>
-              </a:ext>
-            </a:extLst>
-          </p:cNvPr>
-          <p:cNvSpPr/>
-          <p:nvPr/>
-        </p:nvSpPr>
-        <p:spPr>
-          <a:xfrm>
-            <a:off x="9336360" y="1016732"/>
-            <a:ext cx="288032" cy="144016"/>
+            <a:off x="2639616" y="4977172"/>
+            <a:ext cx="216024" cy="432048"/>
           </a:xfrm>
           <a:prstGeom prst="ellipse">
             <a:avLst/>
@@ -12953,10 +14939,10 @@
       </p:sp>
       <p:cxnSp>
         <p:nvCxnSpPr>
-          <p:cNvPr id="80" name="直線矢印コネクタ 79">
-            <a:extLst>
-              <a:ext uri="{FF2B5EF4-FFF2-40B4-BE49-F238E27FC236}">
-                <a16:creationId xmlns:a16="http://schemas.microsoft.com/office/drawing/2014/main" id="{E72BAA36-69D0-7994-7B7F-9171B53566B6}"/>
+          <p:cNvPr id="33" name="直線矢印コネクタ 32">
+            <a:extLst>
+              <a:ext uri="{FF2B5EF4-FFF2-40B4-BE49-F238E27FC236}">
+                <a16:creationId xmlns:a16="http://schemas.microsoft.com/office/drawing/2014/main" id="{A9790281-FA98-0A42-5874-A9F5D4AA449A}"/>
               </a:ext>
             </a:extLst>
           </p:cNvPr>
@@ -12964,9 +14950,9 @@
           <p:nvPr/>
         </p:nvCxnSpPr>
         <p:spPr>
-          <a:xfrm flipH="1">
-            <a:off x="3647728" y="1052736"/>
-            <a:ext cx="720080" cy="720080"/>
+          <a:xfrm flipV="1">
+            <a:off x="3661888" y="4545124"/>
+            <a:ext cx="0" cy="720080"/>
           </a:xfrm>
           <a:prstGeom prst="straightConnector1">
             <a:avLst/>
@@ -12996,10 +14982,10 @@
       </p:cxnSp>
       <p:sp>
         <p:nvSpPr>
-          <p:cNvPr id="81" name="矢印: 右カーブ 80">
-            <a:extLst>
-              <a:ext uri="{FF2B5EF4-FFF2-40B4-BE49-F238E27FC236}">
-                <a16:creationId xmlns:a16="http://schemas.microsoft.com/office/drawing/2014/main" id="{281DDC2F-F5CA-5328-0A68-8293234208A3}"/>
+          <p:cNvPr id="34" name="矢印: 右カーブ 33">
+            <a:extLst>
+              <a:ext uri="{FF2B5EF4-FFF2-40B4-BE49-F238E27FC236}">
+                <a16:creationId xmlns:a16="http://schemas.microsoft.com/office/drawing/2014/main" id="{5E56C1D7-74B8-4A47-2D2F-27F2C75943AD}"/>
               </a:ext>
             </a:extLst>
           </p:cNvPr>
@@ -13007,734 +14993,8 @@
           <p:nvPr/>
         </p:nvSpPr>
         <p:spPr>
-          <a:xfrm rot="5400000">
-            <a:off x="3710004" y="1206484"/>
-            <a:ext cx="289526" cy="558094"/>
-          </a:xfrm>
-          <a:prstGeom prst="curvedRightArrow">
-            <a:avLst/>
-          </a:prstGeom>
-        </p:spPr>
-        <p:style>
-          <a:lnRef idx="2">
-            <a:schemeClr val="accent1">
-              <a:shade val="50000"/>
-            </a:schemeClr>
-          </a:lnRef>
-          <a:fillRef idx="1">
-            <a:schemeClr val="accent1"/>
-          </a:fillRef>
-          <a:effectRef idx="0">
-            <a:schemeClr val="accent1"/>
-          </a:effectRef>
-          <a:fontRef idx="minor">
-            <a:schemeClr val="lt1"/>
-          </a:fontRef>
-        </p:style>
-        <p:txBody>
-          <a:bodyPr rtlCol="0" anchor="ctr"/>
-          <a:lstStyle/>
-          <a:p>
-            <a:pPr algn="ctr"/>
-            <a:endParaRPr kumimoji="1" lang="ja-JP" altLang="en-US" sz="1100">
-              <a:solidFill>
-                <a:schemeClr val="tx1"/>
-              </a:solidFill>
-            </a:endParaRPr>
-          </a:p>
-        </p:txBody>
-      </p:sp>
-      <p:sp>
-        <p:nvSpPr>
-          <p:cNvPr id="82" name="矢印: 右カーブ 81">
-            <a:extLst>
-              <a:ext uri="{FF2B5EF4-FFF2-40B4-BE49-F238E27FC236}">
-                <a16:creationId xmlns:a16="http://schemas.microsoft.com/office/drawing/2014/main" id="{502E8AE1-6AB6-129C-0A47-FFCEE70E7724}"/>
-              </a:ext>
-            </a:extLst>
-          </p:cNvPr>
-          <p:cNvSpPr/>
-          <p:nvPr/>
-        </p:nvSpPr>
-        <p:spPr>
-          <a:xfrm rot="10631379">
-            <a:off x="7545266" y="1200623"/>
-            <a:ext cx="167087" cy="375537"/>
-          </a:xfrm>
-          <a:prstGeom prst="curvedRightArrow">
-            <a:avLst/>
-          </a:prstGeom>
-        </p:spPr>
-        <p:style>
-          <a:lnRef idx="2">
-            <a:schemeClr val="accent1">
-              <a:shade val="50000"/>
-            </a:schemeClr>
-          </a:lnRef>
-          <a:fillRef idx="1">
-            <a:schemeClr val="accent1"/>
-          </a:fillRef>
-          <a:effectRef idx="0">
-            <a:schemeClr val="accent1"/>
-          </a:effectRef>
-          <a:fontRef idx="minor">
-            <a:schemeClr val="lt1"/>
-          </a:fontRef>
-        </p:style>
-        <p:txBody>
-          <a:bodyPr rtlCol="0" anchor="ctr"/>
-          <a:lstStyle/>
-          <a:p>
-            <a:pPr algn="ctr"/>
-            <a:endParaRPr kumimoji="1" lang="ja-JP" altLang="en-US" sz="1100">
-              <a:solidFill>
-                <a:schemeClr val="tx1"/>
-              </a:solidFill>
-            </a:endParaRPr>
-          </a:p>
-        </p:txBody>
-      </p:sp>
-      <p:sp>
-        <p:nvSpPr>
-          <p:cNvPr id="83" name="正方形/長方形 82">
-            <a:extLst>
-              <a:ext uri="{FF2B5EF4-FFF2-40B4-BE49-F238E27FC236}">
-                <a16:creationId xmlns:a16="http://schemas.microsoft.com/office/drawing/2014/main" id="{0DA6077E-8C85-2276-A32C-C479BA021CD2}"/>
-              </a:ext>
-            </a:extLst>
-          </p:cNvPr>
-          <p:cNvSpPr/>
-          <p:nvPr/>
-        </p:nvSpPr>
-        <p:spPr>
-          <a:xfrm>
-            <a:off x="1055440" y="4869160"/>
-            <a:ext cx="1440160" cy="1440160"/>
-          </a:xfrm>
-          <a:prstGeom prst="rect">
-            <a:avLst/>
-          </a:prstGeom>
-          <a:noFill/>
-          <a:ln>
-            <a:solidFill>
-              <a:schemeClr val="tx1"/>
-            </a:solidFill>
-          </a:ln>
-        </p:spPr>
-        <p:style>
-          <a:lnRef idx="2">
-            <a:schemeClr val="accent1">
-              <a:shade val="50000"/>
-            </a:schemeClr>
-          </a:lnRef>
-          <a:fillRef idx="1">
-            <a:schemeClr val="accent1"/>
-          </a:fillRef>
-          <a:effectRef idx="0">
-            <a:schemeClr val="accent1"/>
-          </a:effectRef>
-          <a:fontRef idx="minor">
-            <a:schemeClr val="lt1"/>
-          </a:fontRef>
-        </p:style>
-        <p:txBody>
-          <a:bodyPr rtlCol="0" anchor="ctr"/>
-          <a:lstStyle/>
-          <a:p>
-            <a:pPr algn="ctr"/>
-            <a:endParaRPr kumimoji="1" lang="ja-JP" altLang="en-US"/>
-          </a:p>
-        </p:txBody>
-      </p:sp>
-      <p:cxnSp>
-        <p:nvCxnSpPr>
-          <p:cNvPr id="84" name="直線コネクタ 83">
-            <a:extLst>
-              <a:ext uri="{FF2B5EF4-FFF2-40B4-BE49-F238E27FC236}">
-                <a16:creationId xmlns:a16="http://schemas.microsoft.com/office/drawing/2014/main" id="{B309C269-495E-A78E-80CA-FD6153303C14}"/>
-              </a:ext>
-            </a:extLst>
-          </p:cNvPr>
-          <p:cNvCxnSpPr>
-            <a:cxnSpLocks/>
-          </p:cNvCxnSpPr>
-          <p:nvPr/>
-        </p:nvCxnSpPr>
-        <p:spPr>
-          <a:xfrm>
-            <a:off x="3215680" y="4149080"/>
-            <a:ext cx="0" cy="1440160"/>
-          </a:xfrm>
-          <a:prstGeom prst="line">
-            <a:avLst/>
-          </a:prstGeom>
-          <a:ln>
-            <a:solidFill>
-              <a:schemeClr val="tx1"/>
-            </a:solidFill>
-            <a:headEnd type="none" w="med" len="med"/>
-            <a:tailEnd type="none" w="med" len="med"/>
-          </a:ln>
-        </p:spPr>
-        <p:style>
-          <a:lnRef idx="1">
-            <a:schemeClr val="accent1"/>
-          </a:lnRef>
-          <a:fillRef idx="0">
-            <a:schemeClr val="accent1"/>
-          </a:fillRef>
-          <a:effectRef idx="0">
-            <a:schemeClr val="accent1"/>
-          </a:effectRef>
-          <a:fontRef idx="minor">
-            <a:schemeClr val="tx1"/>
-          </a:fontRef>
-        </p:style>
-      </p:cxnSp>
-      <p:cxnSp>
-        <p:nvCxnSpPr>
-          <p:cNvPr id="85" name="直線コネクタ 84">
-            <a:extLst>
-              <a:ext uri="{FF2B5EF4-FFF2-40B4-BE49-F238E27FC236}">
-                <a16:creationId xmlns:a16="http://schemas.microsoft.com/office/drawing/2014/main" id="{6C2C8C21-2D1B-7219-8941-BB586B08BC46}"/>
-              </a:ext>
-            </a:extLst>
-          </p:cNvPr>
-          <p:cNvCxnSpPr>
-            <a:cxnSpLocks/>
-          </p:cNvCxnSpPr>
-          <p:nvPr/>
-        </p:nvCxnSpPr>
-        <p:spPr>
-          <a:xfrm flipH="1">
-            <a:off x="1775520" y="4149080"/>
-            <a:ext cx="1440160" cy="0"/>
-          </a:xfrm>
-          <a:prstGeom prst="line">
-            <a:avLst/>
-          </a:prstGeom>
-          <a:ln>
-            <a:solidFill>
-              <a:schemeClr val="tx1"/>
-            </a:solidFill>
-            <a:headEnd type="none" w="med" len="med"/>
-            <a:tailEnd type="none" w="med" len="med"/>
-          </a:ln>
-        </p:spPr>
-        <p:style>
-          <a:lnRef idx="1">
-            <a:schemeClr val="accent1"/>
-          </a:lnRef>
-          <a:fillRef idx="0">
-            <a:schemeClr val="accent1"/>
-          </a:fillRef>
-          <a:effectRef idx="0">
-            <a:schemeClr val="accent1"/>
-          </a:effectRef>
-          <a:fontRef idx="minor">
-            <a:schemeClr val="tx1"/>
-          </a:fontRef>
-        </p:style>
-      </p:cxnSp>
-      <p:cxnSp>
-        <p:nvCxnSpPr>
-          <p:cNvPr id="86" name="直線コネクタ 85">
-            <a:extLst>
-              <a:ext uri="{FF2B5EF4-FFF2-40B4-BE49-F238E27FC236}">
-                <a16:creationId xmlns:a16="http://schemas.microsoft.com/office/drawing/2014/main" id="{25F7A74A-9A1E-CC4F-9561-7D3C34B1A927}"/>
-              </a:ext>
-            </a:extLst>
-          </p:cNvPr>
-          <p:cNvCxnSpPr/>
-          <p:nvPr/>
-        </p:nvCxnSpPr>
-        <p:spPr>
-          <a:xfrm flipH="1">
-            <a:off x="1055440" y="4149080"/>
-            <a:ext cx="720080" cy="720080"/>
-          </a:xfrm>
-          <a:prstGeom prst="line">
-            <a:avLst/>
-          </a:prstGeom>
-          <a:ln>
-            <a:solidFill>
-              <a:schemeClr val="tx1"/>
-            </a:solidFill>
-            <a:headEnd type="none" w="med" len="med"/>
-            <a:tailEnd type="none" w="med" len="med"/>
-          </a:ln>
-        </p:spPr>
-        <p:style>
-          <a:lnRef idx="1">
-            <a:schemeClr val="accent1"/>
-          </a:lnRef>
-          <a:fillRef idx="0">
-            <a:schemeClr val="accent1"/>
-          </a:fillRef>
-          <a:effectRef idx="0">
-            <a:schemeClr val="accent1"/>
-          </a:effectRef>
-          <a:fontRef idx="minor">
-            <a:schemeClr val="tx1"/>
-          </a:fontRef>
-        </p:style>
-      </p:cxnSp>
-      <p:cxnSp>
-        <p:nvCxnSpPr>
-          <p:cNvPr id="87" name="直線コネクタ 86">
-            <a:extLst>
-              <a:ext uri="{FF2B5EF4-FFF2-40B4-BE49-F238E27FC236}">
-                <a16:creationId xmlns:a16="http://schemas.microsoft.com/office/drawing/2014/main" id="{EA1091AC-CD9B-8C21-2769-3F31B98DD67D}"/>
-              </a:ext>
-            </a:extLst>
-          </p:cNvPr>
-          <p:cNvCxnSpPr/>
-          <p:nvPr/>
-        </p:nvCxnSpPr>
-        <p:spPr>
-          <a:xfrm flipH="1">
-            <a:off x="2495600" y="4149080"/>
-            <a:ext cx="720080" cy="720080"/>
-          </a:xfrm>
-          <a:prstGeom prst="line">
-            <a:avLst/>
-          </a:prstGeom>
-          <a:ln>
-            <a:solidFill>
-              <a:schemeClr val="tx1"/>
-            </a:solidFill>
-            <a:headEnd type="none" w="med" len="med"/>
-            <a:tailEnd type="none" w="med" len="med"/>
-          </a:ln>
-        </p:spPr>
-        <p:style>
-          <a:lnRef idx="1">
-            <a:schemeClr val="accent1"/>
-          </a:lnRef>
-          <a:fillRef idx="0">
-            <a:schemeClr val="accent1"/>
-          </a:fillRef>
-          <a:effectRef idx="0">
-            <a:schemeClr val="accent1"/>
-          </a:effectRef>
-          <a:fontRef idx="minor">
-            <a:schemeClr val="tx1"/>
-          </a:fontRef>
-        </p:style>
-      </p:cxnSp>
-      <p:cxnSp>
-        <p:nvCxnSpPr>
-          <p:cNvPr id="88" name="直線コネクタ 87">
-            <a:extLst>
-              <a:ext uri="{FF2B5EF4-FFF2-40B4-BE49-F238E27FC236}">
-                <a16:creationId xmlns:a16="http://schemas.microsoft.com/office/drawing/2014/main" id="{C47A7534-11CD-8E06-5862-05AB0EE9B58B}"/>
-              </a:ext>
-            </a:extLst>
-          </p:cNvPr>
-          <p:cNvCxnSpPr/>
-          <p:nvPr/>
-        </p:nvCxnSpPr>
-        <p:spPr>
-          <a:xfrm flipH="1">
-            <a:off x="2495600" y="5589240"/>
-            <a:ext cx="720080" cy="720080"/>
-          </a:xfrm>
-          <a:prstGeom prst="line">
-            <a:avLst/>
-          </a:prstGeom>
-          <a:ln>
-            <a:solidFill>
-              <a:schemeClr val="tx1"/>
-            </a:solidFill>
-            <a:headEnd type="none" w="med" len="med"/>
-            <a:tailEnd type="none" w="med" len="med"/>
-          </a:ln>
-        </p:spPr>
-        <p:style>
-          <a:lnRef idx="1">
-            <a:schemeClr val="accent1"/>
-          </a:lnRef>
-          <a:fillRef idx="0">
-            <a:schemeClr val="accent1"/>
-          </a:fillRef>
-          <a:effectRef idx="0">
-            <a:schemeClr val="accent1"/>
-          </a:effectRef>
-          <a:fontRef idx="minor">
-            <a:schemeClr val="tx1"/>
-          </a:fontRef>
-        </p:style>
-      </p:cxnSp>
-      <p:sp>
-        <p:nvSpPr>
-          <p:cNvPr id="89" name="楕円 88">
-            <a:extLst>
-              <a:ext uri="{FF2B5EF4-FFF2-40B4-BE49-F238E27FC236}">
-                <a16:creationId xmlns:a16="http://schemas.microsoft.com/office/drawing/2014/main" id="{8A3E294D-4DF6-4339-E2E9-BAEF15C6B847}"/>
-              </a:ext>
-            </a:extLst>
-          </p:cNvPr>
-          <p:cNvSpPr/>
-          <p:nvPr/>
-        </p:nvSpPr>
-        <p:spPr>
-          <a:xfrm>
-            <a:off x="1415480" y="5229200"/>
-            <a:ext cx="720080" cy="720080"/>
-          </a:xfrm>
-          <a:prstGeom prst="ellipse">
-            <a:avLst/>
-          </a:prstGeom>
-          <a:solidFill>
-            <a:srgbClr val="FF0000"/>
-          </a:solidFill>
-          <a:ln>
-            <a:noFill/>
-          </a:ln>
-        </p:spPr>
-        <p:style>
-          <a:lnRef idx="2">
-            <a:schemeClr val="accent1">
-              <a:shade val="50000"/>
-            </a:schemeClr>
-          </a:lnRef>
-          <a:fillRef idx="1">
-            <a:schemeClr val="accent1"/>
-          </a:fillRef>
-          <a:effectRef idx="0">
-            <a:schemeClr val="accent1"/>
-          </a:effectRef>
-          <a:fontRef idx="minor">
-            <a:schemeClr val="lt1"/>
-          </a:fontRef>
-        </p:style>
-        <p:txBody>
-          <a:bodyPr rtlCol="0" anchor="ctr"/>
-          <a:lstStyle/>
-          <a:p>
-            <a:pPr algn="ctr"/>
-            <a:endParaRPr kumimoji="1" lang="ja-JP" altLang="en-US"/>
-          </a:p>
-        </p:txBody>
-      </p:sp>
-      <p:sp>
-        <p:nvSpPr>
-          <p:cNvPr id="90" name="楕円 89">
-            <a:extLst>
-              <a:ext uri="{FF2B5EF4-FFF2-40B4-BE49-F238E27FC236}">
-                <a16:creationId xmlns:a16="http://schemas.microsoft.com/office/drawing/2014/main" id="{B9ABF417-3E43-F9DD-685A-7FD2A25E1719}"/>
-              </a:ext>
-            </a:extLst>
-          </p:cNvPr>
-          <p:cNvSpPr/>
-          <p:nvPr/>
-        </p:nvSpPr>
-        <p:spPr>
-          <a:xfrm>
-            <a:off x="1415480" y="4581128"/>
-            <a:ext cx="288032" cy="216024"/>
-          </a:xfrm>
-          <a:prstGeom prst="ellipse">
-            <a:avLst/>
-          </a:prstGeom>
-          <a:solidFill>
-            <a:schemeClr val="tx1"/>
-          </a:solidFill>
-          <a:ln>
-            <a:noFill/>
-          </a:ln>
-        </p:spPr>
-        <p:style>
-          <a:lnRef idx="2">
-            <a:schemeClr val="accent1">
-              <a:shade val="50000"/>
-            </a:schemeClr>
-          </a:lnRef>
-          <a:fillRef idx="1">
-            <a:schemeClr val="accent1"/>
-          </a:fillRef>
-          <a:effectRef idx="0">
-            <a:schemeClr val="accent1"/>
-          </a:effectRef>
-          <a:fontRef idx="minor">
-            <a:schemeClr val="lt1"/>
-          </a:fontRef>
-        </p:style>
-        <p:txBody>
-          <a:bodyPr rtlCol="0" anchor="ctr"/>
-          <a:lstStyle/>
-          <a:p>
-            <a:pPr algn="ctr"/>
-            <a:endParaRPr kumimoji="1" lang="ja-JP" altLang="en-US"/>
-          </a:p>
-        </p:txBody>
-      </p:sp>
-      <p:sp>
-        <p:nvSpPr>
-          <p:cNvPr id="91" name="楕円 90">
-            <a:extLst>
-              <a:ext uri="{FF2B5EF4-FFF2-40B4-BE49-F238E27FC236}">
-                <a16:creationId xmlns:a16="http://schemas.microsoft.com/office/drawing/2014/main" id="{B9424DD1-878A-712E-0CB2-308151BECB0D}"/>
-              </a:ext>
-            </a:extLst>
-          </p:cNvPr>
-          <p:cNvSpPr/>
-          <p:nvPr/>
-        </p:nvSpPr>
-        <p:spPr>
-          <a:xfrm>
-            <a:off x="2567608" y="4217912"/>
-            <a:ext cx="288032" cy="216024"/>
-          </a:xfrm>
-          <a:prstGeom prst="ellipse">
-            <a:avLst/>
-          </a:prstGeom>
-          <a:solidFill>
-            <a:schemeClr val="tx1"/>
-          </a:solidFill>
-          <a:ln>
-            <a:noFill/>
-          </a:ln>
-        </p:spPr>
-        <p:style>
-          <a:lnRef idx="2">
-            <a:schemeClr val="accent1">
-              <a:shade val="50000"/>
-            </a:schemeClr>
-          </a:lnRef>
-          <a:fillRef idx="1">
-            <a:schemeClr val="accent1"/>
-          </a:fillRef>
-          <a:effectRef idx="0">
-            <a:schemeClr val="accent1"/>
-          </a:effectRef>
-          <a:fontRef idx="minor">
-            <a:schemeClr val="lt1"/>
-          </a:fontRef>
-        </p:style>
-        <p:txBody>
-          <a:bodyPr rtlCol="0" anchor="ctr"/>
-          <a:lstStyle/>
-          <a:p>
-            <a:pPr algn="ctr"/>
-            <a:endParaRPr kumimoji="1" lang="ja-JP" altLang="en-US"/>
-          </a:p>
-        </p:txBody>
-      </p:sp>
-      <p:sp>
-        <p:nvSpPr>
-          <p:cNvPr id="92" name="楕円 91">
-            <a:extLst>
-              <a:ext uri="{FF2B5EF4-FFF2-40B4-BE49-F238E27FC236}">
-                <a16:creationId xmlns:a16="http://schemas.microsoft.com/office/drawing/2014/main" id="{C7508295-4D7C-A421-882D-112E633609CE}"/>
-              </a:ext>
-            </a:extLst>
-          </p:cNvPr>
-          <p:cNvSpPr/>
-          <p:nvPr/>
-        </p:nvSpPr>
-        <p:spPr>
-          <a:xfrm>
-            <a:off x="1962965" y="4404803"/>
-            <a:ext cx="288032" cy="216024"/>
-          </a:xfrm>
-          <a:prstGeom prst="ellipse">
-            <a:avLst/>
-          </a:prstGeom>
-          <a:solidFill>
-            <a:schemeClr val="tx1"/>
-          </a:solidFill>
-          <a:ln>
-            <a:noFill/>
-          </a:ln>
-        </p:spPr>
-        <p:style>
-          <a:lnRef idx="2">
-            <a:schemeClr val="accent1">
-              <a:shade val="50000"/>
-            </a:schemeClr>
-          </a:lnRef>
-          <a:fillRef idx="1">
-            <a:schemeClr val="accent1"/>
-          </a:fillRef>
-          <a:effectRef idx="0">
-            <a:schemeClr val="accent1"/>
-          </a:effectRef>
-          <a:fontRef idx="minor">
-            <a:schemeClr val="lt1"/>
-          </a:fontRef>
-        </p:style>
-        <p:txBody>
-          <a:bodyPr rtlCol="0" anchor="ctr"/>
-          <a:lstStyle/>
-          <a:p>
-            <a:pPr algn="ctr"/>
-            <a:endParaRPr kumimoji="1" lang="ja-JP" altLang="en-US"/>
-          </a:p>
-        </p:txBody>
-      </p:sp>
-      <p:sp>
-        <p:nvSpPr>
-          <p:cNvPr id="93" name="楕円 92">
-            <a:extLst>
-              <a:ext uri="{FF2B5EF4-FFF2-40B4-BE49-F238E27FC236}">
-                <a16:creationId xmlns:a16="http://schemas.microsoft.com/office/drawing/2014/main" id="{51E4CB41-21D0-AA55-D55C-457762CE9956}"/>
-              </a:ext>
-            </a:extLst>
-          </p:cNvPr>
-          <p:cNvSpPr/>
-          <p:nvPr/>
-        </p:nvSpPr>
-        <p:spPr>
-          <a:xfrm>
-            <a:off x="2567608" y="4797152"/>
-            <a:ext cx="216024" cy="432048"/>
-          </a:xfrm>
-          <a:prstGeom prst="ellipse">
-            <a:avLst/>
-          </a:prstGeom>
-          <a:solidFill>
-            <a:schemeClr val="tx1"/>
-          </a:solidFill>
-          <a:ln>
-            <a:noFill/>
-          </a:ln>
-        </p:spPr>
-        <p:style>
-          <a:lnRef idx="2">
-            <a:schemeClr val="accent1">
-              <a:shade val="50000"/>
-            </a:schemeClr>
-          </a:lnRef>
-          <a:fillRef idx="1">
-            <a:schemeClr val="accent1"/>
-          </a:fillRef>
-          <a:effectRef idx="0">
-            <a:schemeClr val="accent1"/>
-          </a:effectRef>
-          <a:fontRef idx="minor">
-            <a:schemeClr val="lt1"/>
-          </a:fontRef>
-        </p:style>
-        <p:txBody>
-          <a:bodyPr rtlCol="0" anchor="ctr"/>
-          <a:lstStyle/>
-          <a:p>
-            <a:pPr algn="ctr"/>
-            <a:endParaRPr kumimoji="1" lang="ja-JP" altLang="en-US"/>
-          </a:p>
-        </p:txBody>
-      </p:sp>
-      <p:sp>
-        <p:nvSpPr>
-          <p:cNvPr id="94" name="楕円 93">
-            <a:extLst>
-              <a:ext uri="{FF2B5EF4-FFF2-40B4-BE49-F238E27FC236}">
-                <a16:creationId xmlns:a16="http://schemas.microsoft.com/office/drawing/2014/main" id="{3F626331-1595-09D3-F376-1207941ABAD4}"/>
-              </a:ext>
-            </a:extLst>
-          </p:cNvPr>
-          <p:cNvSpPr/>
-          <p:nvPr/>
-        </p:nvSpPr>
-        <p:spPr>
-          <a:xfrm>
-            <a:off x="2927648" y="5229200"/>
-            <a:ext cx="216024" cy="432048"/>
-          </a:xfrm>
-          <a:prstGeom prst="ellipse">
-            <a:avLst/>
-          </a:prstGeom>
-          <a:solidFill>
-            <a:schemeClr val="tx1"/>
-          </a:solidFill>
-          <a:ln>
-            <a:noFill/>
-          </a:ln>
-        </p:spPr>
-        <p:style>
-          <a:lnRef idx="2">
-            <a:schemeClr val="accent1">
-              <a:shade val="50000"/>
-            </a:schemeClr>
-          </a:lnRef>
-          <a:fillRef idx="1">
-            <a:schemeClr val="accent1"/>
-          </a:fillRef>
-          <a:effectRef idx="0">
-            <a:schemeClr val="accent1"/>
-          </a:effectRef>
-          <a:fontRef idx="minor">
-            <a:schemeClr val="lt1"/>
-          </a:fontRef>
-        </p:style>
-        <p:txBody>
-          <a:bodyPr rtlCol="0" anchor="ctr"/>
-          <a:lstStyle/>
-          <a:p>
-            <a:pPr algn="ctr"/>
-            <a:endParaRPr kumimoji="1" lang="ja-JP" altLang="en-US"/>
-          </a:p>
-        </p:txBody>
-      </p:sp>
-      <p:cxnSp>
-        <p:nvCxnSpPr>
-          <p:cNvPr id="96" name="直線矢印コネクタ 95">
-            <a:extLst>
-              <a:ext uri="{FF2B5EF4-FFF2-40B4-BE49-F238E27FC236}">
-                <a16:creationId xmlns:a16="http://schemas.microsoft.com/office/drawing/2014/main" id="{5953AFA7-BEFD-2990-AD85-A014719BB996}"/>
-              </a:ext>
-            </a:extLst>
-          </p:cNvPr>
-          <p:cNvCxnSpPr/>
-          <p:nvPr/>
-        </p:nvCxnSpPr>
-        <p:spPr>
-          <a:xfrm flipV="1">
-            <a:off x="3949920" y="4797152"/>
-            <a:ext cx="0" cy="720080"/>
-          </a:xfrm>
-          <a:prstGeom prst="straightConnector1">
-            <a:avLst/>
-          </a:prstGeom>
-          <a:ln>
-            <a:solidFill>
-              <a:schemeClr val="tx1"/>
-            </a:solidFill>
-            <a:headEnd type="none" w="med" len="med"/>
-            <a:tailEnd type="triangle"/>
-          </a:ln>
-        </p:spPr>
-        <p:style>
-          <a:lnRef idx="1">
-            <a:schemeClr val="accent1"/>
-          </a:lnRef>
-          <a:fillRef idx="0">
-            <a:schemeClr val="accent1"/>
-          </a:fillRef>
-          <a:effectRef idx="0">
-            <a:schemeClr val="accent1"/>
-          </a:effectRef>
-          <a:fontRef idx="minor">
-            <a:schemeClr val="tx1"/>
-          </a:fontRef>
-        </p:style>
-      </p:cxnSp>
-      <p:sp>
-        <p:nvSpPr>
-          <p:cNvPr id="97" name="矢印: 右カーブ 96">
-            <a:extLst>
-              <a:ext uri="{FF2B5EF4-FFF2-40B4-BE49-F238E27FC236}">
-                <a16:creationId xmlns:a16="http://schemas.microsoft.com/office/drawing/2014/main" id="{30E95739-0A68-E96E-6F4D-A9C90E4E9CC5}"/>
-              </a:ext>
-            </a:extLst>
-          </p:cNvPr>
-          <p:cNvSpPr/>
-          <p:nvPr/>
-        </p:nvSpPr>
-        <p:spPr>
           <a:xfrm rot="16200000" flipV="1">
-            <a:off x="3841908" y="4977172"/>
+            <a:off x="3553876" y="4725144"/>
             <a:ext cx="216024" cy="432048"/>
           </a:xfrm>
           <a:prstGeom prst="curvedRightArrow">
@@ -13774,10 +15034,10 @@
         <mc:Choice xmlns:a14="http://schemas.microsoft.com/office/drawing/2010/main" Requires="a14">
           <p:sp>
             <p:nvSpPr>
-              <p:cNvPr id="98" name="テキスト ボックス 97">
+              <p:cNvPr id="35" name="テキスト ボックス 34">
                 <a:extLst>
                   <a:ext uri="{FF2B5EF4-FFF2-40B4-BE49-F238E27FC236}">
-                    <a16:creationId xmlns:a16="http://schemas.microsoft.com/office/drawing/2014/main" id="{9DCF4832-4D0F-F4A3-72FC-9C3856FB0A2F}"/>
+                    <a16:creationId xmlns:a16="http://schemas.microsoft.com/office/drawing/2014/main" id="{35ECC1AB-6FB0-A795-8CDB-E4F01DDA185E}"/>
                   </a:ext>
                 </a:extLst>
               </p:cNvPr>
@@ -13786,7 +15046,7 @@
             </p:nvSpPr>
             <p:spPr>
               <a:xfrm>
-                <a:off x="3647728" y="4149080"/>
+                <a:off x="3359696" y="3897052"/>
                 <a:ext cx="734240" cy="569258"/>
               </a:xfrm>
               <a:prstGeom prst="rect">
@@ -13800,6 +15060,7 @@
               </a:bodyPr>
               <a:lstStyle/>
               <a:p>
+                <a:pPr/>
                 <a14:m>
                   <m:oMathPara xmlns:m="http://schemas.openxmlformats.org/officeDocument/2006/math">
                     <m:oMathParaPr>
@@ -13841,10 +15102,10 @@
         <mc:Fallback>
           <p:sp>
             <p:nvSpPr>
-              <p:cNvPr id="98" name="テキスト ボックス 97">
+              <p:cNvPr id="35" name="テキスト ボックス 34">
                 <a:extLst>
                   <a:ext uri="{FF2B5EF4-FFF2-40B4-BE49-F238E27FC236}">
-                    <a16:creationId xmlns:a16="http://schemas.microsoft.com/office/drawing/2014/main" id="{9DCF4832-4D0F-F4A3-72FC-9C3856FB0A2F}"/>
+                    <a16:creationId xmlns:a16="http://schemas.microsoft.com/office/drawing/2014/main" id="{35ECC1AB-6FB0-A795-8CDB-E4F01DDA185E}"/>
                   </a:ext>
                 </a:extLst>
               </p:cNvPr>
@@ -13855,7 +15116,7 @@
             </p:nvSpPr>
             <p:spPr>
               <a:xfrm>
-                <a:off x="3647728" y="4149080"/>
+                <a:off x="3359696" y="3897052"/>
                 <a:ext cx="734240" cy="569258"/>
               </a:xfrm>
               <a:prstGeom prst="rect">
@@ -13885,10 +15146,10 @@
       </mc:AlternateContent>
       <p:sp>
         <p:nvSpPr>
-          <p:cNvPr id="99" name="正方形/長方形 98">
-            <a:extLst>
-              <a:ext uri="{FF2B5EF4-FFF2-40B4-BE49-F238E27FC236}">
-                <a16:creationId xmlns:a16="http://schemas.microsoft.com/office/drawing/2014/main" id="{545551C3-6642-FF9E-2B09-F59A960A0132}"/>
+          <p:cNvPr id="36" name="正方形/長方形 35">
+            <a:extLst>
+              <a:ext uri="{FF2B5EF4-FFF2-40B4-BE49-F238E27FC236}">
+                <a16:creationId xmlns:a16="http://schemas.microsoft.com/office/drawing/2014/main" id="{637AF9E6-7092-CD65-EEE7-149F17E648BA}"/>
               </a:ext>
             </a:extLst>
           </p:cNvPr>
@@ -13897,7 +15158,7 @@
         </p:nvSpPr>
         <p:spPr>
           <a:xfrm>
-            <a:off x="4655840" y="4833156"/>
+            <a:off x="4367808" y="4581128"/>
             <a:ext cx="1440160" cy="1440160"/>
           </a:xfrm>
           <a:prstGeom prst="rect">
@@ -13937,10 +15198,10 @@
       </p:sp>
       <p:cxnSp>
         <p:nvCxnSpPr>
-          <p:cNvPr id="100" name="直線コネクタ 99">
-            <a:extLst>
-              <a:ext uri="{FF2B5EF4-FFF2-40B4-BE49-F238E27FC236}">
-                <a16:creationId xmlns:a16="http://schemas.microsoft.com/office/drawing/2014/main" id="{93868725-524E-88BF-C094-BEF573EB0912}"/>
+          <p:cNvPr id="37" name="直線コネクタ 36">
+            <a:extLst>
+              <a:ext uri="{FF2B5EF4-FFF2-40B4-BE49-F238E27FC236}">
+                <a16:creationId xmlns:a16="http://schemas.microsoft.com/office/drawing/2014/main" id="{5329AB31-DE04-F73A-3422-F332C05B1496}"/>
               </a:ext>
             </a:extLst>
           </p:cNvPr>
@@ -13951,7 +15212,7 @@
         </p:nvCxnSpPr>
         <p:spPr>
           <a:xfrm>
-            <a:off x="6816080" y="4113076"/>
+            <a:off x="6528048" y="3861048"/>
             <a:ext cx="0" cy="1440160"/>
           </a:xfrm>
           <a:prstGeom prst="line">
@@ -13982,10 +15243,10 @@
       </p:cxnSp>
       <p:cxnSp>
         <p:nvCxnSpPr>
-          <p:cNvPr id="101" name="直線コネクタ 100">
-            <a:extLst>
-              <a:ext uri="{FF2B5EF4-FFF2-40B4-BE49-F238E27FC236}">
-                <a16:creationId xmlns:a16="http://schemas.microsoft.com/office/drawing/2014/main" id="{DBAFEB0A-BFF2-6A47-8DE1-EE5CEE226B57}"/>
+          <p:cNvPr id="38" name="直線コネクタ 37">
+            <a:extLst>
+              <a:ext uri="{FF2B5EF4-FFF2-40B4-BE49-F238E27FC236}">
+                <a16:creationId xmlns:a16="http://schemas.microsoft.com/office/drawing/2014/main" id="{74765992-68E6-C4D7-D5D0-9845C82CB154}"/>
               </a:ext>
             </a:extLst>
           </p:cNvPr>
@@ -13996,7 +15257,7 @@
         </p:nvCxnSpPr>
         <p:spPr>
           <a:xfrm flipH="1">
-            <a:off x="5375920" y="4113076"/>
+            <a:off x="5087888" y="3861048"/>
             <a:ext cx="1440160" cy="0"/>
           </a:xfrm>
           <a:prstGeom prst="line">
@@ -14027,10 +15288,10 @@
       </p:cxnSp>
       <p:cxnSp>
         <p:nvCxnSpPr>
-          <p:cNvPr id="102" name="直線コネクタ 101">
-            <a:extLst>
-              <a:ext uri="{FF2B5EF4-FFF2-40B4-BE49-F238E27FC236}">
-                <a16:creationId xmlns:a16="http://schemas.microsoft.com/office/drawing/2014/main" id="{56C14AC8-115A-C7EC-8AEB-93C9F71E531D}"/>
+          <p:cNvPr id="39" name="直線コネクタ 38">
+            <a:extLst>
+              <a:ext uri="{FF2B5EF4-FFF2-40B4-BE49-F238E27FC236}">
+                <a16:creationId xmlns:a16="http://schemas.microsoft.com/office/drawing/2014/main" id="{10F4E857-B21D-9863-469D-71A484D8F1E2}"/>
               </a:ext>
             </a:extLst>
           </p:cNvPr>
@@ -14039,7 +15300,7 @@
         </p:nvCxnSpPr>
         <p:spPr>
           <a:xfrm flipH="1">
-            <a:off x="4655840" y="4113076"/>
+            <a:off x="4367808" y="3861048"/>
             <a:ext cx="720080" cy="720080"/>
           </a:xfrm>
           <a:prstGeom prst="line">
@@ -14070,10 +15331,10 @@
       </p:cxnSp>
       <p:cxnSp>
         <p:nvCxnSpPr>
-          <p:cNvPr id="103" name="直線コネクタ 102">
-            <a:extLst>
-              <a:ext uri="{FF2B5EF4-FFF2-40B4-BE49-F238E27FC236}">
-                <a16:creationId xmlns:a16="http://schemas.microsoft.com/office/drawing/2014/main" id="{612C2BF3-F5A9-50E0-0F0C-A200F56DB6CF}"/>
+          <p:cNvPr id="40" name="直線コネクタ 39">
+            <a:extLst>
+              <a:ext uri="{FF2B5EF4-FFF2-40B4-BE49-F238E27FC236}">
+                <a16:creationId xmlns:a16="http://schemas.microsoft.com/office/drawing/2014/main" id="{8F09C79A-A5E7-D08E-2A8B-4D65402F38B6}"/>
               </a:ext>
             </a:extLst>
           </p:cNvPr>
@@ -14082,7 +15343,7 @@
         </p:nvCxnSpPr>
         <p:spPr>
           <a:xfrm flipH="1">
-            <a:off x="6096000" y="4113076"/>
+            <a:off x="5807968" y="3861048"/>
             <a:ext cx="720080" cy="720080"/>
           </a:xfrm>
           <a:prstGeom prst="line">
@@ -14113,10 +15374,10 @@
       </p:cxnSp>
       <p:cxnSp>
         <p:nvCxnSpPr>
-          <p:cNvPr id="104" name="直線コネクタ 103">
-            <a:extLst>
-              <a:ext uri="{FF2B5EF4-FFF2-40B4-BE49-F238E27FC236}">
-                <a16:creationId xmlns:a16="http://schemas.microsoft.com/office/drawing/2014/main" id="{10E15365-0E04-AB84-42C3-E1C4F138FFAB}"/>
+          <p:cNvPr id="41" name="直線コネクタ 40">
+            <a:extLst>
+              <a:ext uri="{FF2B5EF4-FFF2-40B4-BE49-F238E27FC236}">
+                <a16:creationId xmlns:a16="http://schemas.microsoft.com/office/drawing/2014/main" id="{A1535C8D-F8DF-1BBD-8838-2796703EF229}"/>
               </a:ext>
             </a:extLst>
           </p:cNvPr>
@@ -14125,7 +15386,7 @@
         </p:nvCxnSpPr>
         <p:spPr>
           <a:xfrm flipH="1">
-            <a:off x="6096000" y="5553236"/>
+            <a:off x="5807968" y="5301208"/>
             <a:ext cx="720080" cy="720080"/>
           </a:xfrm>
           <a:prstGeom prst="line">
@@ -14156,10 +15417,10 @@
       </p:cxnSp>
       <p:sp>
         <p:nvSpPr>
-          <p:cNvPr id="105" name="楕円 104">
-            <a:extLst>
-              <a:ext uri="{FF2B5EF4-FFF2-40B4-BE49-F238E27FC236}">
-                <a16:creationId xmlns:a16="http://schemas.microsoft.com/office/drawing/2014/main" id="{12B8D334-61C0-38F7-FF51-77F2DDE5CDD9}"/>
+          <p:cNvPr id="42" name="楕円 41">
+            <a:extLst>
+              <a:ext uri="{FF2B5EF4-FFF2-40B4-BE49-F238E27FC236}">
+                <a16:creationId xmlns:a16="http://schemas.microsoft.com/office/drawing/2014/main" id="{5C5B8CD2-8635-C6D5-18CB-CD5BD39A817A}"/>
               </a:ext>
             </a:extLst>
           </p:cNvPr>
@@ -14168,8 +15429,8 @@
         </p:nvSpPr>
         <p:spPr>
           <a:xfrm>
-            <a:off x="6168008" y="4977172"/>
-            <a:ext cx="216024" cy="288032"/>
+            <a:off x="4511824" y="4725144"/>
+            <a:ext cx="432048" cy="432048"/>
           </a:xfrm>
           <a:prstGeom prst="ellipse">
             <a:avLst/>
@@ -14208,10 +15469,10 @@
       </p:sp>
       <p:sp>
         <p:nvSpPr>
-          <p:cNvPr id="106" name="楕円 105">
-            <a:extLst>
-              <a:ext uri="{FF2B5EF4-FFF2-40B4-BE49-F238E27FC236}">
-                <a16:creationId xmlns:a16="http://schemas.microsoft.com/office/drawing/2014/main" id="{6DB1309D-387E-A3A9-F697-7E195CFD3CCC}"/>
+          <p:cNvPr id="43" name="楕円 42">
+            <a:extLst>
+              <a:ext uri="{FF2B5EF4-FFF2-40B4-BE49-F238E27FC236}">
+                <a16:creationId xmlns:a16="http://schemas.microsoft.com/office/drawing/2014/main" id="{D2FA51A6-9CBA-F551-9D77-AB9B3D8103BD}"/>
               </a:ext>
             </a:extLst>
           </p:cNvPr>
@@ -14220,528 +15481,8 @@
         </p:nvSpPr>
         <p:spPr>
           <a:xfrm>
-            <a:off x="6168008" y="5625244"/>
-            <a:ext cx="216024" cy="288032"/>
-          </a:xfrm>
-          <a:prstGeom prst="ellipse">
-            <a:avLst/>
-          </a:prstGeom>
-          <a:solidFill>
-            <a:schemeClr val="tx1"/>
-          </a:solidFill>
-          <a:ln>
-            <a:noFill/>
-          </a:ln>
-        </p:spPr>
-        <p:style>
-          <a:lnRef idx="2">
-            <a:schemeClr val="accent1">
-              <a:shade val="50000"/>
-            </a:schemeClr>
-          </a:lnRef>
-          <a:fillRef idx="1">
-            <a:schemeClr val="accent1"/>
-          </a:fillRef>
-          <a:effectRef idx="0">
-            <a:schemeClr val="accent1"/>
-          </a:effectRef>
-          <a:fontRef idx="minor">
-            <a:schemeClr val="lt1"/>
-          </a:fontRef>
-        </p:style>
-        <p:txBody>
-          <a:bodyPr rtlCol="0" anchor="ctr"/>
-          <a:lstStyle/>
-          <a:p>
-            <a:pPr algn="ctr"/>
-            <a:endParaRPr kumimoji="1" lang="ja-JP" altLang="en-US"/>
-          </a:p>
-        </p:txBody>
-      </p:sp>
-      <p:sp>
-        <p:nvSpPr>
-          <p:cNvPr id="107" name="楕円 106">
-            <a:extLst>
-              <a:ext uri="{FF2B5EF4-FFF2-40B4-BE49-F238E27FC236}">
-                <a16:creationId xmlns:a16="http://schemas.microsoft.com/office/drawing/2014/main" id="{227EDAA6-C776-62CA-700F-3FA24CE04843}"/>
-              </a:ext>
-            </a:extLst>
-          </p:cNvPr>
-          <p:cNvSpPr/>
-          <p:nvPr/>
-        </p:nvSpPr>
-        <p:spPr>
-          <a:xfrm>
-            <a:off x="6528048" y="4545124"/>
-            <a:ext cx="216024" cy="288032"/>
-          </a:xfrm>
-          <a:prstGeom prst="ellipse">
-            <a:avLst/>
-          </a:prstGeom>
-          <a:solidFill>
-            <a:schemeClr val="tx1"/>
-          </a:solidFill>
-          <a:ln>
-            <a:noFill/>
-          </a:ln>
-        </p:spPr>
-        <p:style>
-          <a:lnRef idx="2">
-            <a:schemeClr val="accent1">
-              <a:shade val="50000"/>
-            </a:schemeClr>
-          </a:lnRef>
-          <a:fillRef idx="1">
-            <a:schemeClr val="accent1"/>
-          </a:fillRef>
-          <a:effectRef idx="0">
-            <a:schemeClr val="accent1"/>
-          </a:effectRef>
-          <a:fontRef idx="minor">
-            <a:schemeClr val="lt1"/>
-          </a:fontRef>
-        </p:style>
-        <p:txBody>
-          <a:bodyPr rtlCol="0" anchor="ctr"/>
-          <a:lstStyle/>
-          <a:p>
-            <a:pPr algn="ctr"/>
-            <a:endParaRPr kumimoji="1" lang="ja-JP" altLang="en-US"/>
-          </a:p>
-        </p:txBody>
-      </p:sp>
-      <p:sp>
-        <p:nvSpPr>
-          <p:cNvPr id="108" name="楕円 107">
-            <a:extLst>
-              <a:ext uri="{FF2B5EF4-FFF2-40B4-BE49-F238E27FC236}">
-                <a16:creationId xmlns:a16="http://schemas.microsoft.com/office/drawing/2014/main" id="{91B40FA3-B3F4-7DCD-28E7-D1C069A897ED}"/>
-              </a:ext>
-            </a:extLst>
-          </p:cNvPr>
-          <p:cNvSpPr/>
-          <p:nvPr/>
-        </p:nvSpPr>
-        <p:spPr>
-          <a:xfrm>
-            <a:off x="6528048" y="5193196"/>
-            <a:ext cx="216024" cy="288032"/>
-          </a:xfrm>
-          <a:prstGeom prst="ellipse">
-            <a:avLst/>
-          </a:prstGeom>
-          <a:solidFill>
-            <a:schemeClr val="tx1"/>
-          </a:solidFill>
-          <a:ln>
-            <a:noFill/>
-          </a:ln>
-        </p:spPr>
-        <p:style>
-          <a:lnRef idx="2">
-            <a:schemeClr val="accent1">
-              <a:shade val="50000"/>
-            </a:schemeClr>
-          </a:lnRef>
-          <a:fillRef idx="1">
-            <a:schemeClr val="accent1"/>
-          </a:fillRef>
-          <a:effectRef idx="0">
-            <a:schemeClr val="accent1"/>
-          </a:effectRef>
-          <a:fontRef idx="minor">
-            <a:schemeClr val="lt1"/>
-          </a:fontRef>
-        </p:style>
-        <p:txBody>
-          <a:bodyPr rtlCol="0" anchor="ctr"/>
-          <a:lstStyle/>
-          <a:p>
-            <a:pPr algn="ctr"/>
-            <a:endParaRPr kumimoji="1" lang="ja-JP" altLang="en-US"/>
-          </a:p>
-        </p:txBody>
-      </p:sp>
-      <p:sp>
-        <p:nvSpPr>
-          <p:cNvPr id="109" name="楕円 108">
-            <a:extLst>
-              <a:ext uri="{FF2B5EF4-FFF2-40B4-BE49-F238E27FC236}">
-                <a16:creationId xmlns:a16="http://schemas.microsoft.com/office/drawing/2014/main" id="{1F96466C-A76C-D8E4-D519-21BFB36A400F}"/>
-              </a:ext>
-            </a:extLst>
-          </p:cNvPr>
-          <p:cNvSpPr/>
-          <p:nvPr/>
-        </p:nvSpPr>
-        <p:spPr>
-          <a:xfrm>
-            <a:off x="4799856" y="4977172"/>
+            <a:off x="5231904" y="5445224"/>
             <a:ext cx="432048" cy="432048"/>
-          </a:xfrm>
-          <a:prstGeom prst="ellipse">
-            <a:avLst/>
-          </a:prstGeom>
-          <a:solidFill>
-            <a:schemeClr val="tx1"/>
-          </a:solidFill>
-          <a:ln>
-            <a:noFill/>
-          </a:ln>
-        </p:spPr>
-        <p:style>
-          <a:lnRef idx="2">
-            <a:schemeClr val="accent1">
-              <a:shade val="50000"/>
-            </a:schemeClr>
-          </a:lnRef>
-          <a:fillRef idx="1">
-            <a:schemeClr val="accent1"/>
-          </a:fillRef>
-          <a:effectRef idx="0">
-            <a:schemeClr val="accent1"/>
-          </a:effectRef>
-          <a:fontRef idx="minor">
-            <a:schemeClr val="lt1"/>
-          </a:fontRef>
-        </p:style>
-        <p:txBody>
-          <a:bodyPr rtlCol="0" anchor="ctr"/>
-          <a:lstStyle/>
-          <a:p>
-            <a:pPr algn="ctr"/>
-            <a:endParaRPr kumimoji="1" lang="ja-JP" altLang="en-US"/>
-          </a:p>
-        </p:txBody>
-      </p:sp>
-      <p:sp>
-        <p:nvSpPr>
-          <p:cNvPr id="110" name="楕円 109">
-            <a:extLst>
-              <a:ext uri="{FF2B5EF4-FFF2-40B4-BE49-F238E27FC236}">
-                <a16:creationId xmlns:a16="http://schemas.microsoft.com/office/drawing/2014/main" id="{3029D482-25BE-0204-ADB2-26D437B0BE54}"/>
-              </a:ext>
-            </a:extLst>
-          </p:cNvPr>
-          <p:cNvSpPr/>
-          <p:nvPr/>
-        </p:nvSpPr>
-        <p:spPr>
-          <a:xfrm>
-            <a:off x="5519936" y="5697252"/>
-            <a:ext cx="432048" cy="432048"/>
-          </a:xfrm>
-          <a:prstGeom prst="ellipse">
-            <a:avLst/>
-          </a:prstGeom>
-          <a:solidFill>
-            <a:schemeClr val="tx1"/>
-          </a:solidFill>
-          <a:ln>
-            <a:noFill/>
-          </a:ln>
-        </p:spPr>
-        <p:style>
-          <a:lnRef idx="2">
-            <a:schemeClr val="accent1">
-              <a:shade val="50000"/>
-            </a:schemeClr>
-          </a:lnRef>
-          <a:fillRef idx="1">
-            <a:schemeClr val="accent1"/>
-          </a:fillRef>
-          <a:effectRef idx="0">
-            <a:schemeClr val="accent1"/>
-          </a:effectRef>
-          <a:fontRef idx="minor">
-            <a:schemeClr val="lt1"/>
-          </a:fontRef>
-        </p:style>
-        <p:txBody>
-          <a:bodyPr rtlCol="0" anchor="ctr"/>
-          <a:lstStyle/>
-          <a:p>
-            <a:pPr algn="ctr"/>
-            <a:endParaRPr kumimoji="1" lang="ja-JP" altLang="en-US"/>
-          </a:p>
-        </p:txBody>
-      </p:sp>
-      <p:sp>
-        <p:nvSpPr>
-          <p:cNvPr id="111" name="楕円 110">
-            <a:extLst>
-              <a:ext uri="{FF2B5EF4-FFF2-40B4-BE49-F238E27FC236}">
-                <a16:creationId xmlns:a16="http://schemas.microsoft.com/office/drawing/2014/main" id="{0AAEFC15-2FE2-1ECE-687C-8D199C5BDC60}"/>
-              </a:ext>
-            </a:extLst>
-          </p:cNvPr>
-          <p:cNvSpPr/>
-          <p:nvPr/>
-        </p:nvSpPr>
-        <p:spPr>
-          <a:xfrm>
-            <a:off x="5447928" y="4221088"/>
-            <a:ext cx="288032" cy="144016"/>
-          </a:xfrm>
-          <a:prstGeom prst="ellipse">
-            <a:avLst/>
-          </a:prstGeom>
-          <a:solidFill>
-            <a:schemeClr val="tx1"/>
-          </a:solidFill>
-          <a:ln>
-            <a:noFill/>
-          </a:ln>
-        </p:spPr>
-        <p:style>
-          <a:lnRef idx="2">
-            <a:schemeClr val="accent1">
-              <a:shade val="50000"/>
-            </a:schemeClr>
-          </a:lnRef>
-          <a:fillRef idx="1">
-            <a:schemeClr val="accent1"/>
-          </a:fillRef>
-          <a:effectRef idx="0">
-            <a:schemeClr val="accent1"/>
-          </a:effectRef>
-          <a:fontRef idx="minor">
-            <a:schemeClr val="lt1"/>
-          </a:fontRef>
-        </p:style>
-        <p:txBody>
-          <a:bodyPr rtlCol="0" anchor="ctr"/>
-          <a:lstStyle/>
-          <a:p>
-            <a:pPr algn="ctr"/>
-            <a:endParaRPr kumimoji="1" lang="ja-JP" altLang="en-US"/>
-          </a:p>
-        </p:txBody>
-      </p:sp>
-      <p:sp>
-        <p:nvSpPr>
-          <p:cNvPr id="112" name="楕円 111">
-            <a:extLst>
-              <a:ext uri="{FF2B5EF4-FFF2-40B4-BE49-F238E27FC236}">
-                <a16:creationId xmlns:a16="http://schemas.microsoft.com/office/drawing/2014/main" id="{F78D1317-CF9A-66E8-CCA4-4425ED93EB00}"/>
-              </a:ext>
-            </a:extLst>
-          </p:cNvPr>
-          <p:cNvSpPr/>
-          <p:nvPr/>
-        </p:nvSpPr>
-        <p:spPr>
-          <a:xfrm>
-            <a:off x="5231904" y="4401108"/>
-            <a:ext cx="288032" cy="144016"/>
-          </a:xfrm>
-          <a:prstGeom prst="ellipse">
-            <a:avLst/>
-          </a:prstGeom>
-          <a:solidFill>
-            <a:schemeClr val="tx1"/>
-          </a:solidFill>
-          <a:ln>
-            <a:noFill/>
-          </a:ln>
-        </p:spPr>
-        <p:style>
-          <a:lnRef idx="2">
-            <a:schemeClr val="accent1">
-              <a:shade val="50000"/>
-            </a:schemeClr>
-          </a:lnRef>
-          <a:fillRef idx="1">
-            <a:schemeClr val="accent1"/>
-          </a:fillRef>
-          <a:effectRef idx="0">
-            <a:schemeClr val="accent1"/>
-          </a:effectRef>
-          <a:fontRef idx="minor">
-            <a:schemeClr val="lt1"/>
-          </a:fontRef>
-        </p:style>
-        <p:txBody>
-          <a:bodyPr rtlCol="0" anchor="ctr"/>
-          <a:lstStyle/>
-          <a:p>
-            <a:pPr algn="ctr"/>
-            <a:endParaRPr kumimoji="1" lang="ja-JP" altLang="en-US"/>
-          </a:p>
-        </p:txBody>
-      </p:sp>
-      <p:sp>
-        <p:nvSpPr>
-          <p:cNvPr id="113" name="楕円 112">
-            <a:extLst>
-              <a:ext uri="{FF2B5EF4-FFF2-40B4-BE49-F238E27FC236}">
-                <a16:creationId xmlns:a16="http://schemas.microsoft.com/office/drawing/2014/main" id="{8940C4BD-2EFA-8624-CFA4-FF0357DEB491}"/>
-              </a:ext>
-            </a:extLst>
-          </p:cNvPr>
-          <p:cNvSpPr/>
-          <p:nvPr/>
-        </p:nvSpPr>
-        <p:spPr>
-          <a:xfrm>
-            <a:off x="5015880" y="4581128"/>
-            <a:ext cx="288032" cy="144016"/>
-          </a:xfrm>
-          <a:prstGeom prst="ellipse">
-            <a:avLst/>
-          </a:prstGeom>
-          <a:solidFill>
-            <a:schemeClr val="tx1"/>
-          </a:solidFill>
-          <a:ln>
-            <a:noFill/>
-          </a:ln>
-        </p:spPr>
-        <p:style>
-          <a:lnRef idx="2">
-            <a:schemeClr val="accent1">
-              <a:shade val="50000"/>
-            </a:schemeClr>
-          </a:lnRef>
-          <a:fillRef idx="1">
-            <a:schemeClr val="accent1"/>
-          </a:fillRef>
-          <a:effectRef idx="0">
-            <a:schemeClr val="accent1"/>
-          </a:effectRef>
-          <a:fontRef idx="minor">
-            <a:schemeClr val="lt1"/>
-          </a:fontRef>
-        </p:style>
-        <p:txBody>
-          <a:bodyPr rtlCol="0" anchor="ctr"/>
-          <a:lstStyle/>
-          <a:p>
-            <a:pPr algn="ctr"/>
-            <a:endParaRPr kumimoji="1" lang="ja-JP" altLang="en-US"/>
-          </a:p>
-        </p:txBody>
-      </p:sp>
-      <p:sp>
-        <p:nvSpPr>
-          <p:cNvPr id="114" name="楕円 113">
-            <a:extLst>
-              <a:ext uri="{FF2B5EF4-FFF2-40B4-BE49-F238E27FC236}">
-                <a16:creationId xmlns:a16="http://schemas.microsoft.com/office/drawing/2014/main" id="{A9E05521-2361-0533-4688-A72C295DDE5C}"/>
-              </a:ext>
-            </a:extLst>
-          </p:cNvPr>
-          <p:cNvSpPr/>
-          <p:nvPr/>
-        </p:nvSpPr>
-        <p:spPr>
-          <a:xfrm>
-            <a:off x="6168008" y="4221088"/>
-            <a:ext cx="288032" cy="144016"/>
-          </a:xfrm>
-          <a:prstGeom prst="ellipse">
-            <a:avLst/>
-          </a:prstGeom>
-          <a:solidFill>
-            <a:schemeClr val="tx1"/>
-          </a:solidFill>
-          <a:ln>
-            <a:noFill/>
-          </a:ln>
-        </p:spPr>
-        <p:style>
-          <a:lnRef idx="2">
-            <a:schemeClr val="accent1">
-              <a:shade val="50000"/>
-            </a:schemeClr>
-          </a:lnRef>
-          <a:fillRef idx="1">
-            <a:schemeClr val="accent1"/>
-          </a:fillRef>
-          <a:effectRef idx="0">
-            <a:schemeClr val="accent1"/>
-          </a:effectRef>
-          <a:fontRef idx="minor">
-            <a:schemeClr val="lt1"/>
-          </a:fontRef>
-        </p:style>
-        <p:txBody>
-          <a:bodyPr rtlCol="0" anchor="ctr"/>
-          <a:lstStyle/>
-          <a:p>
-            <a:pPr algn="ctr"/>
-            <a:endParaRPr kumimoji="1" lang="ja-JP" altLang="en-US"/>
-          </a:p>
-        </p:txBody>
-      </p:sp>
-      <p:sp>
-        <p:nvSpPr>
-          <p:cNvPr id="115" name="楕円 114">
-            <a:extLst>
-              <a:ext uri="{FF2B5EF4-FFF2-40B4-BE49-F238E27FC236}">
-                <a16:creationId xmlns:a16="http://schemas.microsoft.com/office/drawing/2014/main" id="{89C9C96A-0493-DB6F-6744-E4A73287559F}"/>
-              </a:ext>
-            </a:extLst>
-          </p:cNvPr>
-          <p:cNvSpPr/>
-          <p:nvPr/>
-        </p:nvSpPr>
-        <p:spPr>
-          <a:xfrm>
-            <a:off x="5951984" y="4401108"/>
-            <a:ext cx="288032" cy="144016"/>
-          </a:xfrm>
-          <a:prstGeom prst="ellipse">
-            <a:avLst/>
-          </a:prstGeom>
-          <a:solidFill>
-            <a:schemeClr val="tx1"/>
-          </a:solidFill>
-          <a:ln>
-            <a:noFill/>
-          </a:ln>
-        </p:spPr>
-        <p:style>
-          <a:lnRef idx="2">
-            <a:schemeClr val="accent1">
-              <a:shade val="50000"/>
-            </a:schemeClr>
-          </a:lnRef>
-          <a:fillRef idx="1">
-            <a:schemeClr val="accent1"/>
-          </a:fillRef>
-          <a:effectRef idx="0">
-            <a:schemeClr val="accent1"/>
-          </a:effectRef>
-          <a:fontRef idx="minor">
-            <a:schemeClr val="lt1"/>
-          </a:fontRef>
-        </p:style>
-        <p:txBody>
-          <a:bodyPr rtlCol="0" anchor="ctr"/>
-          <a:lstStyle/>
-          <a:p>
-            <a:pPr algn="ctr"/>
-            <a:endParaRPr kumimoji="1" lang="ja-JP" altLang="en-US"/>
-          </a:p>
-        </p:txBody>
-      </p:sp>
-      <p:sp>
-        <p:nvSpPr>
-          <p:cNvPr id="116" name="楕円 115">
-            <a:extLst>
-              <a:ext uri="{FF2B5EF4-FFF2-40B4-BE49-F238E27FC236}">
-                <a16:creationId xmlns:a16="http://schemas.microsoft.com/office/drawing/2014/main" id="{6E2DB9C2-6B50-A7D6-C1E5-7CC2E2271165}"/>
-              </a:ext>
-            </a:extLst>
-          </p:cNvPr>
-          <p:cNvSpPr/>
-          <p:nvPr/>
-        </p:nvSpPr>
-        <p:spPr>
-          <a:xfrm>
-            <a:off x="5735960" y="4581128"/>
-            <a:ext cx="288032" cy="144016"/>
           </a:xfrm>
           <a:prstGeom prst="ellipse">
             <a:avLst/>
@@ -14782,10 +15523,10 @@
         <mc:Choice xmlns:a14="http://schemas.microsoft.com/office/drawing/2010/main" Requires="a14">
           <p:sp>
             <p:nvSpPr>
-              <p:cNvPr id="117" name="テキスト ボックス 116">
+              <p:cNvPr id="44" name="テキスト ボックス 43">
                 <a:extLst>
                   <a:ext uri="{FF2B5EF4-FFF2-40B4-BE49-F238E27FC236}">
-                    <a16:creationId xmlns:a16="http://schemas.microsoft.com/office/drawing/2014/main" id="{46EF241E-3135-F7B7-8851-D269AF0156C3}"/>
+                    <a16:creationId xmlns:a16="http://schemas.microsoft.com/office/drawing/2014/main" id="{8C9FB5F0-5F81-39FF-4DFA-9FE980A278B3}"/>
                   </a:ext>
                 </a:extLst>
               </p:cNvPr>
@@ -14794,8 +15535,8 @@
             </p:nvSpPr>
             <p:spPr>
               <a:xfrm>
-                <a:off x="4295800" y="3068960"/>
-                <a:ext cx="2363339" cy="695640"/>
+                <a:off x="3863752" y="2564904"/>
+                <a:ext cx="3630674" cy="695640"/>
               </a:xfrm>
               <a:prstGeom prst="rect">
                 <a:avLst/>
@@ -14808,12 +15549,43 @@
               </a:bodyPr>
               <a:lstStyle/>
               <a:p>
+                <a:pPr/>
                 <a14:m>
                   <m:oMathPara xmlns:m="http://schemas.openxmlformats.org/officeDocument/2006/math">
                     <m:oMathParaPr>
                       <m:jc m:val="centerGroup"/>
                     </m:oMathParaPr>
                     <m:oMath xmlns:m="http://schemas.openxmlformats.org/officeDocument/2006/math">
+                      <m:r>
+                        <a:rPr kumimoji="1" lang="en-US" altLang="ja-JP" sz="4400" i="1">
+                          <a:latin typeface="Cambria Math" panose="02040503050406030204" pitchFamily="18" charset="0"/>
+                        </a:rPr>
+                        <m:t>(−</m:t>
+                      </m:r>
+                      <m:acc>
+                        <m:accPr>
+                          <m:chr m:val="̂"/>
+                          <m:ctrlPr>
+                            <a:rPr kumimoji="1" lang="en-US" altLang="ja-JP" sz="4400" i="1">
+                              <a:latin typeface="Cambria Math" panose="02040503050406030204" pitchFamily="18" charset="0"/>
+                            </a:rPr>
+                          </m:ctrlPr>
+                        </m:accPr>
+                        <m:e>
+                          <m:r>
+                            <a:rPr kumimoji="1" lang="en-US" altLang="ja-JP" sz="4400" i="1">
+                              <a:latin typeface="Cambria Math" panose="02040503050406030204" pitchFamily="18" charset="0"/>
+                            </a:rPr>
+                            <m:t>𝑋</m:t>
+                          </m:r>
+                        </m:e>
+                      </m:acc>
+                      <m:r>
+                        <a:rPr kumimoji="1" lang="en-US" altLang="ja-JP" sz="4400" i="1">
+                          <a:latin typeface="Cambria Math" panose="02040503050406030204" pitchFamily="18" charset="0"/>
+                        </a:rPr>
+                        <m:t>)</m:t>
+                      </m:r>
                       <m:acc>
                         <m:accPr>
                           <m:chr m:val="̂"/>
@@ -14885,10 +15657,10 @@
         <mc:Fallback>
           <p:sp>
             <p:nvSpPr>
-              <p:cNvPr id="117" name="テキスト ボックス 116">
+              <p:cNvPr id="44" name="テキスト ボックス 43">
                 <a:extLst>
                   <a:ext uri="{FF2B5EF4-FFF2-40B4-BE49-F238E27FC236}">
-                    <a16:creationId xmlns:a16="http://schemas.microsoft.com/office/drawing/2014/main" id="{46EF241E-3135-F7B7-8851-D269AF0156C3}"/>
+                    <a16:creationId xmlns:a16="http://schemas.microsoft.com/office/drawing/2014/main" id="{8C9FB5F0-5F81-39FF-4DFA-9FE980A278B3}"/>
                   </a:ext>
                 </a:extLst>
               </p:cNvPr>
@@ -14899,8 +15671,8 @@
             </p:nvSpPr>
             <p:spPr>
               <a:xfrm>
-                <a:off x="4295800" y="3068960"/>
-                <a:ext cx="2363339" cy="695640"/>
+                <a:off x="3863752" y="2564904"/>
+                <a:ext cx="3630674" cy="695640"/>
               </a:xfrm>
               <a:prstGeom prst="rect">
                 <a:avLst/>
@@ -14929,10 +15701,10 @@
       </mc:AlternateContent>
       <p:sp>
         <p:nvSpPr>
-          <p:cNvPr id="118" name="矢印: 右 117">
-            <a:extLst>
-              <a:ext uri="{FF2B5EF4-FFF2-40B4-BE49-F238E27FC236}">
-                <a16:creationId xmlns:a16="http://schemas.microsoft.com/office/drawing/2014/main" id="{44B2B241-74CE-3366-E277-ED632F2E7043}"/>
+          <p:cNvPr id="45" name="矢印: 右 44">
+            <a:extLst>
+              <a:ext uri="{FF2B5EF4-FFF2-40B4-BE49-F238E27FC236}">
+                <a16:creationId xmlns:a16="http://schemas.microsoft.com/office/drawing/2014/main" id="{0CA68ECB-7036-2C62-6248-24380DC414E0}"/>
               </a:ext>
             </a:extLst>
           </p:cNvPr>
@@ -14941,7 +15713,7 @@
         </p:nvSpPr>
         <p:spPr>
           <a:xfrm>
-            <a:off x="3647728" y="1844824"/>
+            <a:off x="3431704" y="5337212"/>
             <a:ext cx="576064" cy="360040"/>
           </a:xfrm>
           <a:prstGeom prst="rightArrow">
@@ -14983,10 +15755,10 @@
       </p:sp>
       <p:sp>
         <p:nvSpPr>
-          <p:cNvPr id="119" name="矢印: 右 118">
-            <a:extLst>
-              <a:ext uri="{FF2B5EF4-FFF2-40B4-BE49-F238E27FC236}">
-                <a16:creationId xmlns:a16="http://schemas.microsoft.com/office/drawing/2014/main" id="{20E4365A-9794-DEA1-5ABA-4EEFC346A00A}"/>
+          <p:cNvPr id="46" name="楕円 45">
+            <a:extLst>
+              <a:ext uri="{FF2B5EF4-FFF2-40B4-BE49-F238E27FC236}">
+                <a16:creationId xmlns:a16="http://schemas.microsoft.com/office/drawing/2014/main" id="{7FF85D0E-BA0A-C8EB-9BF4-A9ADACBF8F3A}"/>
               </a:ext>
             </a:extLst>
           </p:cNvPr>
@@ -14995,19 +15767,17 @@
         </p:nvSpPr>
         <p:spPr>
           <a:xfrm>
-            <a:off x="7320136" y="1772816"/>
-            <a:ext cx="576064" cy="360040"/>
-          </a:xfrm>
-          <a:prstGeom prst="rightArrow">
+            <a:off x="5879976" y="5337212"/>
+            <a:ext cx="216024" cy="288032"/>
+          </a:xfrm>
+          <a:prstGeom prst="ellipse">
             <a:avLst/>
           </a:prstGeom>
           <a:solidFill>
-            <a:srgbClr val="FF0000"/>
+            <a:schemeClr val="tx1"/>
           </a:solidFill>
           <a:ln>
-            <a:solidFill>
-              <a:schemeClr val="tx1"/>
-            </a:solidFill>
+            <a:noFill/>
           </a:ln>
         </p:spPr>
         <p:style>
@@ -15037,10 +15807,2773 @@
       </p:sp>
       <p:sp>
         <p:nvSpPr>
-          <p:cNvPr id="120" name="矢印: 右 119">
-            <a:extLst>
-              <a:ext uri="{FF2B5EF4-FFF2-40B4-BE49-F238E27FC236}">
-                <a16:creationId xmlns:a16="http://schemas.microsoft.com/office/drawing/2014/main" id="{E8BBDC0E-7485-AD1B-95B6-6FBE9D04C8CD}"/>
+          <p:cNvPr id="47" name="楕円 46">
+            <a:extLst>
+              <a:ext uri="{FF2B5EF4-FFF2-40B4-BE49-F238E27FC236}">
+                <a16:creationId xmlns:a16="http://schemas.microsoft.com/office/drawing/2014/main" id="{355F6111-F9F7-7BBD-BBB4-43BF516839EA}"/>
+              </a:ext>
+            </a:extLst>
+          </p:cNvPr>
+          <p:cNvSpPr/>
+          <p:nvPr/>
+        </p:nvSpPr>
+        <p:spPr>
+          <a:xfrm>
+            <a:off x="6096000" y="5121188"/>
+            <a:ext cx="216024" cy="288032"/>
+          </a:xfrm>
+          <a:prstGeom prst="ellipse">
+            <a:avLst/>
+          </a:prstGeom>
+          <a:solidFill>
+            <a:schemeClr val="tx1"/>
+          </a:solidFill>
+          <a:ln>
+            <a:noFill/>
+          </a:ln>
+        </p:spPr>
+        <p:style>
+          <a:lnRef idx="2">
+            <a:schemeClr val="accent1">
+              <a:shade val="50000"/>
+            </a:schemeClr>
+          </a:lnRef>
+          <a:fillRef idx="1">
+            <a:schemeClr val="accent1"/>
+          </a:fillRef>
+          <a:effectRef idx="0">
+            <a:schemeClr val="accent1"/>
+          </a:effectRef>
+          <a:fontRef idx="minor">
+            <a:schemeClr val="lt1"/>
+          </a:fontRef>
+        </p:style>
+        <p:txBody>
+          <a:bodyPr rtlCol="0" anchor="ctr"/>
+          <a:lstStyle/>
+          <a:p>
+            <a:pPr algn="ctr"/>
+            <a:endParaRPr kumimoji="1" lang="ja-JP" altLang="en-US"/>
+          </a:p>
+        </p:txBody>
+      </p:sp>
+      <p:sp>
+        <p:nvSpPr>
+          <p:cNvPr id="48" name="楕円 47">
+            <a:extLst>
+              <a:ext uri="{FF2B5EF4-FFF2-40B4-BE49-F238E27FC236}">
+                <a16:creationId xmlns:a16="http://schemas.microsoft.com/office/drawing/2014/main" id="{10AE9FBB-2026-F9A0-199C-14AF99077E3F}"/>
+              </a:ext>
+            </a:extLst>
+          </p:cNvPr>
+          <p:cNvSpPr/>
+          <p:nvPr/>
+        </p:nvSpPr>
+        <p:spPr>
+          <a:xfrm>
+            <a:off x="6312024" y="4905164"/>
+            <a:ext cx="216024" cy="288032"/>
+          </a:xfrm>
+          <a:prstGeom prst="ellipse">
+            <a:avLst/>
+          </a:prstGeom>
+          <a:solidFill>
+            <a:schemeClr val="tx1"/>
+          </a:solidFill>
+          <a:ln>
+            <a:noFill/>
+          </a:ln>
+        </p:spPr>
+        <p:style>
+          <a:lnRef idx="2">
+            <a:schemeClr val="accent1">
+              <a:shade val="50000"/>
+            </a:schemeClr>
+          </a:lnRef>
+          <a:fillRef idx="1">
+            <a:schemeClr val="accent1"/>
+          </a:fillRef>
+          <a:effectRef idx="0">
+            <a:schemeClr val="accent1"/>
+          </a:effectRef>
+          <a:fontRef idx="minor">
+            <a:schemeClr val="lt1"/>
+          </a:fontRef>
+        </p:style>
+        <p:txBody>
+          <a:bodyPr rtlCol="0" anchor="ctr"/>
+          <a:lstStyle/>
+          <a:p>
+            <a:pPr algn="ctr"/>
+            <a:endParaRPr kumimoji="1" lang="ja-JP" altLang="en-US"/>
+          </a:p>
+        </p:txBody>
+      </p:sp>
+      <p:sp>
+        <p:nvSpPr>
+          <p:cNvPr id="49" name="楕円 48">
+            <a:extLst>
+              <a:ext uri="{FF2B5EF4-FFF2-40B4-BE49-F238E27FC236}">
+                <a16:creationId xmlns:a16="http://schemas.microsoft.com/office/drawing/2014/main" id="{4A9563E6-4B2F-4503-C421-E49467CB8EE1}"/>
+              </a:ext>
+            </a:extLst>
+          </p:cNvPr>
+          <p:cNvSpPr/>
+          <p:nvPr/>
+        </p:nvSpPr>
+        <p:spPr>
+          <a:xfrm>
+            <a:off x="5879976" y="4617132"/>
+            <a:ext cx="216024" cy="288032"/>
+          </a:xfrm>
+          <a:prstGeom prst="ellipse">
+            <a:avLst/>
+          </a:prstGeom>
+          <a:solidFill>
+            <a:schemeClr val="tx1"/>
+          </a:solidFill>
+          <a:ln>
+            <a:noFill/>
+          </a:ln>
+        </p:spPr>
+        <p:style>
+          <a:lnRef idx="2">
+            <a:schemeClr val="accent1">
+              <a:shade val="50000"/>
+            </a:schemeClr>
+          </a:lnRef>
+          <a:fillRef idx="1">
+            <a:schemeClr val="accent1"/>
+          </a:fillRef>
+          <a:effectRef idx="0">
+            <a:schemeClr val="accent1"/>
+          </a:effectRef>
+          <a:fontRef idx="minor">
+            <a:schemeClr val="lt1"/>
+          </a:fontRef>
+        </p:style>
+        <p:txBody>
+          <a:bodyPr rtlCol="0" anchor="ctr"/>
+          <a:lstStyle/>
+          <a:p>
+            <a:pPr algn="ctr"/>
+            <a:endParaRPr kumimoji="1" lang="ja-JP" altLang="en-US"/>
+          </a:p>
+        </p:txBody>
+      </p:sp>
+      <p:sp>
+        <p:nvSpPr>
+          <p:cNvPr id="50" name="楕円 49">
+            <a:extLst>
+              <a:ext uri="{FF2B5EF4-FFF2-40B4-BE49-F238E27FC236}">
+                <a16:creationId xmlns:a16="http://schemas.microsoft.com/office/drawing/2014/main" id="{14A255ED-86EE-F070-0AC9-7757E7DF122C}"/>
+              </a:ext>
+            </a:extLst>
+          </p:cNvPr>
+          <p:cNvSpPr/>
+          <p:nvPr/>
+        </p:nvSpPr>
+        <p:spPr>
+          <a:xfrm>
+            <a:off x="6096000" y="4401108"/>
+            <a:ext cx="216024" cy="288032"/>
+          </a:xfrm>
+          <a:prstGeom prst="ellipse">
+            <a:avLst/>
+          </a:prstGeom>
+          <a:solidFill>
+            <a:schemeClr val="tx1"/>
+          </a:solidFill>
+          <a:ln>
+            <a:noFill/>
+          </a:ln>
+        </p:spPr>
+        <p:style>
+          <a:lnRef idx="2">
+            <a:schemeClr val="accent1">
+              <a:shade val="50000"/>
+            </a:schemeClr>
+          </a:lnRef>
+          <a:fillRef idx="1">
+            <a:schemeClr val="accent1"/>
+          </a:fillRef>
+          <a:effectRef idx="0">
+            <a:schemeClr val="accent1"/>
+          </a:effectRef>
+          <a:fontRef idx="minor">
+            <a:schemeClr val="lt1"/>
+          </a:fontRef>
+        </p:style>
+        <p:txBody>
+          <a:bodyPr rtlCol="0" anchor="ctr"/>
+          <a:lstStyle/>
+          <a:p>
+            <a:pPr algn="ctr"/>
+            <a:endParaRPr kumimoji="1" lang="ja-JP" altLang="en-US"/>
+          </a:p>
+        </p:txBody>
+      </p:sp>
+      <p:sp>
+        <p:nvSpPr>
+          <p:cNvPr id="51" name="楕円 50">
+            <a:extLst>
+              <a:ext uri="{FF2B5EF4-FFF2-40B4-BE49-F238E27FC236}">
+                <a16:creationId xmlns:a16="http://schemas.microsoft.com/office/drawing/2014/main" id="{54D94F85-BDB4-6AD6-1CDF-D376CAA2435A}"/>
+              </a:ext>
+            </a:extLst>
+          </p:cNvPr>
+          <p:cNvSpPr/>
+          <p:nvPr/>
+        </p:nvSpPr>
+        <p:spPr>
+          <a:xfrm>
+            <a:off x="6312024" y="4185084"/>
+            <a:ext cx="216024" cy="288032"/>
+          </a:xfrm>
+          <a:prstGeom prst="ellipse">
+            <a:avLst/>
+          </a:prstGeom>
+          <a:solidFill>
+            <a:schemeClr val="tx1"/>
+          </a:solidFill>
+          <a:ln>
+            <a:noFill/>
+          </a:ln>
+        </p:spPr>
+        <p:style>
+          <a:lnRef idx="2">
+            <a:schemeClr val="accent1">
+              <a:shade val="50000"/>
+            </a:schemeClr>
+          </a:lnRef>
+          <a:fillRef idx="1">
+            <a:schemeClr val="accent1"/>
+          </a:fillRef>
+          <a:effectRef idx="0">
+            <a:schemeClr val="accent1"/>
+          </a:effectRef>
+          <a:fontRef idx="minor">
+            <a:schemeClr val="lt1"/>
+          </a:fontRef>
+        </p:style>
+        <p:txBody>
+          <a:bodyPr rtlCol="0" anchor="ctr"/>
+          <a:lstStyle/>
+          <a:p>
+            <a:pPr algn="ctr"/>
+            <a:endParaRPr kumimoji="1" lang="ja-JP" altLang="en-US"/>
+          </a:p>
+        </p:txBody>
+      </p:sp>
+      <p:sp>
+        <p:nvSpPr>
+          <p:cNvPr id="52" name="楕円 51">
+            <a:extLst>
+              <a:ext uri="{FF2B5EF4-FFF2-40B4-BE49-F238E27FC236}">
+                <a16:creationId xmlns:a16="http://schemas.microsoft.com/office/drawing/2014/main" id="{B72E7091-6BE6-C456-855B-98A87A7D3D53}"/>
+              </a:ext>
+            </a:extLst>
+          </p:cNvPr>
+          <p:cNvSpPr/>
+          <p:nvPr/>
+        </p:nvSpPr>
+        <p:spPr>
+          <a:xfrm>
+            <a:off x="5591944" y="4329100"/>
+            <a:ext cx="288032" cy="216024"/>
+          </a:xfrm>
+          <a:prstGeom prst="ellipse">
+            <a:avLst/>
+          </a:prstGeom>
+          <a:solidFill>
+            <a:schemeClr val="tx1"/>
+          </a:solidFill>
+          <a:ln>
+            <a:noFill/>
+          </a:ln>
+        </p:spPr>
+        <p:style>
+          <a:lnRef idx="2">
+            <a:schemeClr val="accent1">
+              <a:shade val="50000"/>
+            </a:schemeClr>
+          </a:lnRef>
+          <a:fillRef idx="1">
+            <a:schemeClr val="accent1"/>
+          </a:fillRef>
+          <a:effectRef idx="0">
+            <a:schemeClr val="accent1"/>
+          </a:effectRef>
+          <a:fontRef idx="minor">
+            <a:schemeClr val="lt1"/>
+          </a:fontRef>
+        </p:style>
+        <p:txBody>
+          <a:bodyPr rtlCol="0" anchor="ctr"/>
+          <a:lstStyle/>
+          <a:p>
+            <a:pPr algn="ctr"/>
+            <a:endParaRPr kumimoji="1" lang="ja-JP" altLang="en-US"/>
+          </a:p>
+        </p:txBody>
+      </p:sp>
+      <p:sp>
+        <p:nvSpPr>
+          <p:cNvPr id="53" name="楕円 52">
+            <a:extLst>
+              <a:ext uri="{FF2B5EF4-FFF2-40B4-BE49-F238E27FC236}">
+                <a16:creationId xmlns:a16="http://schemas.microsoft.com/office/drawing/2014/main" id="{23E4D74E-574A-550F-646E-A49E228837B7}"/>
+              </a:ext>
+            </a:extLst>
+          </p:cNvPr>
+          <p:cNvSpPr/>
+          <p:nvPr/>
+        </p:nvSpPr>
+        <p:spPr>
+          <a:xfrm>
+            <a:off x="5303912" y="4113076"/>
+            <a:ext cx="288032" cy="216024"/>
+          </a:xfrm>
+          <a:prstGeom prst="ellipse">
+            <a:avLst/>
+          </a:prstGeom>
+          <a:solidFill>
+            <a:schemeClr val="tx1"/>
+          </a:solidFill>
+          <a:ln>
+            <a:noFill/>
+          </a:ln>
+        </p:spPr>
+        <p:style>
+          <a:lnRef idx="2">
+            <a:schemeClr val="accent1">
+              <a:shade val="50000"/>
+            </a:schemeClr>
+          </a:lnRef>
+          <a:fillRef idx="1">
+            <a:schemeClr val="accent1"/>
+          </a:fillRef>
+          <a:effectRef idx="0">
+            <a:schemeClr val="accent1"/>
+          </a:effectRef>
+          <a:fontRef idx="minor">
+            <a:schemeClr val="lt1"/>
+          </a:fontRef>
+        </p:style>
+        <p:txBody>
+          <a:bodyPr rtlCol="0" anchor="ctr"/>
+          <a:lstStyle/>
+          <a:p>
+            <a:pPr algn="ctr"/>
+            <a:endParaRPr kumimoji="1" lang="ja-JP" altLang="en-US"/>
+          </a:p>
+        </p:txBody>
+      </p:sp>
+      <p:sp>
+        <p:nvSpPr>
+          <p:cNvPr id="54" name="楕円 53">
+            <a:extLst>
+              <a:ext uri="{FF2B5EF4-FFF2-40B4-BE49-F238E27FC236}">
+                <a16:creationId xmlns:a16="http://schemas.microsoft.com/office/drawing/2014/main" id="{C45E9FB6-C23F-8D7B-ABCE-A58B7D25D9AB}"/>
+              </a:ext>
+            </a:extLst>
+          </p:cNvPr>
+          <p:cNvSpPr/>
+          <p:nvPr/>
+        </p:nvSpPr>
+        <p:spPr>
+          <a:xfrm>
+            <a:off x="5015880" y="3897052"/>
+            <a:ext cx="288032" cy="216024"/>
+          </a:xfrm>
+          <a:prstGeom prst="ellipse">
+            <a:avLst/>
+          </a:prstGeom>
+          <a:solidFill>
+            <a:schemeClr val="tx1"/>
+          </a:solidFill>
+          <a:ln>
+            <a:noFill/>
+          </a:ln>
+        </p:spPr>
+        <p:style>
+          <a:lnRef idx="2">
+            <a:schemeClr val="accent1">
+              <a:shade val="50000"/>
+            </a:schemeClr>
+          </a:lnRef>
+          <a:fillRef idx="1">
+            <a:schemeClr val="accent1"/>
+          </a:fillRef>
+          <a:effectRef idx="0">
+            <a:schemeClr val="accent1"/>
+          </a:effectRef>
+          <a:fontRef idx="minor">
+            <a:schemeClr val="lt1"/>
+          </a:fontRef>
+        </p:style>
+        <p:txBody>
+          <a:bodyPr rtlCol="0" anchor="ctr"/>
+          <a:lstStyle/>
+          <a:p>
+            <a:pPr algn="ctr"/>
+            <a:endParaRPr kumimoji="1" lang="ja-JP" altLang="en-US"/>
+          </a:p>
+        </p:txBody>
+      </p:sp>
+      <p:pic>
+        <p:nvPicPr>
+          <p:cNvPr id="56" name="図 55">
+            <a:extLst>
+              <a:ext uri="{FF2B5EF4-FFF2-40B4-BE49-F238E27FC236}">
+                <a16:creationId xmlns:a16="http://schemas.microsoft.com/office/drawing/2014/main" id="{D2BD8C13-1996-02FF-41DC-1A63F93C48DB}"/>
+              </a:ext>
+            </a:extLst>
+          </p:cNvPr>
+          <p:cNvPicPr>
+            <a:picLocks noChangeAspect="1"/>
+          </p:cNvPicPr>
+          <p:nvPr/>
+        </p:nvPicPr>
+        <p:blipFill>
+          <a:blip r:embed="rId12"/>
+          <a:stretch>
+            <a:fillRect/>
+          </a:stretch>
+        </p:blipFill>
+        <p:spPr>
+          <a:xfrm>
+            <a:off x="1199456" y="615241"/>
+            <a:ext cx="6623390" cy="1733639"/>
+          </a:xfrm>
+          <a:prstGeom prst="rect">
+            <a:avLst/>
+          </a:prstGeom>
+        </p:spPr>
+      </p:pic>
+      <p:pic>
+        <p:nvPicPr>
+          <p:cNvPr id="60" name="図 59">
+            <a:extLst>
+              <a:ext uri="{FF2B5EF4-FFF2-40B4-BE49-F238E27FC236}">
+                <a16:creationId xmlns:a16="http://schemas.microsoft.com/office/drawing/2014/main" id="{B0C749AB-C737-72C9-00AF-8488D3006E87}"/>
+              </a:ext>
+            </a:extLst>
+          </p:cNvPr>
+          <p:cNvPicPr>
+            <a:picLocks noChangeAspect="1"/>
+          </p:cNvPicPr>
+          <p:nvPr/>
+        </p:nvPicPr>
+        <p:blipFill>
+          <a:blip r:embed="rId13"/>
+          <a:stretch>
+            <a:fillRect/>
+          </a:stretch>
+        </p:blipFill>
+        <p:spPr>
+          <a:xfrm>
+            <a:off x="7464152" y="620688"/>
+            <a:ext cx="2387723" cy="1574881"/>
+          </a:xfrm>
+          <a:prstGeom prst="rect">
+            <a:avLst/>
+          </a:prstGeom>
+        </p:spPr>
+      </p:pic>
+    </p:spTree>
+    <p:extLst>
+      <p:ext uri="{BB962C8B-B14F-4D97-AF65-F5344CB8AC3E}">
+        <p14:creationId xmlns:p14="http://schemas.microsoft.com/office/powerpoint/2010/main" val="1173318113"/>
+      </p:ext>
+    </p:extLst>
+  </p:cSld>
+  <p:clrMapOvr>
+    <a:masterClrMapping/>
+  </p:clrMapOvr>
+</p:sld>
+</file>
+
+<file path=ppt/slides/slide6.xml><?xml version="1.0" encoding="utf-8"?>
+<p:sld xmlns:a="http://schemas.openxmlformats.org/drawingml/2006/main" xmlns:r="http://schemas.openxmlformats.org/officeDocument/2006/relationships" xmlns:p="http://schemas.openxmlformats.org/presentationml/2006/main">
+  <p:cSld>
+    <p:spTree>
+      <p:nvGrpSpPr>
+        <p:cNvPr id="1" name=""/>
+        <p:cNvGrpSpPr/>
+        <p:nvPr/>
+      </p:nvGrpSpPr>
+      <p:grpSpPr>
+        <a:xfrm>
+          <a:off x="0" y="0"/>
+          <a:ext cx="0" cy="0"/>
+          <a:chOff x="0" y="0"/>
+          <a:chExt cx="0" cy="0"/>
+        </a:xfrm>
+      </p:grpSpPr>
+      <p:grpSp>
+        <p:nvGrpSpPr>
+          <p:cNvPr id="2" name="グループ化 1">
+            <a:extLst>
+              <a:ext uri="{FF2B5EF4-FFF2-40B4-BE49-F238E27FC236}">
+                <a16:creationId xmlns:a16="http://schemas.microsoft.com/office/drawing/2014/main" id="{45071FCE-BE80-0EA6-3B8F-49ABFD16CF43}"/>
+              </a:ext>
+            </a:extLst>
+          </p:cNvPr>
+          <p:cNvGrpSpPr/>
+          <p:nvPr/>
+        </p:nvGrpSpPr>
+        <p:grpSpPr>
+          <a:xfrm>
+            <a:off x="8616280" y="3933056"/>
+            <a:ext cx="2484676" cy="2072206"/>
+            <a:chOff x="4727848" y="0"/>
+            <a:chExt cx="3934358" cy="3281232"/>
+          </a:xfrm>
+        </p:grpSpPr>
+        <p:cxnSp>
+          <p:nvCxnSpPr>
+            <p:cNvPr id="3" name="直線矢印コネクタ 2">
+              <a:extLst>
+                <a:ext uri="{FF2B5EF4-FFF2-40B4-BE49-F238E27FC236}">
+                  <a16:creationId xmlns:a16="http://schemas.microsoft.com/office/drawing/2014/main" id="{F40D5AC7-3D86-1362-1F01-94C10474F8BE}"/>
+                </a:ext>
+              </a:extLst>
+            </p:cNvPr>
+            <p:cNvCxnSpPr/>
+            <p:nvPr/>
+          </p:nvCxnSpPr>
+          <p:spPr>
+            <a:xfrm flipH="1">
+              <a:off x="5087888" y="1628800"/>
+              <a:ext cx="1368152" cy="1368152"/>
+            </a:xfrm>
+            <a:prstGeom prst="straightConnector1">
+              <a:avLst/>
+            </a:prstGeom>
+            <a:ln>
+              <a:solidFill>
+                <a:schemeClr val="tx1"/>
+              </a:solidFill>
+              <a:headEnd type="none" w="med" len="med"/>
+              <a:tailEnd type="triangle"/>
+            </a:ln>
+          </p:spPr>
+          <p:style>
+            <a:lnRef idx="1">
+              <a:schemeClr val="accent1"/>
+            </a:lnRef>
+            <a:fillRef idx="0">
+              <a:schemeClr val="accent1"/>
+            </a:fillRef>
+            <a:effectRef idx="0">
+              <a:schemeClr val="accent1"/>
+            </a:effectRef>
+            <a:fontRef idx="minor">
+              <a:schemeClr val="tx1"/>
+            </a:fontRef>
+          </p:style>
+        </p:cxnSp>
+        <p:cxnSp>
+          <p:nvCxnSpPr>
+            <p:cNvPr id="4" name="直線矢印コネクタ 3">
+              <a:extLst>
+                <a:ext uri="{FF2B5EF4-FFF2-40B4-BE49-F238E27FC236}">
+                  <a16:creationId xmlns:a16="http://schemas.microsoft.com/office/drawing/2014/main" id="{6CC6C4F6-02BD-AAFF-7BB8-A4952965C019}"/>
+                </a:ext>
+              </a:extLst>
+            </p:cNvPr>
+            <p:cNvCxnSpPr/>
+            <p:nvPr/>
+          </p:nvCxnSpPr>
+          <p:spPr>
+            <a:xfrm>
+              <a:off x="5663952" y="1988840"/>
+              <a:ext cx="2376264" cy="0"/>
+            </a:xfrm>
+            <a:prstGeom prst="straightConnector1">
+              <a:avLst/>
+            </a:prstGeom>
+            <a:ln>
+              <a:solidFill>
+                <a:schemeClr val="tx1"/>
+              </a:solidFill>
+              <a:headEnd type="none" w="med" len="med"/>
+              <a:tailEnd type="triangle"/>
+            </a:ln>
+          </p:spPr>
+          <p:style>
+            <a:lnRef idx="1">
+              <a:schemeClr val="accent1"/>
+            </a:lnRef>
+            <a:fillRef idx="0">
+              <a:schemeClr val="accent1"/>
+            </a:fillRef>
+            <a:effectRef idx="0">
+              <a:schemeClr val="accent1"/>
+            </a:effectRef>
+            <a:fontRef idx="minor">
+              <a:schemeClr val="tx1"/>
+            </a:fontRef>
+          </p:style>
+        </p:cxnSp>
+        <p:cxnSp>
+          <p:nvCxnSpPr>
+            <p:cNvPr id="5" name="直線矢印コネクタ 4">
+              <a:extLst>
+                <a:ext uri="{FF2B5EF4-FFF2-40B4-BE49-F238E27FC236}">
+                  <a16:creationId xmlns:a16="http://schemas.microsoft.com/office/drawing/2014/main" id="{D81159A9-73CF-4724-FF13-92B073200E6A}"/>
+                </a:ext>
+              </a:extLst>
+            </p:cNvPr>
+            <p:cNvCxnSpPr/>
+            <p:nvPr/>
+          </p:nvCxnSpPr>
+          <p:spPr>
+            <a:xfrm flipV="1">
+              <a:off x="6096000" y="404664"/>
+              <a:ext cx="0" cy="2088232"/>
+            </a:xfrm>
+            <a:prstGeom prst="straightConnector1">
+              <a:avLst/>
+            </a:prstGeom>
+            <a:ln>
+              <a:solidFill>
+                <a:schemeClr val="tx1"/>
+              </a:solidFill>
+              <a:headEnd type="none" w="med" len="med"/>
+              <a:tailEnd type="triangle"/>
+            </a:ln>
+          </p:spPr>
+          <p:style>
+            <a:lnRef idx="1">
+              <a:schemeClr val="accent1"/>
+            </a:lnRef>
+            <a:fillRef idx="0">
+              <a:schemeClr val="accent1"/>
+            </a:fillRef>
+            <a:effectRef idx="0">
+              <a:schemeClr val="accent1"/>
+            </a:effectRef>
+            <a:fontRef idx="minor">
+              <a:schemeClr val="tx1"/>
+            </a:fontRef>
+          </p:style>
+        </p:cxnSp>
+        <p:sp>
+          <p:nvSpPr>
+            <p:cNvPr id="6" name="矢印: 右カーブ 5">
+              <a:extLst>
+                <a:ext uri="{FF2B5EF4-FFF2-40B4-BE49-F238E27FC236}">
+                  <a16:creationId xmlns:a16="http://schemas.microsoft.com/office/drawing/2014/main" id="{5F139395-9EE4-2FF4-AF86-3E18E51311C3}"/>
+                </a:ext>
+              </a:extLst>
+            </p:cNvPr>
+            <p:cNvSpPr/>
+            <p:nvPr/>
+          </p:nvSpPr>
+          <p:spPr>
+            <a:xfrm rot="5400000">
+              <a:off x="4940480" y="2280264"/>
+              <a:ext cx="458450" cy="883713"/>
+            </a:xfrm>
+            <a:prstGeom prst="curvedRightArrow">
+              <a:avLst/>
+            </a:prstGeom>
+          </p:spPr>
+          <p:style>
+            <a:lnRef idx="2">
+              <a:schemeClr val="accent1">
+                <a:shade val="50000"/>
+              </a:schemeClr>
+            </a:lnRef>
+            <a:fillRef idx="1">
+              <a:schemeClr val="accent1"/>
+            </a:fillRef>
+            <a:effectRef idx="0">
+              <a:schemeClr val="accent1"/>
+            </a:effectRef>
+            <a:fontRef idx="minor">
+              <a:schemeClr val="lt1"/>
+            </a:fontRef>
+          </p:style>
+          <p:txBody>
+            <a:bodyPr rtlCol="0" anchor="ctr"/>
+            <a:lstStyle/>
+            <a:p>
+              <a:pPr algn="ctr"/>
+              <a:endParaRPr kumimoji="1" lang="ja-JP" altLang="en-US" sz="1100">
+                <a:solidFill>
+                  <a:schemeClr val="tx1"/>
+                </a:solidFill>
+              </a:endParaRPr>
+            </a:p>
+          </p:txBody>
+        </p:sp>
+        <p:sp>
+          <p:nvSpPr>
+            <p:cNvPr id="7" name="矢印: 右カーブ 6">
+              <a:extLst>
+                <a:ext uri="{FF2B5EF4-FFF2-40B4-BE49-F238E27FC236}">
+                  <a16:creationId xmlns:a16="http://schemas.microsoft.com/office/drawing/2014/main" id="{CD043733-296A-1E81-D66E-707A4CF5A6D8}"/>
+                </a:ext>
+              </a:extLst>
+            </p:cNvPr>
+            <p:cNvSpPr/>
+            <p:nvPr/>
+          </p:nvSpPr>
+          <p:spPr>
+            <a:xfrm rot="10631379">
+              <a:off x="7968645" y="1652908"/>
+              <a:ext cx="264574" cy="594643"/>
+            </a:xfrm>
+            <a:prstGeom prst="curvedRightArrow">
+              <a:avLst/>
+            </a:prstGeom>
+          </p:spPr>
+          <p:style>
+            <a:lnRef idx="2">
+              <a:schemeClr val="accent1">
+                <a:shade val="50000"/>
+              </a:schemeClr>
+            </a:lnRef>
+            <a:fillRef idx="1">
+              <a:schemeClr val="accent1"/>
+            </a:fillRef>
+            <a:effectRef idx="0">
+              <a:schemeClr val="accent1"/>
+            </a:effectRef>
+            <a:fontRef idx="minor">
+              <a:schemeClr val="lt1"/>
+            </a:fontRef>
+          </p:style>
+          <p:txBody>
+            <a:bodyPr rtlCol="0" anchor="ctr"/>
+            <a:lstStyle/>
+            <a:p>
+              <a:pPr algn="ctr"/>
+              <a:endParaRPr kumimoji="1" lang="ja-JP" altLang="en-US" sz="1100">
+                <a:solidFill>
+                  <a:schemeClr val="tx1"/>
+                </a:solidFill>
+              </a:endParaRPr>
+            </a:p>
+          </p:txBody>
+        </p:sp>
+        <p:sp>
+          <p:nvSpPr>
+            <p:cNvPr id="8" name="矢印: 右カーブ 7">
+              <a:extLst>
+                <a:ext uri="{FF2B5EF4-FFF2-40B4-BE49-F238E27FC236}">
+                  <a16:creationId xmlns:a16="http://schemas.microsoft.com/office/drawing/2014/main" id="{23F79490-6A3B-D486-B36E-98C6EDE8E81D}"/>
+                </a:ext>
+              </a:extLst>
+            </p:cNvPr>
+            <p:cNvSpPr/>
+            <p:nvPr/>
+          </p:nvSpPr>
+          <p:spPr>
+            <a:xfrm rot="16200000">
+              <a:off x="5973867" y="526797"/>
+              <a:ext cx="211888" cy="543686"/>
+            </a:xfrm>
+            <a:prstGeom prst="curvedRightArrow">
+              <a:avLst/>
+            </a:prstGeom>
+          </p:spPr>
+          <p:style>
+            <a:lnRef idx="2">
+              <a:schemeClr val="accent1">
+                <a:shade val="50000"/>
+              </a:schemeClr>
+            </a:lnRef>
+            <a:fillRef idx="1">
+              <a:schemeClr val="accent1"/>
+            </a:fillRef>
+            <a:effectRef idx="0">
+              <a:schemeClr val="accent1"/>
+            </a:effectRef>
+            <a:fontRef idx="minor">
+              <a:schemeClr val="lt1"/>
+            </a:fontRef>
+          </p:style>
+          <p:txBody>
+            <a:bodyPr rtlCol="0" anchor="ctr"/>
+            <a:lstStyle/>
+            <a:p>
+              <a:pPr algn="ctr"/>
+              <a:endParaRPr kumimoji="1" lang="ja-JP" altLang="en-US" sz="1100">
+                <a:solidFill>
+                  <a:schemeClr val="tx1"/>
+                </a:solidFill>
+              </a:endParaRPr>
+            </a:p>
+          </p:txBody>
+        </p:sp>
+        <mc:AlternateContent xmlns:mc="http://schemas.openxmlformats.org/markup-compatibility/2006" xmlns:a14="http://schemas.microsoft.com/office/drawing/2010/main">
+          <mc:Choice Requires="a14">
+            <p:sp>
+              <p:nvSpPr>
+                <p:cNvPr id="9" name="テキスト ボックス 8">
+                  <a:extLst>
+                    <a:ext uri="{FF2B5EF4-FFF2-40B4-BE49-F238E27FC236}">
+                      <a16:creationId xmlns:a16="http://schemas.microsoft.com/office/drawing/2014/main" id="{4D0761DD-6421-D6F4-B89B-E2DBCA80683A}"/>
+                    </a:ext>
+                  </a:extLst>
+                </p:cNvPr>
+                <p:cNvSpPr txBox="1"/>
+                <p:nvPr/>
+              </p:nvSpPr>
+              <p:spPr>
+                <a:xfrm>
+                  <a:off x="4904569" y="2891354"/>
+                  <a:ext cx="256061" cy="389878"/>
+                </a:xfrm>
+                <a:prstGeom prst="rect">
+                  <a:avLst/>
+                </a:prstGeom>
+                <a:noFill/>
+              </p:spPr>
+              <p:txBody>
+                <a:bodyPr wrap="none" lIns="0" tIns="0" rIns="0" bIns="0" rtlCol="0">
+                  <a:spAutoFit/>
+                </a:bodyPr>
+                <a:lstStyle/>
+                <a:p>
+                  <a:pPr/>
+                  <a14:m>
+                    <m:oMathPara xmlns:m="http://schemas.openxmlformats.org/officeDocument/2006/math">
+                      <m:oMathParaPr>
+                        <m:jc m:val="centerGroup"/>
+                      </m:oMathParaPr>
+                      <m:oMath xmlns:m="http://schemas.openxmlformats.org/officeDocument/2006/math">
+                        <m:r>
+                          <a:rPr kumimoji="1" lang="en-US" altLang="ja-JP" sz="1600" b="0" i="1" smtClean="0">
+                            <a:latin typeface="Cambria Math" panose="02040503050406030204" pitchFamily="18" charset="0"/>
+                          </a:rPr>
+                          <m:t>𝑥</m:t>
+                        </m:r>
+                      </m:oMath>
+                    </m:oMathPara>
+                  </a14:m>
+                  <a:endParaRPr kumimoji="1" lang="ja-JP" altLang="en-US" sz="1600"/>
+                </a:p>
+              </p:txBody>
+            </p:sp>
+          </mc:Choice>
+          <mc:Fallback xmlns="">
+            <p:sp>
+              <p:nvSpPr>
+                <p:cNvPr id="45" name="テキスト ボックス 44">
+                  <a:extLst>
+                    <a:ext uri="{FF2B5EF4-FFF2-40B4-BE49-F238E27FC236}">
+                      <a16:creationId xmlns:a16="http://schemas.microsoft.com/office/drawing/2014/main" id="{DD4FACEA-77CA-0865-7486-909A9460490E}"/>
+                    </a:ext>
+                  </a:extLst>
+                </p:cNvPr>
+                <p:cNvSpPr txBox="1">
+                  <a:spLocks noRot="1" noChangeAspect="1" noMove="1" noResize="1" noEditPoints="1" noAdjustHandles="1" noChangeArrowheads="1" noChangeShapeType="1" noTextEdit="1"/>
+                </p:cNvSpPr>
+                <p:nvPr/>
+              </p:nvSpPr>
+              <p:spPr>
+                <a:xfrm>
+                  <a:off x="4904569" y="2891354"/>
+                  <a:ext cx="256061" cy="389878"/>
+                </a:xfrm>
+                <a:prstGeom prst="rect">
+                  <a:avLst/>
+                </a:prstGeom>
+                <a:blipFill>
+                  <a:blip r:embed="rId4"/>
+                  <a:stretch>
+                    <a:fillRect l="-19231" r="-15385"/>
+                  </a:stretch>
+                </a:blipFill>
+              </p:spPr>
+              <p:txBody>
+                <a:bodyPr/>
+                <a:lstStyle/>
+                <a:p>
+                  <a:r>
+                    <a:rPr lang="ja-JP" altLang="en-US">
+                      <a:noFill/>
+                    </a:rPr>
+                    <a:t> </a:t>
+                  </a:r>
+                </a:p>
+              </p:txBody>
+            </p:sp>
+          </mc:Fallback>
+        </mc:AlternateContent>
+        <mc:AlternateContent xmlns:mc="http://schemas.openxmlformats.org/markup-compatibility/2006" xmlns:a14="http://schemas.microsoft.com/office/drawing/2010/main">
+          <mc:Choice Requires="a14">
+            <p:sp>
+              <p:nvSpPr>
+                <p:cNvPr id="10" name="テキスト ボックス 9">
+                  <a:extLst>
+                    <a:ext uri="{FF2B5EF4-FFF2-40B4-BE49-F238E27FC236}">
+                      <a16:creationId xmlns:a16="http://schemas.microsoft.com/office/drawing/2014/main" id="{4F136269-02EC-DD00-0184-5DE80E171C9F}"/>
+                    </a:ext>
+                  </a:extLst>
+                </p:cNvPr>
+                <p:cNvSpPr txBox="1"/>
+                <p:nvPr/>
+              </p:nvSpPr>
+              <p:spPr>
+                <a:xfrm>
+                  <a:off x="8400256" y="1728192"/>
+                  <a:ext cx="261950" cy="389878"/>
+                </a:xfrm>
+                <a:prstGeom prst="rect">
+                  <a:avLst/>
+                </a:prstGeom>
+                <a:noFill/>
+              </p:spPr>
+              <p:txBody>
+                <a:bodyPr wrap="none" lIns="0" tIns="0" rIns="0" bIns="0" rtlCol="0">
+                  <a:spAutoFit/>
+                </a:bodyPr>
+                <a:lstStyle/>
+                <a:p>
+                  <a:pPr/>
+                  <a14:m>
+                    <m:oMathPara xmlns:m="http://schemas.openxmlformats.org/officeDocument/2006/math">
+                      <m:oMathParaPr>
+                        <m:jc m:val="centerGroup"/>
+                      </m:oMathParaPr>
+                      <m:oMath xmlns:m="http://schemas.openxmlformats.org/officeDocument/2006/math">
+                        <m:r>
+                          <a:rPr kumimoji="1" lang="en-US" altLang="ja-JP" sz="1600" b="0" i="1" smtClean="0">
+                            <a:latin typeface="Cambria Math" panose="02040503050406030204" pitchFamily="18" charset="0"/>
+                          </a:rPr>
+                          <m:t>𝑦</m:t>
+                        </m:r>
+                      </m:oMath>
+                    </m:oMathPara>
+                  </a14:m>
+                  <a:endParaRPr kumimoji="1" lang="ja-JP" altLang="en-US" sz="1600"/>
+                </a:p>
+              </p:txBody>
+            </p:sp>
+          </mc:Choice>
+          <mc:Fallback xmlns="">
+            <p:sp>
+              <p:nvSpPr>
+                <p:cNvPr id="46" name="テキスト ボックス 45">
+                  <a:extLst>
+                    <a:ext uri="{FF2B5EF4-FFF2-40B4-BE49-F238E27FC236}">
+                      <a16:creationId xmlns:a16="http://schemas.microsoft.com/office/drawing/2014/main" id="{D6F40A57-EBF5-6D33-3482-EEE4E67E88D5}"/>
+                    </a:ext>
+                  </a:extLst>
+                </p:cNvPr>
+                <p:cNvSpPr txBox="1">
+                  <a:spLocks noRot="1" noChangeAspect="1" noMove="1" noResize="1" noEditPoints="1" noAdjustHandles="1" noChangeArrowheads="1" noChangeShapeType="1" noTextEdit="1"/>
+                </p:cNvSpPr>
+                <p:nvPr/>
+              </p:nvSpPr>
+              <p:spPr>
+                <a:xfrm>
+                  <a:off x="8400256" y="1728192"/>
+                  <a:ext cx="261950" cy="389878"/>
+                </a:xfrm>
+                <a:prstGeom prst="rect">
+                  <a:avLst/>
+                </a:prstGeom>
+                <a:blipFill>
+                  <a:blip r:embed="rId5"/>
+                  <a:stretch>
+                    <a:fillRect l="-29630" r="-25926" b="-21951"/>
+                  </a:stretch>
+                </a:blipFill>
+              </p:spPr>
+              <p:txBody>
+                <a:bodyPr/>
+                <a:lstStyle/>
+                <a:p>
+                  <a:r>
+                    <a:rPr lang="ja-JP" altLang="en-US">
+                      <a:noFill/>
+                    </a:rPr>
+                    <a:t> </a:t>
+                  </a:r>
+                </a:p>
+              </p:txBody>
+            </p:sp>
+          </mc:Fallback>
+        </mc:AlternateContent>
+        <mc:AlternateContent xmlns:mc="http://schemas.openxmlformats.org/markup-compatibility/2006" xmlns:a14="http://schemas.microsoft.com/office/drawing/2010/main">
+          <mc:Choice Requires="a14">
+            <p:sp>
+              <p:nvSpPr>
+                <p:cNvPr id="11" name="テキスト ボックス 10">
+                  <a:extLst>
+                    <a:ext uri="{FF2B5EF4-FFF2-40B4-BE49-F238E27FC236}">
+                      <a16:creationId xmlns:a16="http://schemas.microsoft.com/office/drawing/2014/main" id="{225730EE-7543-1B20-3002-CD34A7147420}"/>
+                    </a:ext>
+                  </a:extLst>
+                </p:cNvPr>
+                <p:cNvSpPr txBox="1"/>
+                <p:nvPr/>
+              </p:nvSpPr>
+              <p:spPr>
+                <a:xfrm>
+                  <a:off x="6023991" y="0"/>
+                  <a:ext cx="236567" cy="389878"/>
+                </a:xfrm>
+                <a:prstGeom prst="rect">
+                  <a:avLst/>
+                </a:prstGeom>
+                <a:noFill/>
+              </p:spPr>
+              <p:txBody>
+                <a:bodyPr wrap="none" lIns="0" tIns="0" rIns="0" bIns="0" rtlCol="0">
+                  <a:spAutoFit/>
+                </a:bodyPr>
+                <a:lstStyle/>
+                <a:p>
+                  <a:pPr/>
+                  <a14:m>
+                    <m:oMathPara xmlns:m="http://schemas.openxmlformats.org/officeDocument/2006/math">
+                      <m:oMathParaPr>
+                        <m:jc m:val="centerGroup"/>
+                      </m:oMathParaPr>
+                      <m:oMath xmlns:m="http://schemas.openxmlformats.org/officeDocument/2006/math">
+                        <m:r>
+                          <a:rPr kumimoji="1" lang="en-US" altLang="ja-JP" sz="1600" b="0" i="1" smtClean="0">
+                            <a:latin typeface="Cambria Math" panose="02040503050406030204" pitchFamily="18" charset="0"/>
+                          </a:rPr>
+                          <m:t>𝑧</m:t>
+                        </m:r>
+                      </m:oMath>
+                    </m:oMathPara>
+                  </a14:m>
+                  <a:endParaRPr kumimoji="1" lang="ja-JP" altLang="en-US" sz="1600"/>
+                </a:p>
+              </p:txBody>
+            </p:sp>
+          </mc:Choice>
+          <mc:Fallback xmlns="">
+            <p:sp>
+              <p:nvSpPr>
+                <p:cNvPr id="47" name="テキスト ボックス 46">
+                  <a:extLst>
+                    <a:ext uri="{FF2B5EF4-FFF2-40B4-BE49-F238E27FC236}">
+                      <a16:creationId xmlns:a16="http://schemas.microsoft.com/office/drawing/2014/main" id="{C941ED28-85C4-9266-96C1-D99AB54C517F}"/>
+                    </a:ext>
+                  </a:extLst>
+                </p:cNvPr>
+                <p:cNvSpPr txBox="1">
+                  <a:spLocks noRot="1" noChangeAspect="1" noMove="1" noResize="1" noEditPoints="1" noAdjustHandles="1" noChangeArrowheads="1" noChangeShapeType="1" noTextEdit="1"/>
+                </p:cNvSpPr>
+                <p:nvPr/>
+              </p:nvSpPr>
+              <p:spPr>
+                <a:xfrm>
+                  <a:off x="6023991" y="0"/>
+                  <a:ext cx="236567" cy="389878"/>
+                </a:xfrm>
+                <a:prstGeom prst="rect">
+                  <a:avLst/>
+                </a:prstGeom>
+                <a:blipFill>
+                  <a:blip r:embed="rId6"/>
+                  <a:stretch>
+                    <a:fillRect l="-20833" r="-16667"/>
+                  </a:stretch>
+                </a:blipFill>
+              </p:spPr>
+              <p:txBody>
+                <a:bodyPr/>
+                <a:lstStyle/>
+                <a:p>
+                  <a:r>
+                    <a:rPr lang="ja-JP" altLang="en-US">
+                      <a:noFill/>
+                    </a:rPr>
+                    <a:t> </a:t>
+                  </a:r>
+                </a:p>
+              </p:txBody>
+            </p:sp>
+          </mc:Fallback>
+        </mc:AlternateContent>
+        <mc:AlternateContent xmlns:mc="http://schemas.openxmlformats.org/markup-compatibility/2006" xmlns:a14="http://schemas.microsoft.com/office/drawing/2010/main">
+          <mc:Choice Requires="a14">
+            <p:sp>
+              <p:nvSpPr>
+                <p:cNvPr id="12" name="テキスト ボックス 11">
+                  <a:extLst>
+                    <a:ext uri="{FF2B5EF4-FFF2-40B4-BE49-F238E27FC236}">
+                      <a16:creationId xmlns:a16="http://schemas.microsoft.com/office/drawing/2014/main" id="{A5866241-0E16-3C1D-6FDA-C2CD76A925F3}"/>
+                    </a:ext>
+                  </a:extLst>
+                </p:cNvPr>
+                <p:cNvSpPr txBox="1"/>
+                <p:nvPr/>
+              </p:nvSpPr>
+              <p:spPr>
+                <a:xfrm>
+                  <a:off x="4871864" y="1916831"/>
+                  <a:ext cx="362771" cy="500547"/>
+                </a:xfrm>
+                <a:prstGeom prst="rect">
+                  <a:avLst/>
+                </a:prstGeom>
+                <a:noFill/>
+              </p:spPr>
+              <p:txBody>
+                <a:bodyPr wrap="none" lIns="0" tIns="0" rIns="0" bIns="0" rtlCol="0">
+                  <a:spAutoFit/>
+                </a:bodyPr>
+                <a:lstStyle/>
+                <a:p>
+                  <a:pPr/>
+                  <a14:m>
+                    <m:oMathPara xmlns:m="http://schemas.openxmlformats.org/officeDocument/2006/math">
+                      <m:oMathParaPr>
+                        <m:jc m:val="centerGroup"/>
+                      </m:oMathParaPr>
+                      <m:oMath xmlns:m="http://schemas.openxmlformats.org/officeDocument/2006/math">
+                        <m:acc>
+                          <m:accPr>
+                            <m:chr m:val="̂"/>
+                            <m:ctrlPr>
+                              <a:rPr kumimoji="1" lang="en-US" altLang="ja-JP" sz="2000" b="0" i="1" smtClean="0">
+                                <a:latin typeface="Cambria Math" panose="02040503050406030204" pitchFamily="18" charset="0"/>
+                              </a:rPr>
+                            </m:ctrlPr>
+                          </m:accPr>
+                          <m:e>
+                            <m:r>
+                              <a:rPr kumimoji="1" lang="en-US" altLang="ja-JP" sz="2000" b="0" i="1" smtClean="0">
+                                <a:latin typeface="Cambria Math" panose="02040503050406030204" pitchFamily="18" charset="0"/>
+                              </a:rPr>
+                              <m:t>𝑋</m:t>
+                            </m:r>
+                          </m:e>
+                        </m:acc>
+                      </m:oMath>
+                    </m:oMathPara>
+                  </a14:m>
+                  <a:endParaRPr kumimoji="1" lang="ja-JP" altLang="en-US" sz="2000"/>
+                </a:p>
+              </p:txBody>
+            </p:sp>
+          </mc:Choice>
+          <mc:Fallback xmlns="">
+            <p:sp>
+              <p:nvSpPr>
+                <p:cNvPr id="48" name="テキスト ボックス 47">
+                  <a:extLst>
+                    <a:ext uri="{FF2B5EF4-FFF2-40B4-BE49-F238E27FC236}">
+                      <a16:creationId xmlns:a16="http://schemas.microsoft.com/office/drawing/2014/main" id="{A8F9A15A-E80D-E92A-71C5-16A336D294DA}"/>
+                    </a:ext>
+                  </a:extLst>
+                </p:cNvPr>
+                <p:cNvSpPr txBox="1">
+                  <a:spLocks noRot="1" noChangeAspect="1" noMove="1" noResize="1" noEditPoints="1" noAdjustHandles="1" noChangeArrowheads="1" noChangeShapeType="1" noTextEdit="1"/>
+                </p:cNvSpPr>
+                <p:nvPr/>
+              </p:nvSpPr>
+              <p:spPr>
+                <a:xfrm>
+                  <a:off x="4871864" y="1916831"/>
+                  <a:ext cx="362771" cy="500547"/>
+                </a:xfrm>
+                <a:prstGeom prst="rect">
+                  <a:avLst/>
+                </a:prstGeom>
+                <a:blipFill>
+                  <a:blip r:embed="rId7"/>
+                  <a:stretch>
+                    <a:fillRect l="-23684" t="-26923" r="-76316" b="-5769"/>
+                  </a:stretch>
+                </a:blipFill>
+              </p:spPr>
+              <p:txBody>
+                <a:bodyPr/>
+                <a:lstStyle/>
+                <a:p>
+                  <a:r>
+                    <a:rPr lang="ja-JP" altLang="en-US">
+                      <a:noFill/>
+                    </a:rPr>
+                    <a:t> </a:t>
+                  </a:r>
+                </a:p>
+              </p:txBody>
+            </p:sp>
+          </mc:Fallback>
+        </mc:AlternateContent>
+        <mc:AlternateContent xmlns:mc="http://schemas.openxmlformats.org/markup-compatibility/2006" xmlns:a14="http://schemas.microsoft.com/office/drawing/2010/main">
+          <mc:Choice Requires="a14">
+            <p:sp>
+              <p:nvSpPr>
+                <p:cNvPr id="13" name="テキスト ボックス 12">
+                  <a:extLst>
+                    <a:ext uri="{FF2B5EF4-FFF2-40B4-BE49-F238E27FC236}">
+                      <a16:creationId xmlns:a16="http://schemas.microsoft.com/office/drawing/2014/main" id="{413F44DA-BEEB-5ECE-A913-BC0339EB69F3}"/>
+                    </a:ext>
+                  </a:extLst>
+                </p:cNvPr>
+                <p:cNvSpPr txBox="1"/>
+                <p:nvPr/>
+              </p:nvSpPr>
+              <p:spPr>
+                <a:xfrm>
+                  <a:off x="7968209" y="1052735"/>
+                  <a:ext cx="345002" cy="500547"/>
+                </a:xfrm>
+                <a:prstGeom prst="rect">
+                  <a:avLst/>
+                </a:prstGeom>
+                <a:noFill/>
+              </p:spPr>
+              <p:txBody>
+                <a:bodyPr wrap="none" lIns="0" tIns="0" rIns="0" bIns="0" rtlCol="0">
+                  <a:spAutoFit/>
+                </a:bodyPr>
+                <a:lstStyle/>
+                <a:p>
+                  <a:pPr/>
+                  <a14:m>
+                    <m:oMathPara xmlns:m="http://schemas.openxmlformats.org/officeDocument/2006/math">
+                      <m:oMathParaPr>
+                        <m:jc m:val="centerGroup"/>
+                      </m:oMathParaPr>
+                      <m:oMath xmlns:m="http://schemas.openxmlformats.org/officeDocument/2006/math">
+                        <m:acc>
+                          <m:accPr>
+                            <m:chr m:val="̂"/>
+                            <m:ctrlPr>
+                              <a:rPr kumimoji="1" lang="en-US" altLang="ja-JP" sz="2000" b="0" i="1" smtClean="0">
+                                <a:latin typeface="Cambria Math" panose="02040503050406030204" pitchFamily="18" charset="0"/>
+                              </a:rPr>
+                            </m:ctrlPr>
+                          </m:accPr>
+                          <m:e>
+                            <m:r>
+                              <a:rPr kumimoji="1" lang="en-US" altLang="ja-JP" sz="2000" b="0" i="1" smtClean="0">
+                                <a:latin typeface="Cambria Math" panose="02040503050406030204" pitchFamily="18" charset="0"/>
+                              </a:rPr>
+                              <m:t>𝑌</m:t>
+                            </m:r>
+                          </m:e>
+                        </m:acc>
+                      </m:oMath>
+                    </m:oMathPara>
+                  </a14:m>
+                  <a:endParaRPr kumimoji="1" lang="ja-JP" altLang="en-US" sz="2000"/>
+                </a:p>
+              </p:txBody>
+            </p:sp>
+          </mc:Choice>
+          <mc:Fallback xmlns="">
+            <p:sp>
+              <p:nvSpPr>
+                <p:cNvPr id="49" name="テキスト ボックス 48">
+                  <a:extLst>
+                    <a:ext uri="{FF2B5EF4-FFF2-40B4-BE49-F238E27FC236}">
+                      <a16:creationId xmlns:a16="http://schemas.microsoft.com/office/drawing/2014/main" id="{FA3D5704-3AF5-D98E-3A4B-741BAC57EE2B}"/>
+                    </a:ext>
+                  </a:extLst>
+                </p:cNvPr>
+                <p:cNvSpPr txBox="1">
+                  <a:spLocks noRot="1" noChangeAspect="1" noMove="1" noResize="1" noEditPoints="1" noAdjustHandles="1" noChangeArrowheads="1" noChangeShapeType="1" noTextEdit="1"/>
+                </p:cNvSpPr>
+                <p:nvPr/>
+              </p:nvSpPr>
+              <p:spPr>
+                <a:xfrm>
+                  <a:off x="7968209" y="1052735"/>
+                  <a:ext cx="345002" cy="500547"/>
+                </a:xfrm>
+                <a:prstGeom prst="rect">
+                  <a:avLst/>
+                </a:prstGeom>
+                <a:blipFill>
+                  <a:blip r:embed="rId8"/>
+                  <a:stretch>
+                    <a:fillRect l="-25000" t="-25000" r="-72222" b="-7692"/>
+                  </a:stretch>
+                </a:blipFill>
+              </p:spPr>
+              <p:txBody>
+                <a:bodyPr/>
+                <a:lstStyle/>
+                <a:p>
+                  <a:r>
+                    <a:rPr lang="ja-JP" altLang="en-US">
+                      <a:noFill/>
+                    </a:rPr>
+                    <a:t> </a:t>
+                  </a:r>
+                </a:p>
+              </p:txBody>
+            </p:sp>
+          </mc:Fallback>
+        </mc:AlternateContent>
+        <mc:AlternateContent xmlns:mc="http://schemas.openxmlformats.org/markup-compatibility/2006" xmlns:a14="http://schemas.microsoft.com/office/drawing/2010/main">
+          <mc:Choice Requires="a14">
+            <p:sp>
+              <p:nvSpPr>
+                <p:cNvPr id="14" name="テキスト ボックス 13">
+                  <a:extLst>
+                    <a:ext uri="{FF2B5EF4-FFF2-40B4-BE49-F238E27FC236}">
+                      <a16:creationId xmlns:a16="http://schemas.microsoft.com/office/drawing/2014/main" id="{77EE7735-9DE4-0786-4044-BEFB08569EFC}"/>
+                    </a:ext>
+                  </a:extLst>
+                </p:cNvPr>
+                <p:cNvSpPr txBox="1"/>
+                <p:nvPr/>
+              </p:nvSpPr>
+              <p:spPr>
+                <a:xfrm>
+                  <a:off x="5375920" y="548679"/>
+                  <a:ext cx="342464" cy="500750"/>
+                </a:xfrm>
+                <a:prstGeom prst="rect">
+                  <a:avLst/>
+                </a:prstGeom>
+                <a:noFill/>
+              </p:spPr>
+              <p:txBody>
+                <a:bodyPr wrap="none" lIns="0" tIns="0" rIns="0" bIns="0" rtlCol="0">
+                  <a:spAutoFit/>
+                </a:bodyPr>
+                <a:lstStyle/>
+                <a:p>
+                  <a:pPr/>
+                  <a14:m>
+                    <m:oMathPara xmlns:m="http://schemas.openxmlformats.org/officeDocument/2006/math">
+                      <m:oMathParaPr>
+                        <m:jc m:val="centerGroup"/>
+                      </m:oMathParaPr>
+                      <m:oMath xmlns:m="http://schemas.openxmlformats.org/officeDocument/2006/math">
+                        <m:acc>
+                          <m:accPr>
+                            <m:chr m:val="̂"/>
+                            <m:ctrlPr>
+                              <a:rPr kumimoji="1" lang="en-US" altLang="ja-JP" sz="2000" b="0" i="1" smtClean="0">
+                                <a:latin typeface="Cambria Math" panose="02040503050406030204" pitchFamily="18" charset="0"/>
+                              </a:rPr>
+                            </m:ctrlPr>
+                          </m:accPr>
+                          <m:e>
+                            <m:r>
+                              <a:rPr kumimoji="1" lang="en-US" altLang="ja-JP" sz="2000" b="0" i="1" smtClean="0">
+                                <a:latin typeface="Cambria Math" panose="02040503050406030204" pitchFamily="18" charset="0"/>
+                              </a:rPr>
+                              <m:t>𝑍</m:t>
+                            </m:r>
+                          </m:e>
+                        </m:acc>
+                      </m:oMath>
+                    </m:oMathPara>
+                  </a14:m>
+                  <a:endParaRPr kumimoji="1" lang="ja-JP" altLang="en-US" sz="2000"/>
+                </a:p>
+              </p:txBody>
+            </p:sp>
+          </mc:Choice>
+          <mc:Fallback xmlns="">
+            <p:sp>
+              <p:nvSpPr>
+                <p:cNvPr id="50" name="テキスト ボックス 49">
+                  <a:extLst>
+                    <a:ext uri="{FF2B5EF4-FFF2-40B4-BE49-F238E27FC236}">
+                      <a16:creationId xmlns:a16="http://schemas.microsoft.com/office/drawing/2014/main" id="{116B4F2D-57DB-CD8D-BBF5-F24C44E158C5}"/>
+                    </a:ext>
+                  </a:extLst>
+                </p:cNvPr>
+                <p:cNvSpPr txBox="1">
+                  <a:spLocks noRot="1" noChangeAspect="1" noMove="1" noResize="1" noEditPoints="1" noAdjustHandles="1" noChangeArrowheads="1" noChangeShapeType="1" noTextEdit="1"/>
+                </p:cNvSpPr>
+                <p:nvPr/>
+              </p:nvSpPr>
+              <p:spPr>
+                <a:xfrm>
+                  <a:off x="5375920" y="548679"/>
+                  <a:ext cx="342464" cy="500750"/>
+                </a:xfrm>
+                <a:prstGeom prst="rect">
+                  <a:avLst/>
+                </a:prstGeom>
+                <a:blipFill>
+                  <a:blip r:embed="rId9"/>
+                  <a:stretch>
+                    <a:fillRect l="-28571" t="-19231" r="-80000" b="-7692"/>
+                  </a:stretch>
+                </a:blipFill>
+              </p:spPr>
+              <p:txBody>
+                <a:bodyPr/>
+                <a:lstStyle/>
+                <a:p>
+                  <a:r>
+                    <a:rPr lang="ja-JP" altLang="en-US">
+                      <a:noFill/>
+                    </a:rPr>
+                    <a:t> </a:t>
+                  </a:r>
+                </a:p>
+              </p:txBody>
+            </p:sp>
+          </mc:Fallback>
+        </mc:AlternateContent>
+      </p:grpSp>
+      <p:sp>
+        <p:nvSpPr>
+          <p:cNvPr id="15" name="正方形/長方形 14">
+            <a:extLst>
+              <a:ext uri="{FF2B5EF4-FFF2-40B4-BE49-F238E27FC236}">
+                <a16:creationId xmlns:a16="http://schemas.microsoft.com/office/drawing/2014/main" id="{F3FC77CE-A0F4-86BB-A55D-639CCA39F3ED}"/>
+              </a:ext>
+            </a:extLst>
+          </p:cNvPr>
+          <p:cNvSpPr/>
+          <p:nvPr/>
+        </p:nvSpPr>
+        <p:spPr>
+          <a:xfrm>
+            <a:off x="1055440" y="4869160"/>
+            <a:ext cx="1440160" cy="1440160"/>
+          </a:xfrm>
+          <a:prstGeom prst="rect">
+            <a:avLst/>
+          </a:prstGeom>
+          <a:noFill/>
+          <a:ln>
+            <a:solidFill>
+              <a:schemeClr val="tx1"/>
+            </a:solidFill>
+          </a:ln>
+        </p:spPr>
+        <p:style>
+          <a:lnRef idx="2">
+            <a:schemeClr val="accent1">
+              <a:shade val="50000"/>
+            </a:schemeClr>
+          </a:lnRef>
+          <a:fillRef idx="1">
+            <a:schemeClr val="accent1"/>
+          </a:fillRef>
+          <a:effectRef idx="0">
+            <a:schemeClr val="accent1"/>
+          </a:effectRef>
+          <a:fontRef idx="minor">
+            <a:schemeClr val="lt1"/>
+          </a:fontRef>
+        </p:style>
+        <p:txBody>
+          <a:bodyPr rtlCol="0" anchor="ctr"/>
+          <a:lstStyle/>
+          <a:p>
+            <a:pPr algn="ctr"/>
+            <a:endParaRPr kumimoji="1" lang="ja-JP" altLang="en-US"/>
+          </a:p>
+        </p:txBody>
+      </p:sp>
+      <p:cxnSp>
+        <p:nvCxnSpPr>
+          <p:cNvPr id="16" name="直線コネクタ 15">
+            <a:extLst>
+              <a:ext uri="{FF2B5EF4-FFF2-40B4-BE49-F238E27FC236}">
+                <a16:creationId xmlns:a16="http://schemas.microsoft.com/office/drawing/2014/main" id="{9B027515-3EDF-2C3C-119E-8FDC6F6EFFB2}"/>
+              </a:ext>
+            </a:extLst>
+          </p:cNvPr>
+          <p:cNvCxnSpPr>
+            <a:cxnSpLocks/>
+          </p:cNvCxnSpPr>
+          <p:nvPr/>
+        </p:nvCxnSpPr>
+        <p:spPr>
+          <a:xfrm>
+            <a:off x="3215680" y="4149080"/>
+            <a:ext cx="0" cy="1440160"/>
+          </a:xfrm>
+          <a:prstGeom prst="line">
+            <a:avLst/>
+          </a:prstGeom>
+          <a:ln>
+            <a:solidFill>
+              <a:schemeClr val="tx1"/>
+            </a:solidFill>
+            <a:headEnd type="none" w="med" len="med"/>
+            <a:tailEnd type="none" w="med" len="med"/>
+          </a:ln>
+        </p:spPr>
+        <p:style>
+          <a:lnRef idx="1">
+            <a:schemeClr val="accent1"/>
+          </a:lnRef>
+          <a:fillRef idx="0">
+            <a:schemeClr val="accent1"/>
+          </a:fillRef>
+          <a:effectRef idx="0">
+            <a:schemeClr val="accent1"/>
+          </a:effectRef>
+          <a:fontRef idx="minor">
+            <a:schemeClr val="tx1"/>
+          </a:fontRef>
+        </p:style>
+      </p:cxnSp>
+      <p:cxnSp>
+        <p:nvCxnSpPr>
+          <p:cNvPr id="17" name="直線コネクタ 16">
+            <a:extLst>
+              <a:ext uri="{FF2B5EF4-FFF2-40B4-BE49-F238E27FC236}">
+                <a16:creationId xmlns:a16="http://schemas.microsoft.com/office/drawing/2014/main" id="{09447685-2B21-5ACD-3809-86B7248502CF}"/>
+              </a:ext>
+            </a:extLst>
+          </p:cNvPr>
+          <p:cNvCxnSpPr>
+            <a:cxnSpLocks/>
+          </p:cNvCxnSpPr>
+          <p:nvPr/>
+        </p:nvCxnSpPr>
+        <p:spPr>
+          <a:xfrm flipH="1">
+            <a:off x="1775520" y="4149080"/>
+            <a:ext cx="1440160" cy="0"/>
+          </a:xfrm>
+          <a:prstGeom prst="line">
+            <a:avLst/>
+          </a:prstGeom>
+          <a:ln>
+            <a:solidFill>
+              <a:schemeClr val="tx1"/>
+            </a:solidFill>
+            <a:headEnd type="none" w="med" len="med"/>
+            <a:tailEnd type="none" w="med" len="med"/>
+          </a:ln>
+        </p:spPr>
+        <p:style>
+          <a:lnRef idx="1">
+            <a:schemeClr val="accent1"/>
+          </a:lnRef>
+          <a:fillRef idx="0">
+            <a:schemeClr val="accent1"/>
+          </a:fillRef>
+          <a:effectRef idx="0">
+            <a:schemeClr val="accent1"/>
+          </a:effectRef>
+          <a:fontRef idx="minor">
+            <a:schemeClr val="tx1"/>
+          </a:fontRef>
+        </p:style>
+      </p:cxnSp>
+      <p:cxnSp>
+        <p:nvCxnSpPr>
+          <p:cNvPr id="18" name="直線コネクタ 17">
+            <a:extLst>
+              <a:ext uri="{FF2B5EF4-FFF2-40B4-BE49-F238E27FC236}">
+                <a16:creationId xmlns:a16="http://schemas.microsoft.com/office/drawing/2014/main" id="{FF2A2565-B43F-2E42-2B44-D6F81122697C}"/>
+              </a:ext>
+            </a:extLst>
+          </p:cNvPr>
+          <p:cNvCxnSpPr/>
+          <p:nvPr/>
+        </p:nvCxnSpPr>
+        <p:spPr>
+          <a:xfrm flipH="1">
+            <a:off x="1055440" y="4149080"/>
+            <a:ext cx="720080" cy="720080"/>
+          </a:xfrm>
+          <a:prstGeom prst="line">
+            <a:avLst/>
+          </a:prstGeom>
+          <a:ln>
+            <a:solidFill>
+              <a:schemeClr val="tx1"/>
+            </a:solidFill>
+            <a:headEnd type="none" w="med" len="med"/>
+            <a:tailEnd type="none" w="med" len="med"/>
+          </a:ln>
+        </p:spPr>
+        <p:style>
+          <a:lnRef idx="1">
+            <a:schemeClr val="accent1"/>
+          </a:lnRef>
+          <a:fillRef idx="0">
+            <a:schemeClr val="accent1"/>
+          </a:fillRef>
+          <a:effectRef idx="0">
+            <a:schemeClr val="accent1"/>
+          </a:effectRef>
+          <a:fontRef idx="minor">
+            <a:schemeClr val="tx1"/>
+          </a:fontRef>
+        </p:style>
+      </p:cxnSp>
+      <p:cxnSp>
+        <p:nvCxnSpPr>
+          <p:cNvPr id="19" name="直線コネクタ 18">
+            <a:extLst>
+              <a:ext uri="{FF2B5EF4-FFF2-40B4-BE49-F238E27FC236}">
+                <a16:creationId xmlns:a16="http://schemas.microsoft.com/office/drawing/2014/main" id="{508A4987-1C01-CB61-7DD5-9E1CA9145670}"/>
+              </a:ext>
+            </a:extLst>
+          </p:cNvPr>
+          <p:cNvCxnSpPr/>
+          <p:nvPr/>
+        </p:nvCxnSpPr>
+        <p:spPr>
+          <a:xfrm flipH="1">
+            <a:off x="2495600" y="4149080"/>
+            <a:ext cx="720080" cy="720080"/>
+          </a:xfrm>
+          <a:prstGeom prst="line">
+            <a:avLst/>
+          </a:prstGeom>
+          <a:ln>
+            <a:solidFill>
+              <a:schemeClr val="tx1"/>
+            </a:solidFill>
+            <a:headEnd type="none" w="med" len="med"/>
+            <a:tailEnd type="none" w="med" len="med"/>
+          </a:ln>
+        </p:spPr>
+        <p:style>
+          <a:lnRef idx="1">
+            <a:schemeClr val="accent1"/>
+          </a:lnRef>
+          <a:fillRef idx="0">
+            <a:schemeClr val="accent1"/>
+          </a:fillRef>
+          <a:effectRef idx="0">
+            <a:schemeClr val="accent1"/>
+          </a:effectRef>
+          <a:fontRef idx="minor">
+            <a:schemeClr val="tx1"/>
+          </a:fontRef>
+        </p:style>
+      </p:cxnSp>
+      <p:cxnSp>
+        <p:nvCxnSpPr>
+          <p:cNvPr id="20" name="直線コネクタ 19">
+            <a:extLst>
+              <a:ext uri="{FF2B5EF4-FFF2-40B4-BE49-F238E27FC236}">
+                <a16:creationId xmlns:a16="http://schemas.microsoft.com/office/drawing/2014/main" id="{5723DEBF-4D4D-1D71-0985-ED637EA14CA4}"/>
+              </a:ext>
+            </a:extLst>
+          </p:cNvPr>
+          <p:cNvCxnSpPr/>
+          <p:nvPr/>
+        </p:nvCxnSpPr>
+        <p:spPr>
+          <a:xfrm flipH="1">
+            <a:off x="2495600" y="5589240"/>
+            <a:ext cx="720080" cy="720080"/>
+          </a:xfrm>
+          <a:prstGeom prst="line">
+            <a:avLst/>
+          </a:prstGeom>
+          <a:ln>
+            <a:solidFill>
+              <a:schemeClr val="tx1"/>
+            </a:solidFill>
+            <a:headEnd type="none" w="med" len="med"/>
+            <a:tailEnd type="none" w="med" len="med"/>
+          </a:ln>
+        </p:spPr>
+        <p:style>
+          <a:lnRef idx="1">
+            <a:schemeClr val="accent1"/>
+          </a:lnRef>
+          <a:fillRef idx="0">
+            <a:schemeClr val="accent1"/>
+          </a:fillRef>
+          <a:effectRef idx="0">
+            <a:schemeClr val="accent1"/>
+          </a:effectRef>
+          <a:fontRef idx="minor">
+            <a:schemeClr val="tx1"/>
+          </a:fontRef>
+        </p:style>
+      </p:cxnSp>
+      <p:sp>
+        <p:nvSpPr>
+          <p:cNvPr id="21" name="楕円 20">
+            <a:extLst>
+              <a:ext uri="{FF2B5EF4-FFF2-40B4-BE49-F238E27FC236}">
+                <a16:creationId xmlns:a16="http://schemas.microsoft.com/office/drawing/2014/main" id="{C838FB68-CD11-C949-FC7A-29258F7881FF}"/>
+              </a:ext>
+            </a:extLst>
+          </p:cNvPr>
+          <p:cNvSpPr/>
+          <p:nvPr/>
+        </p:nvSpPr>
+        <p:spPr>
+          <a:xfrm>
+            <a:off x="1415480" y="5229200"/>
+            <a:ext cx="720080" cy="720080"/>
+          </a:xfrm>
+          <a:prstGeom prst="ellipse">
+            <a:avLst/>
+          </a:prstGeom>
+          <a:solidFill>
+            <a:srgbClr val="FF0000"/>
+          </a:solidFill>
+          <a:ln>
+            <a:noFill/>
+          </a:ln>
+        </p:spPr>
+        <p:style>
+          <a:lnRef idx="2">
+            <a:schemeClr val="accent1">
+              <a:shade val="50000"/>
+            </a:schemeClr>
+          </a:lnRef>
+          <a:fillRef idx="1">
+            <a:schemeClr val="accent1"/>
+          </a:fillRef>
+          <a:effectRef idx="0">
+            <a:schemeClr val="accent1"/>
+          </a:effectRef>
+          <a:fontRef idx="minor">
+            <a:schemeClr val="lt1"/>
+          </a:fontRef>
+        </p:style>
+        <p:txBody>
+          <a:bodyPr rtlCol="0" anchor="ctr"/>
+          <a:lstStyle/>
+          <a:p>
+            <a:pPr algn="ctr"/>
+            <a:endParaRPr kumimoji="1" lang="ja-JP" altLang="en-US"/>
+          </a:p>
+        </p:txBody>
+      </p:sp>
+      <p:sp>
+        <p:nvSpPr>
+          <p:cNvPr id="22" name="楕円 21">
+            <a:extLst>
+              <a:ext uri="{FF2B5EF4-FFF2-40B4-BE49-F238E27FC236}">
+                <a16:creationId xmlns:a16="http://schemas.microsoft.com/office/drawing/2014/main" id="{71D7BF5A-9D7D-7165-A074-5577BB0FF904}"/>
+              </a:ext>
+            </a:extLst>
+          </p:cNvPr>
+          <p:cNvSpPr/>
+          <p:nvPr/>
+        </p:nvSpPr>
+        <p:spPr>
+          <a:xfrm>
+            <a:off x="1415480" y="4581128"/>
+            <a:ext cx="288032" cy="216024"/>
+          </a:xfrm>
+          <a:prstGeom prst="ellipse">
+            <a:avLst/>
+          </a:prstGeom>
+          <a:solidFill>
+            <a:schemeClr val="tx1"/>
+          </a:solidFill>
+          <a:ln>
+            <a:noFill/>
+          </a:ln>
+        </p:spPr>
+        <p:style>
+          <a:lnRef idx="2">
+            <a:schemeClr val="accent1">
+              <a:shade val="50000"/>
+            </a:schemeClr>
+          </a:lnRef>
+          <a:fillRef idx="1">
+            <a:schemeClr val="accent1"/>
+          </a:fillRef>
+          <a:effectRef idx="0">
+            <a:schemeClr val="accent1"/>
+          </a:effectRef>
+          <a:fontRef idx="minor">
+            <a:schemeClr val="lt1"/>
+          </a:fontRef>
+        </p:style>
+        <p:txBody>
+          <a:bodyPr rtlCol="0" anchor="ctr"/>
+          <a:lstStyle/>
+          <a:p>
+            <a:pPr algn="ctr"/>
+            <a:endParaRPr kumimoji="1" lang="ja-JP" altLang="en-US"/>
+          </a:p>
+        </p:txBody>
+      </p:sp>
+      <p:sp>
+        <p:nvSpPr>
+          <p:cNvPr id="23" name="楕円 22">
+            <a:extLst>
+              <a:ext uri="{FF2B5EF4-FFF2-40B4-BE49-F238E27FC236}">
+                <a16:creationId xmlns:a16="http://schemas.microsoft.com/office/drawing/2014/main" id="{41A02224-7496-C581-805C-E0C886E389C9}"/>
+              </a:ext>
+            </a:extLst>
+          </p:cNvPr>
+          <p:cNvSpPr/>
+          <p:nvPr/>
+        </p:nvSpPr>
+        <p:spPr>
+          <a:xfrm>
+            <a:off x="2567608" y="4217912"/>
+            <a:ext cx="288032" cy="216024"/>
+          </a:xfrm>
+          <a:prstGeom prst="ellipse">
+            <a:avLst/>
+          </a:prstGeom>
+          <a:solidFill>
+            <a:schemeClr val="tx1"/>
+          </a:solidFill>
+          <a:ln>
+            <a:noFill/>
+          </a:ln>
+        </p:spPr>
+        <p:style>
+          <a:lnRef idx="2">
+            <a:schemeClr val="accent1">
+              <a:shade val="50000"/>
+            </a:schemeClr>
+          </a:lnRef>
+          <a:fillRef idx="1">
+            <a:schemeClr val="accent1"/>
+          </a:fillRef>
+          <a:effectRef idx="0">
+            <a:schemeClr val="accent1"/>
+          </a:effectRef>
+          <a:fontRef idx="minor">
+            <a:schemeClr val="lt1"/>
+          </a:fontRef>
+        </p:style>
+        <p:txBody>
+          <a:bodyPr rtlCol="0" anchor="ctr"/>
+          <a:lstStyle/>
+          <a:p>
+            <a:pPr algn="ctr"/>
+            <a:endParaRPr kumimoji="1" lang="ja-JP" altLang="en-US"/>
+          </a:p>
+        </p:txBody>
+      </p:sp>
+      <p:sp>
+        <p:nvSpPr>
+          <p:cNvPr id="24" name="楕円 23">
+            <a:extLst>
+              <a:ext uri="{FF2B5EF4-FFF2-40B4-BE49-F238E27FC236}">
+                <a16:creationId xmlns:a16="http://schemas.microsoft.com/office/drawing/2014/main" id="{7EE7F884-EFC8-E60D-8FA5-41B9D7F199D6}"/>
+              </a:ext>
+            </a:extLst>
+          </p:cNvPr>
+          <p:cNvSpPr/>
+          <p:nvPr/>
+        </p:nvSpPr>
+        <p:spPr>
+          <a:xfrm>
+            <a:off x="1962965" y="4404803"/>
+            <a:ext cx="288032" cy="216024"/>
+          </a:xfrm>
+          <a:prstGeom prst="ellipse">
+            <a:avLst/>
+          </a:prstGeom>
+          <a:solidFill>
+            <a:schemeClr val="tx1"/>
+          </a:solidFill>
+          <a:ln>
+            <a:noFill/>
+          </a:ln>
+        </p:spPr>
+        <p:style>
+          <a:lnRef idx="2">
+            <a:schemeClr val="accent1">
+              <a:shade val="50000"/>
+            </a:schemeClr>
+          </a:lnRef>
+          <a:fillRef idx="1">
+            <a:schemeClr val="accent1"/>
+          </a:fillRef>
+          <a:effectRef idx="0">
+            <a:schemeClr val="accent1"/>
+          </a:effectRef>
+          <a:fontRef idx="minor">
+            <a:schemeClr val="lt1"/>
+          </a:fontRef>
+        </p:style>
+        <p:txBody>
+          <a:bodyPr rtlCol="0" anchor="ctr"/>
+          <a:lstStyle/>
+          <a:p>
+            <a:pPr algn="ctr"/>
+            <a:endParaRPr kumimoji="1" lang="ja-JP" altLang="en-US"/>
+          </a:p>
+        </p:txBody>
+      </p:sp>
+      <p:sp>
+        <p:nvSpPr>
+          <p:cNvPr id="25" name="楕円 24">
+            <a:extLst>
+              <a:ext uri="{FF2B5EF4-FFF2-40B4-BE49-F238E27FC236}">
+                <a16:creationId xmlns:a16="http://schemas.microsoft.com/office/drawing/2014/main" id="{4E5A38DE-8DE8-B5D4-5639-6E519866D842}"/>
+              </a:ext>
+            </a:extLst>
+          </p:cNvPr>
+          <p:cNvSpPr/>
+          <p:nvPr/>
+        </p:nvSpPr>
+        <p:spPr>
+          <a:xfrm>
+            <a:off x="2567608" y="4797152"/>
+            <a:ext cx="216024" cy="432048"/>
+          </a:xfrm>
+          <a:prstGeom prst="ellipse">
+            <a:avLst/>
+          </a:prstGeom>
+          <a:solidFill>
+            <a:schemeClr val="tx1"/>
+          </a:solidFill>
+          <a:ln>
+            <a:noFill/>
+          </a:ln>
+        </p:spPr>
+        <p:style>
+          <a:lnRef idx="2">
+            <a:schemeClr val="accent1">
+              <a:shade val="50000"/>
+            </a:schemeClr>
+          </a:lnRef>
+          <a:fillRef idx="1">
+            <a:schemeClr val="accent1"/>
+          </a:fillRef>
+          <a:effectRef idx="0">
+            <a:schemeClr val="accent1"/>
+          </a:effectRef>
+          <a:fontRef idx="minor">
+            <a:schemeClr val="lt1"/>
+          </a:fontRef>
+        </p:style>
+        <p:txBody>
+          <a:bodyPr rtlCol="0" anchor="ctr"/>
+          <a:lstStyle/>
+          <a:p>
+            <a:pPr algn="ctr"/>
+            <a:endParaRPr kumimoji="1" lang="ja-JP" altLang="en-US"/>
+          </a:p>
+        </p:txBody>
+      </p:sp>
+      <p:sp>
+        <p:nvSpPr>
+          <p:cNvPr id="26" name="楕円 25">
+            <a:extLst>
+              <a:ext uri="{FF2B5EF4-FFF2-40B4-BE49-F238E27FC236}">
+                <a16:creationId xmlns:a16="http://schemas.microsoft.com/office/drawing/2014/main" id="{ED66138D-D42E-0497-D1E4-F247BED5C9F2}"/>
+              </a:ext>
+            </a:extLst>
+          </p:cNvPr>
+          <p:cNvSpPr/>
+          <p:nvPr/>
+        </p:nvSpPr>
+        <p:spPr>
+          <a:xfrm>
+            <a:off x="2927648" y="5229200"/>
+            <a:ext cx="216024" cy="432048"/>
+          </a:xfrm>
+          <a:prstGeom prst="ellipse">
+            <a:avLst/>
+          </a:prstGeom>
+          <a:solidFill>
+            <a:schemeClr val="tx1"/>
+          </a:solidFill>
+          <a:ln>
+            <a:noFill/>
+          </a:ln>
+        </p:spPr>
+        <p:style>
+          <a:lnRef idx="2">
+            <a:schemeClr val="accent1">
+              <a:shade val="50000"/>
+            </a:schemeClr>
+          </a:lnRef>
+          <a:fillRef idx="1">
+            <a:schemeClr val="accent1"/>
+          </a:fillRef>
+          <a:effectRef idx="0">
+            <a:schemeClr val="accent1"/>
+          </a:effectRef>
+          <a:fontRef idx="minor">
+            <a:schemeClr val="lt1"/>
+          </a:fontRef>
+        </p:style>
+        <p:txBody>
+          <a:bodyPr rtlCol="0" anchor="ctr"/>
+          <a:lstStyle/>
+          <a:p>
+            <a:pPr algn="ctr"/>
+            <a:endParaRPr kumimoji="1" lang="ja-JP" altLang="en-US"/>
+          </a:p>
+        </p:txBody>
+      </p:sp>
+      <p:cxnSp>
+        <p:nvCxnSpPr>
+          <p:cNvPr id="27" name="直線矢印コネクタ 26">
+            <a:extLst>
+              <a:ext uri="{FF2B5EF4-FFF2-40B4-BE49-F238E27FC236}">
+                <a16:creationId xmlns:a16="http://schemas.microsoft.com/office/drawing/2014/main" id="{3B7E6695-8E98-CE2C-65F4-37BFB840A8D3}"/>
+              </a:ext>
+            </a:extLst>
+          </p:cNvPr>
+          <p:cNvCxnSpPr/>
+          <p:nvPr/>
+        </p:nvCxnSpPr>
+        <p:spPr>
+          <a:xfrm flipV="1">
+            <a:off x="3949920" y="4797152"/>
+            <a:ext cx="0" cy="720080"/>
+          </a:xfrm>
+          <a:prstGeom prst="straightConnector1">
+            <a:avLst/>
+          </a:prstGeom>
+          <a:ln>
+            <a:solidFill>
+              <a:schemeClr val="tx1"/>
+            </a:solidFill>
+            <a:headEnd type="none" w="med" len="med"/>
+            <a:tailEnd type="triangle"/>
+          </a:ln>
+        </p:spPr>
+        <p:style>
+          <a:lnRef idx="1">
+            <a:schemeClr val="accent1"/>
+          </a:lnRef>
+          <a:fillRef idx="0">
+            <a:schemeClr val="accent1"/>
+          </a:fillRef>
+          <a:effectRef idx="0">
+            <a:schemeClr val="accent1"/>
+          </a:effectRef>
+          <a:fontRef idx="minor">
+            <a:schemeClr val="tx1"/>
+          </a:fontRef>
+        </p:style>
+      </p:cxnSp>
+      <p:sp>
+        <p:nvSpPr>
+          <p:cNvPr id="28" name="矢印: 右カーブ 27">
+            <a:extLst>
+              <a:ext uri="{FF2B5EF4-FFF2-40B4-BE49-F238E27FC236}">
+                <a16:creationId xmlns:a16="http://schemas.microsoft.com/office/drawing/2014/main" id="{B61ECDDB-7EA2-383B-F144-BB543B30D707}"/>
+              </a:ext>
+            </a:extLst>
+          </p:cNvPr>
+          <p:cNvSpPr/>
+          <p:nvPr/>
+        </p:nvSpPr>
+        <p:spPr>
+          <a:xfrm rot="16200000" flipV="1">
+            <a:off x="3841908" y="4977172"/>
+            <a:ext cx="216024" cy="432048"/>
+          </a:xfrm>
+          <a:prstGeom prst="curvedRightArrow">
+            <a:avLst/>
+          </a:prstGeom>
+        </p:spPr>
+        <p:style>
+          <a:lnRef idx="2">
+            <a:schemeClr val="accent1">
+              <a:shade val="50000"/>
+            </a:schemeClr>
+          </a:lnRef>
+          <a:fillRef idx="1">
+            <a:schemeClr val="accent1"/>
+          </a:fillRef>
+          <a:effectRef idx="0">
+            <a:schemeClr val="accent1"/>
+          </a:effectRef>
+          <a:fontRef idx="minor">
+            <a:schemeClr val="lt1"/>
+          </a:fontRef>
+        </p:style>
+        <p:txBody>
+          <a:bodyPr rtlCol="0" anchor="ctr"/>
+          <a:lstStyle/>
+          <a:p>
+            <a:pPr algn="ctr"/>
+            <a:endParaRPr kumimoji="1" lang="ja-JP" altLang="en-US" sz="1100">
+              <a:solidFill>
+                <a:schemeClr val="tx1"/>
+              </a:solidFill>
+            </a:endParaRPr>
+          </a:p>
+        </p:txBody>
+      </p:sp>
+      <mc:AlternateContent xmlns:mc="http://schemas.openxmlformats.org/markup-compatibility/2006">
+        <mc:Choice xmlns:a14="http://schemas.microsoft.com/office/drawing/2010/main" Requires="a14">
+          <p:sp>
+            <p:nvSpPr>
+              <p:cNvPr id="29" name="テキスト ボックス 28">
+                <a:extLst>
+                  <a:ext uri="{FF2B5EF4-FFF2-40B4-BE49-F238E27FC236}">
+                    <a16:creationId xmlns:a16="http://schemas.microsoft.com/office/drawing/2014/main" id="{A0C42484-35FA-34C3-128B-43CF5EE79AD2}"/>
+                  </a:ext>
+                </a:extLst>
+              </p:cNvPr>
+              <p:cNvSpPr txBox="1"/>
+              <p:nvPr/>
+            </p:nvSpPr>
+            <p:spPr>
+              <a:xfrm>
+                <a:off x="3647728" y="4149080"/>
+                <a:ext cx="734240" cy="569258"/>
+              </a:xfrm>
+              <a:prstGeom prst="rect">
+                <a:avLst/>
+              </a:prstGeom>
+              <a:noFill/>
+            </p:spPr>
+            <p:txBody>
+              <a:bodyPr wrap="none" lIns="0" tIns="0" rIns="0" bIns="0" rtlCol="0">
+                <a:spAutoFit/>
+              </a:bodyPr>
+              <a:lstStyle/>
+              <a:p>
+                <a:pPr/>
+                <a14:m>
+                  <m:oMathPara xmlns:m="http://schemas.openxmlformats.org/officeDocument/2006/math">
+                    <m:oMathParaPr>
+                      <m:jc m:val="centerGroup"/>
+                    </m:oMathParaPr>
+                    <m:oMath xmlns:m="http://schemas.openxmlformats.org/officeDocument/2006/math">
+                      <m:r>
+                        <a:rPr kumimoji="1" lang="en-US" altLang="ja-JP" sz="3600" b="0" i="1" smtClean="0">
+                          <a:latin typeface="Cambria Math" panose="02040503050406030204" pitchFamily="18" charset="0"/>
+                        </a:rPr>
+                        <m:t>−</m:t>
+                      </m:r>
+                      <m:acc>
+                        <m:accPr>
+                          <m:chr m:val="̂"/>
+                          <m:ctrlPr>
+                            <a:rPr kumimoji="1" lang="en-US" altLang="ja-JP" sz="3600" b="0" i="1" smtClean="0">
+                              <a:latin typeface="Cambria Math" panose="02040503050406030204" pitchFamily="18" charset="0"/>
+                            </a:rPr>
+                          </m:ctrlPr>
+                        </m:accPr>
+                        <m:e>
+                          <m:r>
+                            <a:rPr kumimoji="1" lang="en-US" altLang="ja-JP" sz="3600" b="0" i="1" smtClean="0">
+                              <a:latin typeface="Cambria Math" panose="02040503050406030204" pitchFamily="18" charset="0"/>
+                            </a:rPr>
+                            <m:t>𝑍</m:t>
+                          </m:r>
+                        </m:e>
+                      </m:acc>
+                    </m:oMath>
+                  </m:oMathPara>
+                </a14:m>
+                <a:endParaRPr kumimoji="1" lang="ja-JP" altLang="en-US" sz="3600"/>
+              </a:p>
+            </p:txBody>
+          </p:sp>
+        </mc:Choice>
+        <mc:Fallback>
+          <p:sp>
+            <p:nvSpPr>
+              <p:cNvPr id="29" name="テキスト ボックス 28">
+                <a:extLst>
+                  <a:ext uri="{FF2B5EF4-FFF2-40B4-BE49-F238E27FC236}">
+                    <a16:creationId xmlns:a16="http://schemas.microsoft.com/office/drawing/2014/main" id="{A0C42484-35FA-34C3-128B-43CF5EE79AD2}"/>
+                  </a:ext>
+                </a:extLst>
+              </p:cNvPr>
+              <p:cNvSpPr txBox="1">
+                <a:spLocks noRot="1" noChangeAspect="1" noMove="1" noResize="1" noEditPoints="1" noAdjustHandles="1" noChangeArrowheads="1" noChangeShapeType="1" noTextEdit="1"/>
+              </p:cNvSpPr>
+              <p:nvPr/>
+            </p:nvSpPr>
+            <p:spPr>
+              <a:xfrm>
+                <a:off x="3647728" y="4149080"/>
+                <a:ext cx="734240" cy="569258"/>
+              </a:xfrm>
+              <a:prstGeom prst="rect">
+                <a:avLst/>
+              </a:prstGeom>
+              <a:blipFill>
+                <a:blip r:embed="rId10"/>
+                <a:stretch>
+                  <a:fillRect/>
+                </a:stretch>
+              </a:blipFill>
+            </p:spPr>
+            <p:txBody>
+              <a:bodyPr/>
+              <a:lstStyle/>
+              <a:p>
+                <a:r>
+                  <a:rPr lang="ja-JP" altLang="en-US">
+                    <a:noFill/>
+                  </a:rPr>
+                  <a:t> </a:t>
+                </a:r>
+              </a:p>
+            </p:txBody>
+          </p:sp>
+        </mc:Fallback>
+      </mc:AlternateContent>
+      <p:sp>
+        <p:nvSpPr>
+          <p:cNvPr id="30" name="正方形/長方形 29">
+            <a:extLst>
+              <a:ext uri="{FF2B5EF4-FFF2-40B4-BE49-F238E27FC236}">
+                <a16:creationId xmlns:a16="http://schemas.microsoft.com/office/drawing/2014/main" id="{03119D71-C9B6-5880-304A-A4C67AB56800}"/>
+              </a:ext>
+            </a:extLst>
+          </p:cNvPr>
+          <p:cNvSpPr/>
+          <p:nvPr/>
+        </p:nvSpPr>
+        <p:spPr>
+          <a:xfrm>
+            <a:off x="4655840" y="4833156"/>
+            <a:ext cx="1440160" cy="1440160"/>
+          </a:xfrm>
+          <a:prstGeom prst="rect">
+            <a:avLst/>
+          </a:prstGeom>
+          <a:noFill/>
+          <a:ln>
+            <a:solidFill>
+              <a:schemeClr val="tx1"/>
+            </a:solidFill>
+          </a:ln>
+        </p:spPr>
+        <p:style>
+          <a:lnRef idx="2">
+            <a:schemeClr val="accent1">
+              <a:shade val="50000"/>
+            </a:schemeClr>
+          </a:lnRef>
+          <a:fillRef idx="1">
+            <a:schemeClr val="accent1"/>
+          </a:fillRef>
+          <a:effectRef idx="0">
+            <a:schemeClr val="accent1"/>
+          </a:effectRef>
+          <a:fontRef idx="minor">
+            <a:schemeClr val="lt1"/>
+          </a:fontRef>
+        </p:style>
+        <p:txBody>
+          <a:bodyPr rtlCol="0" anchor="ctr"/>
+          <a:lstStyle/>
+          <a:p>
+            <a:pPr algn="ctr"/>
+            <a:endParaRPr kumimoji="1" lang="ja-JP" altLang="en-US"/>
+          </a:p>
+        </p:txBody>
+      </p:sp>
+      <p:cxnSp>
+        <p:nvCxnSpPr>
+          <p:cNvPr id="31" name="直線コネクタ 30">
+            <a:extLst>
+              <a:ext uri="{FF2B5EF4-FFF2-40B4-BE49-F238E27FC236}">
+                <a16:creationId xmlns:a16="http://schemas.microsoft.com/office/drawing/2014/main" id="{4EA164EC-60C0-8D47-779B-A05DCDB8BB0C}"/>
+              </a:ext>
+            </a:extLst>
+          </p:cNvPr>
+          <p:cNvCxnSpPr>
+            <a:cxnSpLocks/>
+          </p:cNvCxnSpPr>
+          <p:nvPr/>
+        </p:nvCxnSpPr>
+        <p:spPr>
+          <a:xfrm>
+            <a:off x="6816080" y="4113076"/>
+            <a:ext cx="0" cy="1440160"/>
+          </a:xfrm>
+          <a:prstGeom prst="line">
+            <a:avLst/>
+          </a:prstGeom>
+          <a:ln>
+            <a:solidFill>
+              <a:schemeClr val="tx1"/>
+            </a:solidFill>
+            <a:headEnd type="none" w="med" len="med"/>
+            <a:tailEnd type="none" w="med" len="med"/>
+          </a:ln>
+        </p:spPr>
+        <p:style>
+          <a:lnRef idx="1">
+            <a:schemeClr val="accent1"/>
+          </a:lnRef>
+          <a:fillRef idx="0">
+            <a:schemeClr val="accent1"/>
+          </a:fillRef>
+          <a:effectRef idx="0">
+            <a:schemeClr val="accent1"/>
+          </a:effectRef>
+          <a:fontRef idx="minor">
+            <a:schemeClr val="tx1"/>
+          </a:fontRef>
+        </p:style>
+      </p:cxnSp>
+      <p:cxnSp>
+        <p:nvCxnSpPr>
+          <p:cNvPr id="32" name="直線コネクタ 31">
+            <a:extLst>
+              <a:ext uri="{FF2B5EF4-FFF2-40B4-BE49-F238E27FC236}">
+                <a16:creationId xmlns:a16="http://schemas.microsoft.com/office/drawing/2014/main" id="{DEC17591-EFBC-CA5C-DBCE-A57015D4ED01}"/>
+              </a:ext>
+            </a:extLst>
+          </p:cNvPr>
+          <p:cNvCxnSpPr>
+            <a:cxnSpLocks/>
+          </p:cNvCxnSpPr>
+          <p:nvPr/>
+        </p:nvCxnSpPr>
+        <p:spPr>
+          <a:xfrm flipH="1">
+            <a:off x="5375920" y="4113076"/>
+            <a:ext cx="1440160" cy="0"/>
+          </a:xfrm>
+          <a:prstGeom prst="line">
+            <a:avLst/>
+          </a:prstGeom>
+          <a:ln>
+            <a:solidFill>
+              <a:schemeClr val="tx1"/>
+            </a:solidFill>
+            <a:headEnd type="none" w="med" len="med"/>
+            <a:tailEnd type="none" w="med" len="med"/>
+          </a:ln>
+        </p:spPr>
+        <p:style>
+          <a:lnRef idx="1">
+            <a:schemeClr val="accent1"/>
+          </a:lnRef>
+          <a:fillRef idx="0">
+            <a:schemeClr val="accent1"/>
+          </a:fillRef>
+          <a:effectRef idx="0">
+            <a:schemeClr val="accent1"/>
+          </a:effectRef>
+          <a:fontRef idx="minor">
+            <a:schemeClr val="tx1"/>
+          </a:fontRef>
+        </p:style>
+      </p:cxnSp>
+      <p:cxnSp>
+        <p:nvCxnSpPr>
+          <p:cNvPr id="33" name="直線コネクタ 32">
+            <a:extLst>
+              <a:ext uri="{FF2B5EF4-FFF2-40B4-BE49-F238E27FC236}">
+                <a16:creationId xmlns:a16="http://schemas.microsoft.com/office/drawing/2014/main" id="{8789027A-46E1-9EC4-7170-95C27F8C1708}"/>
+              </a:ext>
+            </a:extLst>
+          </p:cNvPr>
+          <p:cNvCxnSpPr/>
+          <p:nvPr/>
+        </p:nvCxnSpPr>
+        <p:spPr>
+          <a:xfrm flipH="1">
+            <a:off x="4655840" y="4113076"/>
+            <a:ext cx="720080" cy="720080"/>
+          </a:xfrm>
+          <a:prstGeom prst="line">
+            <a:avLst/>
+          </a:prstGeom>
+          <a:ln>
+            <a:solidFill>
+              <a:schemeClr val="tx1"/>
+            </a:solidFill>
+            <a:headEnd type="none" w="med" len="med"/>
+            <a:tailEnd type="none" w="med" len="med"/>
+          </a:ln>
+        </p:spPr>
+        <p:style>
+          <a:lnRef idx="1">
+            <a:schemeClr val="accent1"/>
+          </a:lnRef>
+          <a:fillRef idx="0">
+            <a:schemeClr val="accent1"/>
+          </a:fillRef>
+          <a:effectRef idx="0">
+            <a:schemeClr val="accent1"/>
+          </a:effectRef>
+          <a:fontRef idx="minor">
+            <a:schemeClr val="tx1"/>
+          </a:fontRef>
+        </p:style>
+      </p:cxnSp>
+      <p:cxnSp>
+        <p:nvCxnSpPr>
+          <p:cNvPr id="34" name="直線コネクタ 33">
+            <a:extLst>
+              <a:ext uri="{FF2B5EF4-FFF2-40B4-BE49-F238E27FC236}">
+                <a16:creationId xmlns:a16="http://schemas.microsoft.com/office/drawing/2014/main" id="{02513924-7804-7CB2-C4B9-D30284D63D47}"/>
+              </a:ext>
+            </a:extLst>
+          </p:cNvPr>
+          <p:cNvCxnSpPr/>
+          <p:nvPr/>
+        </p:nvCxnSpPr>
+        <p:spPr>
+          <a:xfrm flipH="1">
+            <a:off x="6096000" y="4113076"/>
+            <a:ext cx="720080" cy="720080"/>
+          </a:xfrm>
+          <a:prstGeom prst="line">
+            <a:avLst/>
+          </a:prstGeom>
+          <a:ln>
+            <a:solidFill>
+              <a:schemeClr val="tx1"/>
+            </a:solidFill>
+            <a:headEnd type="none" w="med" len="med"/>
+            <a:tailEnd type="none" w="med" len="med"/>
+          </a:ln>
+        </p:spPr>
+        <p:style>
+          <a:lnRef idx="1">
+            <a:schemeClr val="accent1"/>
+          </a:lnRef>
+          <a:fillRef idx="0">
+            <a:schemeClr val="accent1"/>
+          </a:fillRef>
+          <a:effectRef idx="0">
+            <a:schemeClr val="accent1"/>
+          </a:effectRef>
+          <a:fontRef idx="minor">
+            <a:schemeClr val="tx1"/>
+          </a:fontRef>
+        </p:style>
+      </p:cxnSp>
+      <p:cxnSp>
+        <p:nvCxnSpPr>
+          <p:cNvPr id="35" name="直線コネクタ 34">
+            <a:extLst>
+              <a:ext uri="{FF2B5EF4-FFF2-40B4-BE49-F238E27FC236}">
+                <a16:creationId xmlns:a16="http://schemas.microsoft.com/office/drawing/2014/main" id="{6A037688-E35C-B898-0532-B36F11654F36}"/>
+              </a:ext>
+            </a:extLst>
+          </p:cNvPr>
+          <p:cNvCxnSpPr/>
+          <p:nvPr/>
+        </p:nvCxnSpPr>
+        <p:spPr>
+          <a:xfrm flipH="1">
+            <a:off x="6096000" y="5553236"/>
+            <a:ext cx="720080" cy="720080"/>
+          </a:xfrm>
+          <a:prstGeom prst="line">
+            <a:avLst/>
+          </a:prstGeom>
+          <a:ln>
+            <a:solidFill>
+              <a:schemeClr val="tx1"/>
+            </a:solidFill>
+            <a:headEnd type="none" w="med" len="med"/>
+            <a:tailEnd type="none" w="med" len="med"/>
+          </a:ln>
+        </p:spPr>
+        <p:style>
+          <a:lnRef idx="1">
+            <a:schemeClr val="accent1"/>
+          </a:lnRef>
+          <a:fillRef idx="0">
+            <a:schemeClr val="accent1"/>
+          </a:fillRef>
+          <a:effectRef idx="0">
+            <a:schemeClr val="accent1"/>
+          </a:effectRef>
+          <a:fontRef idx="minor">
+            <a:schemeClr val="tx1"/>
+          </a:fontRef>
+        </p:style>
+      </p:cxnSp>
+      <p:sp>
+        <p:nvSpPr>
+          <p:cNvPr id="40" name="楕円 39">
+            <a:extLst>
+              <a:ext uri="{FF2B5EF4-FFF2-40B4-BE49-F238E27FC236}">
+                <a16:creationId xmlns:a16="http://schemas.microsoft.com/office/drawing/2014/main" id="{068AB0E0-866B-FBAF-81B4-E613217E6800}"/>
+              </a:ext>
+            </a:extLst>
+          </p:cNvPr>
+          <p:cNvSpPr/>
+          <p:nvPr/>
+        </p:nvSpPr>
+        <p:spPr>
+          <a:xfrm>
+            <a:off x="4799856" y="4977172"/>
+            <a:ext cx="432048" cy="432048"/>
+          </a:xfrm>
+          <a:prstGeom prst="ellipse">
+            <a:avLst/>
+          </a:prstGeom>
+          <a:solidFill>
+            <a:schemeClr val="tx1"/>
+          </a:solidFill>
+          <a:ln>
+            <a:noFill/>
+          </a:ln>
+        </p:spPr>
+        <p:style>
+          <a:lnRef idx="2">
+            <a:schemeClr val="accent1">
+              <a:shade val="50000"/>
+            </a:schemeClr>
+          </a:lnRef>
+          <a:fillRef idx="1">
+            <a:schemeClr val="accent1"/>
+          </a:fillRef>
+          <a:effectRef idx="0">
+            <a:schemeClr val="accent1"/>
+          </a:effectRef>
+          <a:fontRef idx="minor">
+            <a:schemeClr val="lt1"/>
+          </a:fontRef>
+        </p:style>
+        <p:txBody>
+          <a:bodyPr rtlCol="0" anchor="ctr"/>
+          <a:lstStyle/>
+          <a:p>
+            <a:pPr algn="ctr"/>
+            <a:endParaRPr kumimoji="1" lang="ja-JP" altLang="en-US"/>
+          </a:p>
+        </p:txBody>
+      </p:sp>
+      <p:sp>
+        <p:nvSpPr>
+          <p:cNvPr id="41" name="楕円 40">
+            <a:extLst>
+              <a:ext uri="{FF2B5EF4-FFF2-40B4-BE49-F238E27FC236}">
+                <a16:creationId xmlns:a16="http://schemas.microsoft.com/office/drawing/2014/main" id="{5EF73018-EEA6-DD83-95DB-984A589F5756}"/>
+              </a:ext>
+            </a:extLst>
+          </p:cNvPr>
+          <p:cNvSpPr/>
+          <p:nvPr/>
+        </p:nvSpPr>
+        <p:spPr>
+          <a:xfrm>
+            <a:off x="5519936" y="5697252"/>
+            <a:ext cx="432048" cy="432048"/>
+          </a:xfrm>
+          <a:prstGeom prst="ellipse">
+            <a:avLst/>
+          </a:prstGeom>
+          <a:solidFill>
+            <a:schemeClr val="tx1"/>
+          </a:solidFill>
+          <a:ln>
+            <a:noFill/>
+          </a:ln>
+        </p:spPr>
+        <p:style>
+          <a:lnRef idx="2">
+            <a:schemeClr val="accent1">
+              <a:shade val="50000"/>
+            </a:schemeClr>
+          </a:lnRef>
+          <a:fillRef idx="1">
+            <a:schemeClr val="accent1"/>
+          </a:fillRef>
+          <a:effectRef idx="0">
+            <a:schemeClr val="accent1"/>
+          </a:effectRef>
+          <a:fontRef idx="minor">
+            <a:schemeClr val="lt1"/>
+          </a:fontRef>
+        </p:style>
+        <p:txBody>
+          <a:bodyPr rtlCol="0" anchor="ctr"/>
+          <a:lstStyle/>
+          <a:p>
+            <a:pPr algn="ctr"/>
+            <a:endParaRPr kumimoji="1" lang="ja-JP" altLang="en-US"/>
+          </a:p>
+        </p:txBody>
+      </p:sp>
+      <mc:AlternateContent xmlns:mc="http://schemas.openxmlformats.org/markup-compatibility/2006">
+        <mc:Choice xmlns:a14="http://schemas.microsoft.com/office/drawing/2010/main" Requires="a14">
+          <p:sp>
+            <p:nvSpPr>
+              <p:cNvPr id="48" name="テキスト ボックス 47">
+                <a:extLst>
+                  <a:ext uri="{FF2B5EF4-FFF2-40B4-BE49-F238E27FC236}">
+                    <a16:creationId xmlns:a16="http://schemas.microsoft.com/office/drawing/2014/main" id="{0CE92C76-64A5-72E5-1B76-0F60F95881D9}"/>
+                  </a:ext>
+                </a:extLst>
+              </p:cNvPr>
+              <p:cNvSpPr txBox="1"/>
+              <p:nvPr/>
+            </p:nvSpPr>
+            <p:spPr>
+              <a:xfrm>
+                <a:off x="4295800" y="3068960"/>
+                <a:ext cx="3630674" cy="695640"/>
+              </a:xfrm>
+              <a:prstGeom prst="rect">
+                <a:avLst/>
+              </a:prstGeom>
+              <a:noFill/>
+            </p:spPr>
+            <p:txBody>
+              <a:bodyPr wrap="none" lIns="0" tIns="0" rIns="0" bIns="0" rtlCol="0">
+                <a:spAutoFit/>
+              </a:bodyPr>
+              <a:lstStyle/>
+              <a:p>
+                <a:pPr/>
+                <a14:m>
+                  <m:oMathPara xmlns:m="http://schemas.openxmlformats.org/officeDocument/2006/math">
+                    <m:oMathParaPr>
+                      <m:jc m:val="centerGroup"/>
+                    </m:oMathParaPr>
+                    <m:oMath xmlns:m="http://schemas.openxmlformats.org/officeDocument/2006/math">
+                      <m:acc>
+                        <m:accPr>
+                          <m:chr m:val="̂"/>
+                          <m:ctrlPr>
+                            <a:rPr kumimoji="1" lang="en-US" altLang="ja-JP" sz="4400" b="0" i="1" smtClean="0">
+                              <a:latin typeface="Cambria Math" panose="02040503050406030204" pitchFamily="18" charset="0"/>
+                            </a:rPr>
+                          </m:ctrlPr>
+                        </m:accPr>
+                        <m:e>
+                          <m:r>
+                            <a:rPr kumimoji="1" lang="en-US" altLang="ja-JP" sz="4400" b="0" i="1" smtClean="0">
+                              <a:latin typeface="Cambria Math" panose="02040503050406030204" pitchFamily="18" charset="0"/>
+                            </a:rPr>
+                            <m:t>𝑌</m:t>
+                          </m:r>
+                        </m:e>
+                      </m:acc>
+                      <m:acc>
+                        <m:accPr>
+                          <m:chr m:val="̂"/>
+                          <m:ctrlPr>
+                            <a:rPr kumimoji="1" lang="en-US" altLang="ja-JP" sz="4400" i="1">
+                              <a:latin typeface="Cambria Math" panose="02040503050406030204" pitchFamily="18" charset="0"/>
+                            </a:rPr>
+                          </m:ctrlPr>
+                        </m:accPr>
+                        <m:e>
+                          <m:r>
+                            <a:rPr kumimoji="1" lang="en-US" altLang="ja-JP" sz="4400" i="1">
+                              <a:latin typeface="Cambria Math" panose="02040503050406030204" pitchFamily="18" charset="0"/>
+                            </a:rPr>
+                            <m:t>𝑋</m:t>
+                          </m:r>
+                        </m:e>
+                      </m:acc>
+                      <m:r>
+                        <a:rPr kumimoji="1" lang="en-US" altLang="ja-JP" sz="4400" b="0" i="1" smtClean="0">
+                          <a:latin typeface="Cambria Math" panose="02040503050406030204" pitchFamily="18" charset="0"/>
+                        </a:rPr>
+                        <m:t>(−</m:t>
+                      </m:r>
+                      <m:acc>
+                        <m:accPr>
+                          <m:chr m:val="̂"/>
+                          <m:ctrlPr>
+                            <a:rPr kumimoji="1" lang="en-US" altLang="ja-JP" sz="4400" i="1">
+                              <a:latin typeface="Cambria Math" panose="02040503050406030204" pitchFamily="18" charset="0"/>
+                            </a:rPr>
+                          </m:ctrlPr>
+                        </m:accPr>
+                        <m:e>
+                          <m:r>
+                            <a:rPr kumimoji="1" lang="en-US" altLang="ja-JP" sz="4400" i="1">
+                              <a:latin typeface="Cambria Math" panose="02040503050406030204" pitchFamily="18" charset="0"/>
+                            </a:rPr>
+                            <m:t>𝑋</m:t>
+                          </m:r>
+                        </m:e>
+                      </m:acc>
+                      <m:r>
+                        <a:rPr kumimoji="1" lang="en-US" altLang="ja-JP" sz="4400" b="0" i="1" smtClean="0">
+                          <a:latin typeface="Cambria Math" panose="02040503050406030204" pitchFamily="18" charset="0"/>
+                        </a:rPr>
+                        <m:t>)</m:t>
+                      </m:r>
+                      <m:r>
+                        <a:rPr kumimoji="1" lang="en-US" altLang="ja-JP" sz="4400" b="0" i="1" smtClean="0">
+                          <a:latin typeface="Cambria Math" panose="02040503050406030204" pitchFamily="18" charset="0"/>
+                        </a:rPr>
+                        <m:t>=−</m:t>
+                      </m:r>
+                      <m:acc>
+                        <m:accPr>
+                          <m:chr m:val="̂"/>
+                          <m:ctrlPr>
+                            <a:rPr kumimoji="1" lang="en-US" altLang="ja-JP" sz="4400" b="0" i="1" smtClean="0">
+                              <a:latin typeface="Cambria Math" panose="02040503050406030204" pitchFamily="18" charset="0"/>
+                            </a:rPr>
+                          </m:ctrlPr>
+                        </m:accPr>
+                        <m:e>
+                          <m:r>
+                            <a:rPr kumimoji="1" lang="en-US" altLang="ja-JP" sz="4400" b="0" i="1" smtClean="0">
+                              <a:latin typeface="Cambria Math" panose="02040503050406030204" pitchFamily="18" charset="0"/>
+                            </a:rPr>
+                            <m:t>𝑍</m:t>
+                          </m:r>
+                        </m:e>
+                      </m:acc>
+                    </m:oMath>
+                  </m:oMathPara>
+                </a14:m>
+                <a:endParaRPr kumimoji="1" lang="ja-JP" altLang="en-US" sz="4400"/>
+              </a:p>
+            </p:txBody>
+          </p:sp>
+        </mc:Choice>
+        <mc:Fallback>
+          <p:sp>
+            <p:nvSpPr>
+              <p:cNvPr id="48" name="テキスト ボックス 47">
+                <a:extLst>
+                  <a:ext uri="{FF2B5EF4-FFF2-40B4-BE49-F238E27FC236}">
+                    <a16:creationId xmlns:a16="http://schemas.microsoft.com/office/drawing/2014/main" id="{0CE92C76-64A5-72E5-1B76-0F60F95881D9}"/>
+                  </a:ext>
+                </a:extLst>
+              </p:cNvPr>
+              <p:cNvSpPr txBox="1">
+                <a:spLocks noRot="1" noChangeAspect="1" noMove="1" noResize="1" noEditPoints="1" noAdjustHandles="1" noChangeArrowheads="1" noChangeShapeType="1" noTextEdit="1"/>
+              </p:cNvSpPr>
+              <p:nvPr/>
+            </p:nvSpPr>
+            <p:spPr>
+              <a:xfrm>
+                <a:off x="4295800" y="3068960"/>
+                <a:ext cx="3630674" cy="695640"/>
+              </a:xfrm>
+              <a:prstGeom prst="rect">
+                <a:avLst/>
+              </a:prstGeom>
+              <a:blipFill>
+                <a:blip r:embed="rId11"/>
+                <a:stretch>
+                  <a:fillRect/>
+                </a:stretch>
+              </a:blipFill>
+            </p:spPr>
+            <p:txBody>
+              <a:bodyPr/>
+              <a:lstStyle/>
+              <a:p>
+                <a:r>
+                  <a:rPr lang="ja-JP" altLang="en-US">
+                    <a:noFill/>
+                  </a:rPr>
+                  <a:t> </a:t>
+                </a:r>
+              </a:p>
+            </p:txBody>
+          </p:sp>
+        </mc:Fallback>
+      </mc:AlternateContent>
+      <p:sp>
+        <p:nvSpPr>
+          <p:cNvPr id="49" name="矢印: 右 48">
+            <a:extLst>
+              <a:ext uri="{FF2B5EF4-FFF2-40B4-BE49-F238E27FC236}">
+                <a16:creationId xmlns:a16="http://schemas.microsoft.com/office/drawing/2014/main" id="{775BE955-58C6-1A99-597D-69B1B8C6A95A}"/>
               </a:ext>
             </a:extLst>
           </p:cNvPr>
@@ -15062,6 +18595,474 @@
             <a:solidFill>
               <a:schemeClr val="tx1"/>
             </a:solidFill>
+          </a:ln>
+        </p:spPr>
+        <p:style>
+          <a:lnRef idx="2">
+            <a:schemeClr val="accent1">
+              <a:shade val="50000"/>
+            </a:schemeClr>
+          </a:lnRef>
+          <a:fillRef idx="1">
+            <a:schemeClr val="accent1"/>
+          </a:fillRef>
+          <a:effectRef idx="0">
+            <a:schemeClr val="accent1"/>
+          </a:effectRef>
+          <a:fontRef idx="minor">
+            <a:schemeClr val="lt1"/>
+          </a:fontRef>
+        </p:style>
+        <p:txBody>
+          <a:bodyPr rtlCol="0" anchor="ctr"/>
+          <a:lstStyle/>
+          <a:p>
+            <a:pPr algn="ctr"/>
+            <a:endParaRPr kumimoji="1" lang="ja-JP" altLang="en-US"/>
+          </a:p>
+        </p:txBody>
+      </p:sp>
+      <p:sp>
+        <p:nvSpPr>
+          <p:cNvPr id="50" name="楕円 49">
+            <a:extLst>
+              <a:ext uri="{FF2B5EF4-FFF2-40B4-BE49-F238E27FC236}">
+                <a16:creationId xmlns:a16="http://schemas.microsoft.com/office/drawing/2014/main" id="{E6AF40F5-59EE-F38D-5C0D-02B7C23A33BB}"/>
+              </a:ext>
+            </a:extLst>
+          </p:cNvPr>
+          <p:cNvSpPr/>
+          <p:nvPr/>
+        </p:nvSpPr>
+        <p:spPr>
+          <a:xfrm>
+            <a:off x="6168008" y="5589240"/>
+            <a:ext cx="216024" cy="288032"/>
+          </a:xfrm>
+          <a:prstGeom prst="ellipse">
+            <a:avLst/>
+          </a:prstGeom>
+          <a:solidFill>
+            <a:schemeClr val="tx1"/>
+          </a:solidFill>
+          <a:ln>
+            <a:noFill/>
+          </a:ln>
+        </p:spPr>
+        <p:style>
+          <a:lnRef idx="2">
+            <a:schemeClr val="accent1">
+              <a:shade val="50000"/>
+            </a:schemeClr>
+          </a:lnRef>
+          <a:fillRef idx="1">
+            <a:schemeClr val="accent1"/>
+          </a:fillRef>
+          <a:effectRef idx="0">
+            <a:schemeClr val="accent1"/>
+          </a:effectRef>
+          <a:fontRef idx="minor">
+            <a:schemeClr val="lt1"/>
+          </a:fontRef>
+        </p:style>
+        <p:txBody>
+          <a:bodyPr rtlCol="0" anchor="ctr"/>
+          <a:lstStyle/>
+          <a:p>
+            <a:pPr algn="ctr"/>
+            <a:endParaRPr kumimoji="1" lang="ja-JP" altLang="en-US"/>
+          </a:p>
+        </p:txBody>
+      </p:sp>
+      <p:sp>
+        <p:nvSpPr>
+          <p:cNvPr id="53" name="楕円 52">
+            <a:extLst>
+              <a:ext uri="{FF2B5EF4-FFF2-40B4-BE49-F238E27FC236}">
+                <a16:creationId xmlns:a16="http://schemas.microsoft.com/office/drawing/2014/main" id="{EED81D74-1B77-3D73-1055-594DDB6D2EF6}"/>
+              </a:ext>
+            </a:extLst>
+          </p:cNvPr>
+          <p:cNvSpPr/>
+          <p:nvPr/>
+        </p:nvSpPr>
+        <p:spPr>
+          <a:xfrm>
+            <a:off x="6384032" y="5373216"/>
+            <a:ext cx="216024" cy="288032"/>
+          </a:xfrm>
+          <a:prstGeom prst="ellipse">
+            <a:avLst/>
+          </a:prstGeom>
+          <a:solidFill>
+            <a:schemeClr val="tx1"/>
+          </a:solidFill>
+          <a:ln>
+            <a:noFill/>
+          </a:ln>
+        </p:spPr>
+        <p:style>
+          <a:lnRef idx="2">
+            <a:schemeClr val="accent1">
+              <a:shade val="50000"/>
+            </a:schemeClr>
+          </a:lnRef>
+          <a:fillRef idx="1">
+            <a:schemeClr val="accent1"/>
+          </a:fillRef>
+          <a:effectRef idx="0">
+            <a:schemeClr val="accent1"/>
+          </a:effectRef>
+          <a:fontRef idx="minor">
+            <a:schemeClr val="lt1"/>
+          </a:fontRef>
+        </p:style>
+        <p:txBody>
+          <a:bodyPr rtlCol="0" anchor="ctr"/>
+          <a:lstStyle/>
+          <a:p>
+            <a:pPr algn="ctr"/>
+            <a:endParaRPr kumimoji="1" lang="ja-JP" altLang="en-US"/>
+          </a:p>
+        </p:txBody>
+      </p:sp>
+      <p:sp>
+        <p:nvSpPr>
+          <p:cNvPr id="54" name="楕円 53">
+            <a:extLst>
+              <a:ext uri="{FF2B5EF4-FFF2-40B4-BE49-F238E27FC236}">
+                <a16:creationId xmlns:a16="http://schemas.microsoft.com/office/drawing/2014/main" id="{3EEDC724-2687-507B-252F-4D85C235D82A}"/>
+              </a:ext>
+            </a:extLst>
+          </p:cNvPr>
+          <p:cNvSpPr/>
+          <p:nvPr/>
+        </p:nvSpPr>
+        <p:spPr>
+          <a:xfrm>
+            <a:off x="6600056" y="5157192"/>
+            <a:ext cx="216024" cy="288032"/>
+          </a:xfrm>
+          <a:prstGeom prst="ellipse">
+            <a:avLst/>
+          </a:prstGeom>
+          <a:solidFill>
+            <a:schemeClr val="tx1"/>
+          </a:solidFill>
+          <a:ln>
+            <a:noFill/>
+          </a:ln>
+        </p:spPr>
+        <p:style>
+          <a:lnRef idx="2">
+            <a:schemeClr val="accent1">
+              <a:shade val="50000"/>
+            </a:schemeClr>
+          </a:lnRef>
+          <a:fillRef idx="1">
+            <a:schemeClr val="accent1"/>
+          </a:fillRef>
+          <a:effectRef idx="0">
+            <a:schemeClr val="accent1"/>
+          </a:effectRef>
+          <a:fontRef idx="minor">
+            <a:schemeClr val="lt1"/>
+          </a:fontRef>
+        </p:style>
+        <p:txBody>
+          <a:bodyPr rtlCol="0" anchor="ctr"/>
+          <a:lstStyle/>
+          <a:p>
+            <a:pPr algn="ctr"/>
+            <a:endParaRPr kumimoji="1" lang="ja-JP" altLang="en-US"/>
+          </a:p>
+        </p:txBody>
+      </p:sp>
+      <p:sp>
+        <p:nvSpPr>
+          <p:cNvPr id="55" name="楕円 54">
+            <a:extLst>
+              <a:ext uri="{FF2B5EF4-FFF2-40B4-BE49-F238E27FC236}">
+                <a16:creationId xmlns:a16="http://schemas.microsoft.com/office/drawing/2014/main" id="{B15718A6-248C-C8F3-FF9F-315AA148E4FE}"/>
+              </a:ext>
+            </a:extLst>
+          </p:cNvPr>
+          <p:cNvSpPr/>
+          <p:nvPr/>
+        </p:nvSpPr>
+        <p:spPr>
+          <a:xfrm>
+            <a:off x="6168008" y="4869160"/>
+            <a:ext cx="216024" cy="288032"/>
+          </a:xfrm>
+          <a:prstGeom prst="ellipse">
+            <a:avLst/>
+          </a:prstGeom>
+          <a:solidFill>
+            <a:schemeClr val="tx1"/>
+          </a:solidFill>
+          <a:ln>
+            <a:noFill/>
+          </a:ln>
+        </p:spPr>
+        <p:style>
+          <a:lnRef idx="2">
+            <a:schemeClr val="accent1">
+              <a:shade val="50000"/>
+            </a:schemeClr>
+          </a:lnRef>
+          <a:fillRef idx="1">
+            <a:schemeClr val="accent1"/>
+          </a:fillRef>
+          <a:effectRef idx="0">
+            <a:schemeClr val="accent1"/>
+          </a:effectRef>
+          <a:fontRef idx="minor">
+            <a:schemeClr val="lt1"/>
+          </a:fontRef>
+        </p:style>
+        <p:txBody>
+          <a:bodyPr rtlCol="0" anchor="ctr"/>
+          <a:lstStyle/>
+          <a:p>
+            <a:pPr algn="ctr"/>
+            <a:endParaRPr kumimoji="1" lang="ja-JP" altLang="en-US"/>
+          </a:p>
+        </p:txBody>
+      </p:sp>
+      <p:sp>
+        <p:nvSpPr>
+          <p:cNvPr id="56" name="楕円 55">
+            <a:extLst>
+              <a:ext uri="{FF2B5EF4-FFF2-40B4-BE49-F238E27FC236}">
+                <a16:creationId xmlns:a16="http://schemas.microsoft.com/office/drawing/2014/main" id="{B4AD2C43-A9FA-FC1E-03F7-0C97934CAF1D}"/>
+              </a:ext>
+            </a:extLst>
+          </p:cNvPr>
+          <p:cNvSpPr/>
+          <p:nvPr/>
+        </p:nvSpPr>
+        <p:spPr>
+          <a:xfrm>
+            <a:off x="6384032" y="4653136"/>
+            <a:ext cx="216024" cy="288032"/>
+          </a:xfrm>
+          <a:prstGeom prst="ellipse">
+            <a:avLst/>
+          </a:prstGeom>
+          <a:solidFill>
+            <a:schemeClr val="tx1"/>
+          </a:solidFill>
+          <a:ln>
+            <a:noFill/>
+          </a:ln>
+        </p:spPr>
+        <p:style>
+          <a:lnRef idx="2">
+            <a:schemeClr val="accent1">
+              <a:shade val="50000"/>
+            </a:schemeClr>
+          </a:lnRef>
+          <a:fillRef idx="1">
+            <a:schemeClr val="accent1"/>
+          </a:fillRef>
+          <a:effectRef idx="0">
+            <a:schemeClr val="accent1"/>
+          </a:effectRef>
+          <a:fontRef idx="minor">
+            <a:schemeClr val="lt1"/>
+          </a:fontRef>
+        </p:style>
+        <p:txBody>
+          <a:bodyPr rtlCol="0" anchor="ctr"/>
+          <a:lstStyle/>
+          <a:p>
+            <a:pPr algn="ctr"/>
+            <a:endParaRPr kumimoji="1" lang="ja-JP" altLang="en-US"/>
+          </a:p>
+        </p:txBody>
+      </p:sp>
+      <p:sp>
+        <p:nvSpPr>
+          <p:cNvPr id="57" name="楕円 56">
+            <a:extLst>
+              <a:ext uri="{FF2B5EF4-FFF2-40B4-BE49-F238E27FC236}">
+                <a16:creationId xmlns:a16="http://schemas.microsoft.com/office/drawing/2014/main" id="{39662653-C9A8-5861-BD79-0C97A4C09763}"/>
+              </a:ext>
+            </a:extLst>
+          </p:cNvPr>
+          <p:cNvSpPr/>
+          <p:nvPr/>
+        </p:nvSpPr>
+        <p:spPr>
+          <a:xfrm>
+            <a:off x="6600056" y="4437112"/>
+            <a:ext cx="216024" cy="288032"/>
+          </a:xfrm>
+          <a:prstGeom prst="ellipse">
+            <a:avLst/>
+          </a:prstGeom>
+          <a:solidFill>
+            <a:schemeClr val="tx1"/>
+          </a:solidFill>
+          <a:ln>
+            <a:noFill/>
+          </a:ln>
+        </p:spPr>
+        <p:style>
+          <a:lnRef idx="2">
+            <a:schemeClr val="accent1">
+              <a:shade val="50000"/>
+            </a:schemeClr>
+          </a:lnRef>
+          <a:fillRef idx="1">
+            <a:schemeClr val="accent1"/>
+          </a:fillRef>
+          <a:effectRef idx="0">
+            <a:schemeClr val="accent1"/>
+          </a:effectRef>
+          <a:fontRef idx="minor">
+            <a:schemeClr val="lt1"/>
+          </a:fontRef>
+        </p:style>
+        <p:txBody>
+          <a:bodyPr rtlCol="0" anchor="ctr"/>
+          <a:lstStyle/>
+          <a:p>
+            <a:pPr algn="ctr"/>
+            <a:endParaRPr kumimoji="1" lang="ja-JP" altLang="en-US"/>
+          </a:p>
+        </p:txBody>
+      </p:sp>
+      <p:sp>
+        <p:nvSpPr>
+          <p:cNvPr id="58" name="楕円 57">
+            <a:extLst>
+              <a:ext uri="{FF2B5EF4-FFF2-40B4-BE49-F238E27FC236}">
+                <a16:creationId xmlns:a16="http://schemas.microsoft.com/office/drawing/2014/main" id="{2B74600D-0538-F34B-1EB0-485CAD1A89BD}"/>
+              </a:ext>
+            </a:extLst>
+          </p:cNvPr>
+          <p:cNvSpPr/>
+          <p:nvPr/>
+        </p:nvSpPr>
+        <p:spPr>
+          <a:xfrm>
+            <a:off x="5879976" y="4581128"/>
+            <a:ext cx="288032" cy="216024"/>
+          </a:xfrm>
+          <a:prstGeom prst="ellipse">
+            <a:avLst/>
+          </a:prstGeom>
+          <a:solidFill>
+            <a:schemeClr val="tx1"/>
+          </a:solidFill>
+          <a:ln>
+            <a:noFill/>
+          </a:ln>
+        </p:spPr>
+        <p:style>
+          <a:lnRef idx="2">
+            <a:schemeClr val="accent1">
+              <a:shade val="50000"/>
+            </a:schemeClr>
+          </a:lnRef>
+          <a:fillRef idx="1">
+            <a:schemeClr val="accent1"/>
+          </a:fillRef>
+          <a:effectRef idx="0">
+            <a:schemeClr val="accent1"/>
+          </a:effectRef>
+          <a:fontRef idx="minor">
+            <a:schemeClr val="lt1"/>
+          </a:fontRef>
+        </p:style>
+        <p:txBody>
+          <a:bodyPr rtlCol="0" anchor="ctr"/>
+          <a:lstStyle/>
+          <a:p>
+            <a:pPr algn="ctr"/>
+            <a:endParaRPr kumimoji="1" lang="ja-JP" altLang="en-US"/>
+          </a:p>
+        </p:txBody>
+      </p:sp>
+      <p:sp>
+        <p:nvSpPr>
+          <p:cNvPr id="59" name="楕円 58">
+            <a:extLst>
+              <a:ext uri="{FF2B5EF4-FFF2-40B4-BE49-F238E27FC236}">
+                <a16:creationId xmlns:a16="http://schemas.microsoft.com/office/drawing/2014/main" id="{FFAC9CA5-21EE-A8A4-3044-D5AD183BE965}"/>
+              </a:ext>
+            </a:extLst>
+          </p:cNvPr>
+          <p:cNvSpPr/>
+          <p:nvPr/>
+        </p:nvSpPr>
+        <p:spPr>
+          <a:xfrm>
+            <a:off x="5591944" y="4365104"/>
+            <a:ext cx="288032" cy="216024"/>
+          </a:xfrm>
+          <a:prstGeom prst="ellipse">
+            <a:avLst/>
+          </a:prstGeom>
+          <a:solidFill>
+            <a:schemeClr val="tx1"/>
+          </a:solidFill>
+          <a:ln>
+            <a:noFill/>
+          </a:ln>
+        </p:spPr>
+        <p:style>
+          <a:lnRef idx="2">
+            <a:schemeClr val="accent1">
+              <a:shade val="50000"/>
+            </a:schemeClr>
+          </a:lnRef>
+          <a:fillRef idx="1">
+            <a:schemeClr val="accent1"/>
+          </a:fillRef>
+          <a:effectRef idx="0">
+            <a:schemeClr val="accent1"/>
+          </a:effectRef>
+          <a:fontRef idx="minor">
+            <a:schemeClr val="lt1"/>
+          </a:fontRef>
+        </p:style>
+        <p:txBody>
+          <a:bodyPr rtlCol="0" anchor="ctr"/>
+          <a:lstStyle/>
+          <a:p>
+            <a:pPr algn="ctr"/>
+            <a:endParaRPr kumimoji="1" lang="ja-JP" altLang="en-US"/>
+          </a:p>
+        </p:txBody>
+      </p:sp>
+      <p:sp>
+        <p:nvSpPr>
+          <p:cNvPr id="60" name="楕円 59">
+            <a:extLst>
+              <a:ext uri="{FF2B5EF4-FFF2-40B4-BE49-F238E27FC236}">
+                <a16:creationId xmlns:a16="http://schemas.microsoft.com/office/drawing/2014/main" id="{5169FD33-E9ED-257E-31DA-A49F80ED07CB}"/>
+              </a:ext>
+            </a:extLst>
+          </p:cNvPr>
+          <p:cNvSpPr/>
+          <p:nvPr/>
+        </p:nvSpPr>
+        <p:spPr>
+          <a:xfrm>
+            <a:off x="5303912" y="4149080"/>
+            <a:ext cx="288032" cy="216024"/>
+          </a:xfrm>
+          <a:prstGeom prst="ellipse">
+            <a:avLst/>
+          </a:prstGeom>
+          <a:solidFill>
+            <a:schemeClr val="tx1"/>
+          </a:solidFill>
+          <a:ln>
+            <a:noFill/>
           </a:ln>
         </p:spPr>
         <p:style>
@@ -15092,7 +19093,7 @@
     </p:spTree>
     <p:extLst>
       <p:ext uri="{BB962C8B-B14F-4D97-AF65-F5344CB8AC3E}">
-        <p14:creationId xmlns:p14="http://schemas.microsoft.com/office/powerpoint/2010/main" val="1842368940"/>
+        <p14:creationId xmlns:p14="http://schemas.microsoft.com/office/powerpoint/2010/main" val="1705413266"/>
       </p:ext>
     </p:extLst>
   </p:cSld>
